--- a/help/data-sheets/assets/DMeBusinessSupportDatasheet_2022.pptx
+++ b/help/data-sheets/assets/DMeBusinessSupportDatasheet_2022.pptx
@@ -270,6 +270,30 @@
     </pc:docChg>
   </pc:docChgLst>
   <pc:docChgLst>
+    <pc:chgData name="Jaclyn Zalesky" userId="S::zalesky@adobe.com::9c0b24b4-6ad7-45a7-a9a0-5ba404afed22" providerId="AD" clId="Web-{230F0D56-C414-F2B7-15F9-451AF6576368}"/>
+    <pc:docChg chg="mod modSld">
+      <pc:chgData name="Jaclyn Zalesky" userId="S::zalesky@adobe.com::9c0b24b4-6ad7-45a7-a9a0-5ba404afed22" providerId="AD" clId="Web-{230F0D56-C414-F2B7-15F9-451AF6576368}" dt="2022-02-10T15:57:01.008" v="107"/>
+      <pc:docMkLst>
+        <pc:docMk/>
+      </pc:docMkLst>
+      <pc:sldChg chg="modSp modCm">
+        <pc:chgData name="Jaclyn Zalesky" userId="S::zalesky@adobe.com::9c0b24b4-6ad7-45a7-a9a0-5ba404afed22" providerId="AD" clId="Web-{230F0D56-C414-F2B7-15F9-451AF6576368}" dt="2022-02-10T15:57:01.008" v="107"/>
+        <pc:sldMkLst>
+          <pc:docMk/>
+          <pc:sldMk cId="1050037809" sldId="261"/>
+        </pc:sldMkLst>
+        <pc:graphicFrameChg chg="mod modGraphic">
+          <ac:chgData name="Jaclyn Zalesky" userId="S::zalesky@adobe.com::9c0b24b4-6ad7-45a7-a9a0-5ba404afed22" providerId="AD" clId="Web-{230F0D56-C414-F2B7-15F9-451AF6576368}" dt="2022-02-10T15:56:55.836" v="105"/>
+          <ac:graphicFrameMkLst>
+            <pc:docMk/>
+            <pc:sldMk cId="1050037809" sldId="261"/>
+            <ac:graphicFrameMk id="21" creationId="{776EB197-58B6-794D-94F8-90888006EC22}"/>
+          </ac:graphicFrameMkLst>
+        </pc:graphicFrameChg>
+      </pc:sldChg>
+    </pc:docChg>
+  </pc:docChgLst>
+  <pc:docChgLst>
     <pc:chgData name="Jaclyn Zalesky" userId="S::zalesky@adobe.com::9c0b24b4-6ad7-45a7-a9a0-5ba404afed22" providerId="AD" clId="Web-{C9A7A18E-2CD6-D60F-0EAE-ADB272FCFFDF}"/>
     <pc:docChg chg="modSld">
       <pc:chgData name="Jaclyn Zalesky" userId="S::zalesky@adobe.com::9c0b24b4-6ad7-45a7-a9a0-5ba404afed22" providerId="AD" clId="Web-{C9A7A18E-2CD6-D60F-0EAE-ADB272FCFFDF}" dt="2022-03-04T01:00:42.113" v="1"/>
@@ -288,30 +312,6 @@
             <pc:docMk/>
             <pc:sldMk cId="0" sldId="256"/>
             <ac:graphicFrameMk id="11" creationId="{3AC7AEA2-E7A4-BD48-80EA-856168E207F6}"/>
-          </ac:graphicFrameMkLst>
-        </pc:graphicFrameChg>
-      </pc:sldChg>
-    </pc:docChg>
-  </pc:docChgLst>
-  <pc:docChgLst>
-    <pc:chgData name="Jaclyn Zalesky" userId="S::zalesky@adobe.com::9c0b24b4-6ad7-45a7-a9a0-5ba404afed22" providerId="AD" clId="Web-{230F0D56-C414-F2B7-15F9-451AF6576368}"/>
-    <pc:docChg chg="mod modSld">
-      <pc:chgData name="Jaclyn Zalesky" userId="S::zalesky@adobe.com::9c0b24b4-6ad7-45a7-a9a0-5ba404afed22" providerId="AD" clId="Web-{230F0D56-C414-F2B7-15F9-451AF6576368}" dt="2022-02-10T15:57:01.008" v="107"/>
-      <pc:docMkLst>
-        <pc:docMk/>
-      </pc:docMkLst>
-      <pc:sldChg chg="modSp modCm">
-        <pc:chgData name="Jaclyn Zalesky" userId="S::zalesky@adobe.com::9c0b24b4-6ad7-45a7-a9a0-5ba404afed22" providerId="AD" clId="Web-{230F0D56-C414-F2B7-15F9-451AF6576368}" dt="2022-02-10T15:57:01.008" v="107"/>
-        <pc:sldMkLst>
-          <pc:docMk/>
-          <pc:sldMk cId="1050037809" sldId="261"/>
-        </pc:sldMkLst>
-        <pc:graphicFrameChg chg="mod modGraphic">
-          <ac:chgData name="Jaclyn Zalesky" userId="S::zalesky@adobe.com::9c0b24b4-6ad7-45a7-a9a0-5ba404afed22" providerId="AD" clId="Web-{230F0D56-C414-F2B7-15F9-451AF6576368}" dt="2022-02-10T15:56:55.836" v="105"/>
-          <ac:graphicFrameMkLst>
-            <pc:docMk/>
-            <pc:sldMk cId="1050037809" sldId="261"/>
-            <ac:graphicFrameMk id="21" creationId="{776EB197-58B6-794D-94F8-90888006EC22}"/>
           </ac:graphicFrameMkLst>
         </pc:graphicFrameChg>
       </pc:sldChg>
@@ -432,41 +432,6 @@
 </pc:chgInfo>
 </file>
 
-<file path=ppt/comments/modernComment_105_3E964E31.xml><?xml version="1.0" encoding="utf-8"?>
-<p188:cmLst xmlns:a="http://schemas.openxmlformats.org/drawingml/2006/main" xmlns:r="http://schemas.openxmlformats.org/officeDocument/2006/relationships" xmlns:p188="http://schemas.microsoft.com/office/powerpoint/2018/8/main">
-  <p188:cm id="{71667EB1-1D95-4194-9107-42D8CF943CA0}" authorId="{DB1A11B9-3973-06DC-DBC2-EFEFEF087FED}" created="2022-02-09T19:19:31.362">
-    <pc:sldMkLst xmlns:pc="http://schemas.microsoft.com/office/powerpoint/2013/main/command">
-      <pc:docMk/>
-      <pc:sldMk cId="1050037809" sldId="261"/>
-    </pc:sldMkLst>
-    <p188:replyLst>
-      <p188:reply id="{A4AD3427-FF77-4841-BB89-DE3448FC5319}" authorId="{D376325D-2BBD-24A3-9FEE-692465B927D5}" created="2022-02-10T15:57:01.008">
-        <p188:txBody>
-          <a:bodyPr/>
-          <a:lstStyle/>
-          <a:p>
-            <a:r>
-              <a:rPr lang="en-US"/>
-              <a:t>Updated. </a:t>
-            </a:r>
-          </a:p>
-        </p188:txBody>
-      </p188:reply>
-    </p188:replyLst>
-    <p188:txBody>
-      <a:bodyPr/>
-      <a:lstStyle/>
-      <a:p>
-        <a:r>
-          <a:rPr lang="en-US"/>
-          <a:t>[@Jaclyn Zalesky]  change from Experience League to Enterprise Learn &amp; Support https://helpx.adobe.com/enterprise.html</a:t>
-        </a:r>
-      </a:p>
-    </p188:txBody>
-  </p188:cm>
-</p188:cmLst>
-</file>
-
 <file path=ppt/notesMasters/notesMaster1.xml><?xml version="1.0" encoding="utf-8"?>
 <p:notesMaster xmlns:a="http://schemas.openxmlformats.org/drawingml/2006/main" xmlns:r="http://schemas.openxmlformats.org/officeDocument/2006/relationships" xmlns:p="http://schemas.openxmlformats.org/presentationml/2006/main">
   <p:cSld>
@@ -549,7 +514,7 @@
           <a:p>
             <a:fld id="{FB81873C-0B24-F04A-98A1-90E0A78F7E8A}" type="datetimeFigureOut">
               <a:rPr lang="en-US" smtClean="0"/>
-              <a:t>3/3/2022</a:t>
+              <a:t>3/25/2022</a:t>
             </a:fld>
             <a:endParaRPr lang="en-US"/>
           </a:p>
@@ -1172,7 +1137,7 @@
           <a:p>
             <a:fld id="{1D8BD707-D9CF-40AE-B4C6-C98DA3205C09}" type="datetimeFigureOut">
               <a:rPr lang="en-US"/>
-              <a:t>3/3/2022</a:t>
+              <a:t>3/25/2022</a:t>
             </a:fld>
             <a:endParaRPr lang="en-US"/>
           </a:p>
@@ -1334,7 +1299,7 @@
           <a:p>
             <a:fld id="{1D8BD707-D9CF-40AE-B4C6-C98DA3205C09}" type="datetimeFigureOut">
               <a:rPr lang="en-US"/>
-              <a:t>3/3/2022</a:t>
+              <a:t>3/25/2022</a:t>
             </a:fld>
             <a:endParaRPr lang="en-US"/>
           </a:p>
@@ -1652,7 +1617,7 @@
           <a:p>
             <a:fld id="{1D8BD707-D9CF-40AE-B4C6-C98DA3205C09}" type="datetimeFigureOut">
               <a:rPr lang="en-US"/>
-              <a:t>3/3/2022</a:t>
+              <a:t>3/25/2022</a:t>
             </a:fld>
             <a:endParaRPr lang="en-US"/>
           </a:p>
@@ -1877,7 +1842,7 @@
         <p:spPr>
           <a:xfrm>
             <a:off x="168565" y="7162363"/>
-            <a:ext cx="2800350" cy="238760"/>
+            <a:ext cx="4206240" cy="238760"/>
           </a:xfrm>
           <a:prstGeom prst="rect">
             <a:avLst/>
@@ -1898,7 +1863,7 @@
               </a:spcBef>
             </a:pPr>
             <a:r>
-              <a:rPr sz="1400" b="1" u="heavy" spc="10" dirty="0">
+              <a:rPr lang="it-IT" sz="1400" b="1" u="heavy" dirty="0">
                 <a:solidFill>
                   <a:srgbClr val="020302"/>
                 </a:solidFill>
@@ -1910,87 +1875,8 @@
                 <a:latin typeface="Adobe Clean"/>
                 <a:cs typeface="Adobe Clean"/>
               </a:rPr>
-              <a:t>Service </a:t>
+              <a:t>Obiettivi del livello di servizio: risposta iniziale</a:t>
             </a:r>
-            <a:r>
-              <a:rPr sz="1400" b="1" u="heavy" spc="-10" dirty="0">
-                <a:solidFill>
-                  <a:srgbClr val="020302"/>
-                </a:solidFill>
-                <a:uFill>
-                  <a:solidFill>
-                    <a:srgbClr val="020302"/>
-                  </a:solidFill>
-                </a:uFill>
-                <a:latin typeface="Adobe Clean"/>
-                <a:cs typeface="Adobe Clean"/>
-              </a:rPr>
-              <a:t>Level </a:t>
-            </a:r>
-            <a:r>
-              <a:rPr sz="1400" b="1" u="heavy" spc="-45" dirty="0">
-                <a:solidFill>
-                  <a:srgbClr val="020302"/>
-                </a:solidFill>
-                <a:uFill>
-                  <a:solidFill>
-                    <a:srgbClr val="020302"/>
-                  </a:solidFill>
-                </a:uFill>
-                <a:latin typeface="Adobe Clean"/>
-                <a:cs typeface="Adobe Clean"/>
-              </a:rPr>
-              <a:t>Targets: </a:t>
-            </a:r>
-            <a:r>
-              <a:rPr sz="1400" b="1" u="heavy" spc="-10" dirty="0">
-                <a:solidFill>
-                  <a:srgbClr val="020302"/>
-                </a:solidFill>
-                <a:uFill>
-                  <a:solidFill>
-                    <a:srgbClr val="020302"/>
-                  </a:solidFill>
-                </a:uFill>
-                <a:latin typeface="Adobe Clean"/>
-                <a:cs typeface="Adobe Clean"/>
-              </a:rPr>
-              <a:t>Initial</a:t>
-            </a:r>
-            <a:r>
-              <a:rPr sz="1400" b="1" u="heavy" spc="-140" dirty="0">
-                <a:solidFill>
-                  <a:srgbClr val="020302"/>
-                </a:solidFill>
-                <a:uFill>
-                  <a:solidFill>
-                    <a:srgbClr val="020302"/>
-                  </a:solidFill>
-                </a:uFill>
-                <a:latin typeface="Adobe Clean"/>
-                <a:cs typeface="Adobe Clean"/>
-              </a:rPr>
-              <a:t> </a:t>
-            </a:r>
-            <a:r>
-              <a:rPr sz="1400" b="1" u="heavy" spc="-15" dirty="0">
-                <a:solidFill>
-                  <a:srgbClr val="020302"/>
-                </a:solidFill>
-                <a:uFill>
-                  <a:solidFill>
-                    <a:srgbClr val="020302"/>
-                  </a:solidFill>
-                </a:uFill>
-                <a:latin typeface="Adobe Clean"/>
-                <a:cs typeface="Adobe Clean"/>
-              </a:rPr>
-              <a:t>Response</a:t>
-            </a:r>
-            <a:endParaRPr sz="1400" dirty="0">
-              <a:latin typeface="Adobe Clean"/>
-              <a:cs typeface="Adobe Clean"/>
-            </a:endParaRPr>
           </a:p>
         </p:txBody>
       </p:sp>
@@ -2057,20 +1943,11 @@
               </a:spcBef>
             </a:pPr>
             <a:r>
-              <a:rPr sz="2300" dirty="0">
+              <a:rPr lang="it-IT" sz="2300">
                 <a:latin typeface="Adobe Clean" panose="020B0503020404020204" pitchFamily="34" charset="0"/>
               </a:rPr>
-              <a:t>ADOBE </a:t>
+              <a:t>PIANI DI SUPPORTO ADOBE</a:t>
             </a:r>
-            <a:r>
-              <a:rPr lang="en-US" sz="2300" dirty="0">
-                <a:latin typeface="Adobe Clean" panose="020B0503020404020204" pitchFamily="34" charset="0"/>
-              </a:rPr>
-              <a:t>SUPPORT PLANS</a:t>
-            </a:r>
-            <a:endParaRPr sz="2300" dirty="0">
-              <a:latin typeface="Adobe Clean" panose="020B0503020404020204" pitchFamily="34" charset="0"/>
-            </a:endParaRPr>
           </a:p>
         </p:txBody>
       </p:sp>
@@ -2083,7 +1960,7 @@
         <p:spPr>
           <a:xfrm>
             <a:off x="121147" y="635935"/>
-            <a:ext cx="5865216" cy="1281120"/>
+            <a:ext cx="5865216" cy="1271758"/>
           </a:xfrm>
           <a:prstGeom prst="rect">
             <a:avLst/>
@@ -2104,7 +1981,7 @@
               </a:spcBef>
             </a:pPr>
             <a:r>
-              <a:rPr lang="en-US" sz="1200" dirty="0">
+              <a:rPr lang="it-IT" sz="1200" dirty="0">
                 <a:solidFill>
                   <a:schemeClr val="bg1"/>
                 </a:solidFill>
@@ -2113,7 +1990,7 @@
               <a:t>Standard | </a:t>
             </a:r>
             <a:r>
-              <a:rPr lang="en-US" sz="1200" b="1" dirty="0">
+              <a:rPr lang="it-IT" sz="1200" b="1" dirty="0">
                 <a:solidFill>
                   <a:schemeClr val="bg1"/>
                 </a:solidFill>
@@ -2122,7 +1999,7 @@
               <a:t>Business</a:t>
             </a:r>
             <a:r>
-              <a:rPr lang="en-US" sz="1200" dirty="0">
+              <a:rPr lang="it-IT" sz="1200" dirty="0">
                 <a:solidFill>
                   <a:schemeClr val="bg1"/>
                 </a:solidFill>
@@ -2141,21 +2018,31 @@
               </a:spcBef>
             </a:pPr>
             <a:r>
-              <a:rPr lang="en-US" sz="1000" dirty="0">
+              <a:rPr lang="it-IT" sz="900" dirty="0">
                 <a:solidFill>
                   <a:schemeClr val="bg1"/>
                 </a:solidFill>
                 <a:latin typeface="Adobe Clean SemiLight"/>
               </a:rPr>
-              <a:t>Adobe provides a comprehensive range of technical resources to help support your business included as part of your Adobe enterprise subscription. This is enhanced with the BUSINESS support plan. BUSINESS support includes priority routing  for support cases to ensure faster connection to more senior support resources on submitted cases. BUSINESS customers also benefit from access to our technical support teams for any product query via either the telephone or the support web portal, to help protect your business at the most critical times. BUSINESS customers will be able to leverage their Account Support Lead for support case escalation management to receive regular communications and updates for your most critical of support requests.</a:t>
+              <a:t>Adobe offre una gamma completa di risorse tecniche per assistere la tua azienda, incluse nell’abbonamento Adobe Enterprise. Questa offerta è rafforzata con il piano di supporto BUSINESS. Il supporto BUSINESS include l’instradamento prioritario dei casi di supporto per garantire una connessione più rapida alle risorse di supporto più datate sui casi presentati. </a:t>
             </a:r>
-            <a:endParaRPr lang="en-US" sz="1000" dirty="0">
-              <a:solidFill>
-                <a:schemeClr val="bg1"/>
-              </a:solidFill>
-              <a:latin typeface="Adobe Clean SemiLight"/>
-              <a:cs typeface="AdobeClean-Light"/>
-            </a:endParaRPr>
+            <a:br>
+              <a:rPr lang="it-IT" sz="900" dirty="0">
+                <a:solidFill>
+                  <a:schemeClr val="bg1"/>
+                </a:solidFill>
+                <a:latin typeface="Adobe Clean SemiLight"/>
+              </a:rPr>
+            </a:br>
+            <a:r>
+              <a:rPr lang="it-IT" sz="900" dirty="0">
+                <a:solidFill>
+                  <a:schemeClr val="bg1"/>
+                </a:solidFill>
+                <a:latin typeface="Adobe Clean SemiLight"/>
+              </a:rPr>
+              <a:t>I clienti BUSINESS possono anche contattare i nostri team di supporto tecnico per domande su qualsiasi prodotto tramite telefono o portale web, i team addetti al supporto tecnico, per proteggere la propria azienda nei momenti più critici. I clienti BUSINESS saranno in grado di ricorrere al loro Account Support Lead per la gestione delle escalation dei casi di supporto per ricevere comunicazioni e aggiornamenti regolari per le richieste di supporto più critiche.</a:t>
+            </a:r>
           </a:p>
         </p:txBody>
       </p:sp>
@@ -2203,7 +2090,7 @@
           <p:nvPr>
             <p:extLst>
               <p:ext uri="{D42A27DB-BD31-4B8C-83A1-F6EECF244321}">
-                <p14:modId xmlns:p14="http://schemas.microsoft.com/office/powerpoint/2010/main" val="1922779486"/>
+                <p14:modId xmlns:p14="http://schemas.microsoft.com/office/powerpoint/2010/main" val="3728415104"/>
               </p:ext>
             </p:extLst>
           </p:nvPr>
@@ -2226,21 +2113,21 @@
                     </a:ext>
                   </a:extLst>
                 </a:gridCol>
-                <a:gridCol w="2251454">
+                <a:gridCol w="2702258">
                   <a:extLst>
                     <a:ext uri="{9D8B030D-6E8A-4147-A177-3AD203B41FA5}">
                       <a16:colId xmlns:a16="http://schemas.microsoft.com/office/drawing/2014/main" val="20001"/>
                     </a:ext>
                   </a:extLst>
                 </a:gridCol>
-                <a:gridCol w="1867662">
+                <a:gridCol w="1371600">
                   <a:extLst>
                     <a:ext uri="{9D8B030D-6E8A-4147-A177-3AD203B41FA5}">
                       <a16:colId xmlns:a16="http://schemas.microsoft.com/office/drawing/2014/main" val="2563521174"/>
                     </a:ext>
                   </a:extLst>
                 </a:gridCol>
-                <a:gridCol w="1867662">
+                <a:gridCol w="1912920">
                   <a:extLst>
                     <a:ext uri="{9D8B030D-6E8A-4147-A177-3AD203B41FA5}">
                       <a16:colId xmlns:a16="http://schemas.microsoft.com/office/drawing/2014/main" val="20003"/>
@@ -2292,39 +2179,15 @@
                         <a:defRPr/>
                       </a:pPr>
                       <a:r>
-                        <a:rPr lang="en-US" sz="1200" spc="-20" dirty="0">
+                        <a:rPr lang="it-IT" sz="1200">
                           <a:solidFill>
                             <a:srgbClr val="404040"/>
                           </a:solidFill>
                           <a:latin typeface="Adobe Clean"/>
                           <a:cs typeface="Adobe Clean"/>
                         </a:rPr>
-                        <a:t>Standard </a:t>
+                        <a:t>Supporto Standard</a:t>
                       </a:r>
-                      <a:r>
-                        <a:rPr lang="en-US" sz="1200" spc="-135" dirty="0">
-                          <a:solidFill>
-                            <a:srgbClr val="404040"/>
-                          </a:solidFill>
-                          <a:latin typeface="Adobe Clean"/>
-                          <a:cs typeface="Adobe Clean"/>
-                        </a:rPr>
-                        <a:t> </a:t>
-                      </a:r>
-                      <a:r>
-                        <a:rPr lang="en-US" sz="1200" spc="-20" dirty="0">
-                          <a:solidFill>
-                            <a:srgbClr val="404040"/>
-                          </a:solidFill>
-                          <a:latin typeface="Adobe Clean"/>
-                          <a:cs typeface="Adobe Clean"/>
-                        </a:rPr>
-                        <a:t>Support</a:t>
-                      </a:r>
-                      <a:endParaRPr lang="en-US" sz="1200" dirty="0">
-                        <a:latin typeface="Adobe Clean"/>
-                        <a:cs typeface="Adobe Clean"/>
-                      </a:endParaRPr>
                     </a:p>
                   </a:txBody>
                   <a:tcPr marL="0" marR="0" marT="7620" marB="0" anchor="ctr">
@@ -2365,39 +2228,15 @@
                         </a:spcBef>
                       </a:pPr>
                       <a:r>
-                        <a:rPr sz="1200" spc="-20" dirty="0">
+                        <a:rPr lang="it-IT" sz="1200">
                           <a:solidFill>
                             <a:srgbClr val="FFFFFF"/>
                           </a:solidFill>
                           <a:latin typeface="Adobe Clean"/>
                           <a:cs typeface="Adobe Clean"/>
                         </a:rPr>
-                        <a:t>Business</a:t>
+                        <a:t>Supporto Business</a:t>
                       </a:r>
-                      <a:r>
-                        <a:rPr lang="en-US" sz="1200" spc="-20" dirty="0">
-                          <a:solidFill>
-                            <a:srgbClr val="FFFFFF"/>
-                          </a:solidFill>
-                          <a:latin typeface="Adobe Clean"/>
-                          <a:cs typeface="Adobe Clean"/>
-                        </a:rPr>
-                        <a:t> </a:t>
-                      </a:r>
-                      <a:r>
-                        <a:rPr sz="1200" spc="-20" dirty="0">
-                          <a:solidFill>
-                            <a:srgbClr val="FFFFFF"/>
-                          </a:solidFill>
-                          <a:latin typeface="Adobe Clean"/>
-                          <a:cs typeface="Adobe Clean"/>
-                        </a:rPr>
-                        <a:t>Support</a:t>
-                      </a:r>
-                      <a:endParaRPr sz="1200" dirty="0">
-                        <a:latin typeface="Adobe Clean"/>
-                        <a:cs typeface="Adobe Clean"/>
-                      </a:endParaRPr>
                     </a:p>
                   </a:txBody>
                   <a:tcPr marL="0" marR="0" marT="7620" marB="0" anchor="ctr">
@@ -2462,7 +2301,7 @@
                     <a:bodyPr/>
                     <a:lstStyle/>
                     <a:p>
-                      <a:pPr marL="0" marR="0" lvl="0" indent="0" algn="ctr" defTabSz="914400" eaLnBrk="1" fontAlgn="auto" latinLnBrk="0" hangingPunct="1">
+                      <a:pPr marL="0" marR="0" lvl="0" indent="0" algn="l" defTabSz="914400" rtl="0" eaLnBrk="1" fontAlgn="auto" latinLnBrk="0" hangingPunct="1">
                         <a:lnSpc>
                           <a:spcPct val="100000"/>
                         </a:lnSpc>
@@ -2543,13 +2382,13 @@
                         <a:defRPr/>
                       </a:pPr>
                       <a:r>
-                        <a:rPr lang="en-US" sz="1200" b="1" i="1" dirty="0">
+                        <a:rPr lang="it-IT" sz="1200" b="1" i="1" dirty="0">
                           <a:solidFill>
                             <a:schemeClr val="bg1"/>
                           </a:solidFill>
                           <a:latin typeface="Adobe Clean" panose="020B0503020404020204" pitchFamily="34" charset="0"/>
                         </a:rPr>
-                        <a:t>Paid Support ($)</a:t>
+                        <a:t>Supporto a pagamento ($)</a:t>
                       </a:r>
                     </a:p>
                   </a:txBody>
@@ -2613,22 +2452,15 @@
                         </a:spcBef>
                       </a:pPr>
                       <a:r>
-                        <a:rPr lang="en-US" sz="1200" b="1" i="0" spc="0" dirty="0">
+                        <a:rPr lang="it-IT" sz="1200" b="1" i="0">
                           <a:solidFill>
                             <a:schemeClr val="bg1"/>
                           </a:solidFill>
                           <a:latin typeface="Adobe Clean"/>
                           <a:cs typeface="AdobeClean-Light"/>
                         </a:rPr>
-                        <a:t>Assigned Experts</a:t>
+                        <a:t>Esperti assegnati</a:t>
                       </a:r>
-                      <a:endParaRPr sz="1200" b="1" i="0" spc="0" dirty="0">
-                        <a:solidFill>
-                          <a:schemeClr val="bg1"/>
-                        </a:solidFill>
-                        <a:latin typeface="Adobe Clean"/>
-                        <a:cs typeface="AdobeClean-Light"/>
-                      </a:endParaRPr>
                     </a:p>
                   </a:txBody>
                   <a:tcPr marL="0" marR="0" marT="58419" marB="0" anchor="ctr">
@@ -2675,7 +2507,7 @@
                         </a:spcBef>
                       </a:pPr>
                       <a:r>
-                        <a:rPr sz="1100" b="0" i="0" spc="0" dirty="0">
+                        <a:rPr lang="it-IT" sz="1100" b="0" i="0">
                           <a:solidFill>
                             <a:srgbClr val="020302"/>
                           </a:solidFill>
@@ -2684,10 +2516,6 @@
                         </a:rPr>
                         <a:t>Account Support Lead</a:t>
                       </a:r>
-                      <a:endParaRPr sz="1100" b="0" i="0" spc="0" dirty="0">
-                        <a:latin typeface="Adobe Clean Light" panose="020B0303020404020204" pitchFamily="34" charset="0"/>
-                        <a:cs typeface="AdobeClean-Light"/>
-                      </a:endParaRPr>
                     </a:p>
                   </a:txBody>
                   <a:tcPr marL="0" marR="0" marT="58419" marB="0">
@@ -2722,7 +2550,7 @@
                     <a:bodyPr/>
                     <a:lstStyle/>
                     <a:p>
-                      <a:pPr algn="ctr">
+                      <a:pPr algn="l" rtl="0">
                         <a:lnSpc>
                           <a:spcPct val="100000"/>
                         </a:lnSpc>
@@ -2772,7 +2600,7 @@
                         </a:spcBef>
                       </a:pPr>
                       <a:r>
-                        <a:rPr sz="1200" dirty="0">
+                        <a:rPr lang="it-IT" sz="1200">
                           <a:solidFill>
                             <a:srgbClr val="020302"/>
                           </a:solidFill>
@@ -2781,10 +2609,6 @@
                         </a:rPr>
                         <a:t></a:t>
                       </a:r>
-                      <a:endParaRPr sz="1200" dirty="0">
-                        <a:latin typeface="Wingdings"/>
-                        <a:cs typeface="Wingdings"/>
-                      </a:endParaRPr>
                     </a:p>
                   </a:txBody>
                   <a:tcPr marL="0" marR="0" marT="59690" marB="0" anchor="ctr">
@@ -2816,7 +2640,7 @@
                     <a:bodyPr/>
                     <a:lstStyle/>
                     <a:p>
-                      <a:pPr marL="50800">
+                      <a:pPr marL="50800" algn="l" rtl="0">
                         <a:lnSpc>
                           <a:spcPct val="100000"/>
                         </a:lnSpc>
@@ -2846,7 +2670,7 @@
                         </a:spcBef>
                       </a:pPr>
                       <a:r>
-                        <a:rPr sz="1100" b="0" i="0" spc="0" dirty="0">
+                        <a:rPr lang="it-IT" sz="1100" b="0" i="0">
                           <a:solidFill>
                             <a:srgbClr val="020302"/>
                           </a:solidFill>
@@ -2855,10 +2679,6 @@
                         </a:rPr>
                         <a:t>Named Support Engineer</a:t>
                       </a:r>
-                      <a:endParaRPr sz="1100" b="0" i="0" spc="0" dirty="0">
-                        <a:latin typeface="Adobe Clean Light" panose="020B0303020404020204" pitchFamily="34" charset="0"/>
-                        <a:cs typeface="AdobeClean-Light"/>
-                      </a:endParaRPr>
                     </a:p>
                   </a:txBody>
                   <a:tcPr marL="0" marR="0" marT="58419" marB="0">
@@ -2887,7 +2707,7 @@
                     <a:bodyPr/>
                     <a:lstStyle/>
                     <a:p>
-                      <a:pPr algn="ctr">
+                      <a:pPr algn="l" rtl="0">
                         <a:lnSpc>
                           <a:spcPct val="100000"/>
                         </a:lnSpc>
@@ -2919,7 +2739,7 @@
                     <a:bodyPr/>
                     <a:lstStyle/>
                     <a:p>
-                      <a:pPr algn="ctr">
+                      <a:pPr algn="l" rtl="0">
                         <a:lnSpc>
                           <a:spcPct val="100000"/>
                         </a:lnSpc>
@@ -2953,7 +2773,7 @@
                     <a:bodyPr/>
                     <a:lstStyle/>
                     <a:p>
-                      <a:pPr marL="50800">
+                      <a:pPr marL="50800" algn="l" rtl="0">
                         <a:lnSpc>
                           <a:spcPct val="100000"/>
                         </a:lnSpc>
@@ -2983,7 +2803,7 @@
                         </a:spcBef>
                       </a:pPr>
                       <a:r>
-                        <a:rPr sz="1100" b="0" i="0" spc="0" dirty="0">
+                        <a:rPr lang="it-IT" sz="1100" b="0" i="0">
                           <a:solidFill>
                             <a:srgbClr val="020302"/>
                           </a:solidFill>
@@ -2992,10 +2812,6 @@
                         </a:rPr>
                         <a:t>Technical Account Manager</a:t>
                       </a:r>
-                      <a:endParaRPr sz="1100" b="0" i="0" spc="0" dirty="0">
-                        <a:latin typeface="Adobe Clean Light" panose="020B0303020404020204" pitchFamily="34" charset="0"/>
-                        <a:cs typeface="AdobeClean-Light"/>
-                      </a:endParaRPr>
                     </a:p>
                   </a:txBody>
                   <a:tcPr marL="0" marR="0" marT="63500" marB="0">
@@ -3033,7 +2849,7 @@
                     <a:bodyPr/>
                     <a:lstStyle/>
                     <a:p>
-                      <a:pPr algn="ctr">
+                      <a:pPr algn="l" rtl="0">
                         <a:lnSpc>
                           <a:spcPct val="100000"/>
                         </a:lnSpc>
@@ -3074,7 +2890,7 @@
                     <a:bodyPr/>
                     <a:lstStyle/>
                     <a:p>
-                      <a:pPr algn="ctr">
+                      <a:pPr algn="l" rtl="0">
                         <a:lnSpc>
                           <a:spcPct val="100000"/>
                         </a:lnSpc>
@@ -3126,22 +2942,15 @@
                         </a:spcBef>
                       </a:pPr>
                       <a:r>
-                        <a:rPr lang="en-US" sz="1200" b="1" i="0" spc="0" dirty="0">
+                        <a:rPr lang="it-IT" sz="1200" b="1" i="0">
                           <a:solidFill>
                             <a:schemeClr val="bg1"/>
                           </a:solidFill>
                           <a:latin typeface="Adobe Clean" panose="020B0503020404020204" pitchFamily="34" charset="0"/>
                           <a:cs typeface="AdobeClean-Light"/>
                         </a:rPr>
-                        <a:t>Support Services</a:t>
+                        <a:t>Servizi di assistenza</a:t>
                       </a:r>
-                      <a:endParaRPr sz="1200" b="1" i="0" spc="0" dirty="0">
-                        <a:solidFill>
-                          <a:schemeClr val="bg1"/>
-                        </a:solidFill>
-                        <a:latin typeface="Adobe Clean" panose="020B0503020404020204" pitchFamily="34" charset="0"/>
-                        <a:cs typeface="AdobeClean-Light"/>
-                      </a:endParaRPr>
                     </a:p>
                   </a:txBody>
                   <a:tcPr marL="0" marR="0" marT="57150" marB="0" anchor="ctr">
@@ -3191,19 +3000,15 @@
                         </a:spcBef>
                       </a:pPr>
                       <a:r>
-                        <a:rPr lang="en-US" sz="1100" b="0" i="0" spc="0" dirty="0">
+                        <a:rPr lang="it-IT" sz="1100" b="0" i="0">
                           <a:solidFill>
                             <a:srgbClr val="020302"/>
                           </a:solidFill>
                           <a:latin typeface="Adobe Clean Light" panose="020B0303020404020204" pitchFamily="34" charset="0"/>
                           <a:cs typeface="AdobeClean-Light"/>
                         </a:rPr>
-                        <a:t>24x7 Self-Help Support </a:t>
+                        <a:t>Supporto di assistenza autonoma 24x7 </a:t>
                       </a:r>
-                      <a:endParaRPr lang="en-US" sz="1100" b="0" i="0" spc="0" dirty="0">
-                        <a:latin typeface="Adobe Clean Light" panose="020B0303020404020204" pitchFamily="34" charset="0"/>
-                        <a:cs typeface="AdobeClean-Light"/>
-                      </a:endParaRPr>
                     </a:p>
                   </a:txBody>
                   <a:tcPr marL="0" marR="0" marT="57150" marB="0">
@@ -3247,7 +3052,7 @@
                         </a:spcBef>
                       </a:pPr>
                       <a:r>
-                        <a:rPr sz="1200" dirty="0">
+                        <a:rPr lang="it-IT" sz="1200">
                           <a:solidFill>
                             <a:srgbClr val="020302"/>
                           </a:solidFill>
@@ -3256,10 +3061,6 @@
                         </a:rPr>
                         <a:t></a:t>
                       </a:r>
-                      <a:endParaRPr sz="1200" dirty="0">
-                        <a:latin typeface="Wingdings"/>
-                        <a:cs typeface="Wingdings"/>
-                      </a:endParaRPr>
                     </a:p>
                   </a:txBody>
                   <a:tcPr marL="0" marR="0" marT="58419" marB="0">
@@ -3298,7 +3099,7 @@
                         </a:spcBef>
                       </a:pPr>
                       <a:r>
-                        <a:rPr sz="1200" dirty="0">
+                        <a:rPr lang="it-IT" sz="1200">
                           <a:solidFill>
                             <a:srgbClr val="020302"/>
                           </a:solidFill>
@@ -3307,10 +3108,6 @@
                         </a:rPr>
                         <a:t></a:t>
                       </a:r>
-                      <a:endParaRPr sz="1200" dirty="0">
-                        <a:latin typeface="Wingdings"/>
-                        <a:cs typeface="Wingdings"/>
-                      </a:endParaRPr>
                     </a:p>
                   </a:txBody>
                   <a:tcPr marL="0" marR="0" marT="58419" marB="0">
@@ -3342,7 +3139,7 @@
                     <a:bodyPr/>
                     <a:lstStyle/>
                     <a:p>
-                      <a:pPr marL="50800">
+                      <a:pPr marL="50800" algn="l" rtl="0">
                         <a:lnSpc>
                           <a:spcPct val="100000"/>
                         </a:lnSpc>
@@ -3400,19 +3197,15 @@
                         </a:spcBef>
                       </a:pPr>
                       <a:r>
-                        <a:rPr lang="en-US" sz="1100" b="0" i="0" spc="0" dirty="0">
+                        <a:rPr lang="it-IT" sz="1100" b="0" i="0">
                           <a:solidFill>
                             <a:srgbClr val="020302"/>
                           </a:solidFill>
                           <a:latin typeface="Adobe Clean Light" panose="020B0303020404020204" pitchFamily="34" charset="0"/>
                           <a:cs typeface="AdobeClean-Light"/>
                         </a:rPr>
-                        <a:t>24x7 Support via Chat / Phone</a:t>
+                        <a:t>Supporto 24x7 via chat/telefono</a:t>
                       </a:r>
-                      <a:endParaRPr sz="1100" b="0" i="0" spc="0" dirty="0">
-                        <a:latin typeface="Adobe Clean Light" panose="020B0303020404020204" pitchFamily="34" charset="0"/>
-                        <a:cs typeface="AdobeClean-Light"/>
-                      </a:endParaRPr>
                     </a:p>
                   </a:txBody>
                   <a:tcPr marL="0" marR="0" marT="57785" marB="0">
@@ -3454,7 +3247,7 @@
                         </a:spcBef>
                       </a:pPr>
                       <a:r>
-                        <a:rPr lang="en-US" sz="1200" dirty="0">
+                        <a:rPr lang="it-IT" sz="1200">
                           <a:solidFill>
                             <a:srgbClr val="020302"/>
                           </a:solidFill>
@@ -3463,10 +3256,6 @@
                         </a:rPr>
                         <a:t></a:t>
                       </a:r>
-                      <a:endParaRPr lang="en-US" sz="1200" dirty="0">
-                        <a:latin typeface="Wingdings"/>
-                        <a:cs typeface="Wingdings"/>
-                      </a:endParaRPr>
                     </a:p>
                   </a:txBody>
                   <a:tcPr marL="0" marR="0" marT="58419" marB="0">
@@ -3503,7 +3292,7 @@
                         </a:spcBef>
                       </a:pPr>
                       <a:r>
-                        <a:rPr sz="1200" dirty="0">
+                        <a:rPr lang="it-IT" sz="1200">
                           <a:solidFill>
                             <a:srgbClr val="020302"/>
                           </a:solidFill>
@@ -3512,10 +3301,6 @@
                         </a:rPr>
                         <a:t></a:t>
                       </a:r>
-                      <a:endParaRPr sz="1200" dirty="0">
-                        <a:latin typeface="Wingdings"/>
-                        <a:cs typeface="Wingdings"/>
-                      </a:endParaRPr>
                     </a:p>
                   </a:txBody>
                   <a:tcPr marL="0" marR="0" marT="58419" marB="0">
@@ -3547,7 +3332,7 @@
                     <a:bodyPr/>
                     <a:lstStyle/>
                     <a:p>
-                      <a:pPr marL="50800">
+                      <a:pPr marL="50800" algn="l" rtl="0">
                         <a:lnSpc>
                           <a:spcPct val="100000"/>
                         </a:lnSpc>
@@ -3614,16 +3399,12 @@
                         </a:spcBef>
                       </a:pPr>
                       <a:r>
-                        <a:rPr lang="en-US" sz="1100" b="0" i="0" spc="0" dirty="0">
+                        <a:rPr lang="it-IT" sz="1100" b="0" i="0">
                           <a:latin typeface="Adobe Clean Light" panose="020B0303020404020204" pitchFamily="34" charset="0"/>
                           <a:cs typeface="AdobeClean-Light"/>
                         </a:rPr>
-                        <a:t>Web Case Submissions </a:t>
+                        <a:t>Presentazioni dei casi sul web </a:t>
                       </a:r>
-                      <a:endParaRPr sz="1100" b="0" i="0" spc="0" dirty="0">
-                        <a:latin typeface="Adobe Clean Light" panose="020B0303020404020204" pitchFamily="34" charset="0"/>
-                        <a:cs typeface="AdobeClean-Light"/>
-                      </a:endParaRPr>
                     </a:p>
                   </a:txBody>
                   <a:tcPr marL="0" marR="0" marT="57785" marB="0">
@@ -3665,7 +3446,7 @@
                         </a:spcBef>
                       </a:pPr>
                       <a:r>
-                        <a:rPr sz="1200" dirty="0">
+                        <a:rPr lang="it-IT" sz="1200">
                           <a:solidFill>
                             <a:srgbClr val="020302"/>
                           </a:solidFill>
@@ -3674,10 +3455,6 @@
                         </a:rPr>
                         <a:t></a:t>
                       </a:r>
-                      <a:endParaRPr sz="1200" dirty="0">
-                        <a:latin typeface="Wingdings"/>
-                        <a:cs typeface="Wingdings"/>
-                      </a:endParaRPr>
                     </a:p>
                   </a:txBody>
                   <a:tcPr marL="0" marR="0" marT="58419" marB="0">
@@ -3714,7 +3491,7 @@
                         </a:spcBef>
                       </a:pPr>
                       <a:r>
-                        <a:rPr lang="en-US" sz="1200" dirty="0">
+                        <a:rPr lang="it-IT" sz="1200">
                           <a:solidFill>
                             <a:srgbClr val="020302"/>
                           </a:solidFill>
@@ -3723,10 +3500,6 @@
                         </a:rPr>
                         <a:t></a:t>
                       </a:r>
-                      <a:endParaRPr lang="en-US" sz="1200" dirty="0">
-                        <a:latin typeface="Wingdings"/>
-                        <a:cs typeface="Wingdings"/>
-                      </a:endParaRPr>
                     </a:p>
                   </a:txBody>
                   <a:tcPr marL="0" marR="0" marT="58419" marB="0">
@@ -3758,7 +3531,7 @@
                     <a:bodyPr/>
                     <a:lstStyle/>
                     <a:p>
-                      <a:pPr marL="50800">
+                      <a:pPr marL="50800" algn="l" rtl="0">
                         <a:lnSpc>
                           <a:spcPct val="100000"/>
                         </a:lnSpc>
@@ -3807,19 +3580,15 @@
                         </a:spcBef>
                       </a:pPr>
                       <a:r>
-                        <a:rPr lang="en-US" sz="1100" b="0" i="0" spc="0" dirty="0">
+                        <a:rPr lang="it-IT" sz="1100" b="0" i="0">
                           <a:solidFill>
                             <a:srgbClr val="020302"/>
                           </a:solidFill>
                           <a:latin typeface="Adobe Clean Light" panose="020B0303020404020204" pitchFamily="34" charset="0"/>
                           <a:cs typeface="AdobeClean-Light"/>
                         </a:rPr>
-                        <a:t>Priority Case Routing</a:t>
+                        <a:t>Instradamento dei casi prioritari</a:t>
                       </a:r>
-                      <a:endParaRPr sz="1100" b="0" i="0" spc="0" dirty="0">
-                        <a:latin typeface="Adobe Clean Light" panose="020B0303020404020204" pitchFamily="34" charset="0"/>
-                        <a:cs typeface="AdobeClean-Light"/>
-                      </a:endParaRPr>
                     </a:p>
                   </a:txBody>
                   <a:tcPr marL="0" marR="0" marT="58419" marB="0">
@@ -3842,7 +3611,7 @@
                     <a:bodyPr/>
                     <a:lstStyle/>
                     <a:p>
-                      <a:pPr algn="ctr">
+                      <a:pPr algn="l" rtl="0">
                         <a:lnSpc>
                           <a:spcPct val="100000"/>
                         </a:lnSpc>
@@ -3892,7 +3661,7 @@
                         <a:defRPr/>
                       </a:pPr>
                       <a:r>
-                        <a:rPr lang="en-US" sz="1200" dirty="0">
+                        <a:rPr lang="it-IT" sz="1200">
                           <a:solidFill>
                             <a:srgbClr val="020302"/>
                           </a:solidFill>
@@ -3901,10 +3670,6 @@
                         </a:rPr>
                         <a:t></a:t>
                       </a:r>
-                      <a:endParaRPr lang="en-US" sz="1200" dirty="0">
-                        <a:latin typeface="Wingdings"/>
-                        <a:cs typeface="Wingdings"/>
-                      </a:endParaRPr>
                     </a:p>
                   </a:txBody>
                   <a:tcPr marL="0" marR="0" marT="59054" marB="0">
@@ -3927,7 +3692,7 @@
                     <a:bodyPr/>
                     <a:lstStyle/>
                     <a:p>
-                      <a:pPr marL="50800">
+                      <a:pPr marL="50800" algn="l" rtl="0">
                         <a:lnSpc>
                           <a:spcPct val="100000"/>
                         </a:lnSpc>
@@ -3994,11 +3759,11 @@
                         <a:defRPr/>
                       </a:pPr>
                       <a:r>
-                        <a:rPr lang="en-US" sz="1100" b="0" i="0" spc="0" dirty="0">
+                        <a:rPr lang="it-IT" sz="1100" b="0" i="0">
                           <a:latin typeface="Adobe Clean Light" panose="020B0303020404020204" pitchFamily="34" charset="0"/>
                           <a:cs typeface="AdobeClean-Light"/>
                         </a:rPr>
-                        <a:t>Accelerated Issue Prioritization</a:t>
+                        <a:t>Prioritizzazione accelerata dei problemi</a:t>
                       </a:r>
                     </a:p>
                   </a:txBody>
@@ -4028,7 +3793,7 @@
                     <a:bodyPr/>
                     <a:lstStyle/>
                     <a:p>
-                      <a:pPr algn="ctr">
+                      <a:pPr algn="l" rtl="0">
                         <a:lnSpc>
                           <a:spcPct val="100000"/>
                         </a:lnSpc>
@@ -4069,7 +3834,7 @@
                         </a:spcBef>
                       </a:pPr>
                       <a:r>
-                        <a:rPr lang="en-US" sz="1200" dirty="0">
+                        <a:rPr lang="it-IT" sz="1200">
                           <a:solidFill>
                             <a:srgbClr val="020302"/>
                           </a:solidFill>
@@ -4078,10 +3843,6 @@
                         </a:rPr>
                         <a:t></a:t>
                       </a:r>
-                      <a:endParaRPr lang="en-US" sz="1200" dirty="0">
-                        <a:latin typeface="Wingdings"/>
-                        <a:cs typeface="Wingdings"/>
-                      </a:endParaRPr>
                     </a:p>
                   </a:txBody>
                   <a:tcPr marL="0" marR="0" marT="58419" marB="0">
@@ -4142,16 +3903,12 @@
                         </a:spcBef>
                       </a:pPr>
                       <a:r>
-                        <a:rPr lang="en-US" sz="1100" b="0" i="0" spc="0" dirty="0">
+                        <a:rPr lang="it-IT" sz="1100" b="0" i="0">
                           <a:latin typeface="Adobe Clean Light" panose="020B0303020404020204" pitchFamily="34" charset="0"/>
                           <a:cs typeface="AdobeClean-Light"/>
                         </a:rPr>
-                        <a:t>Escalation Management</a:t>
+                        <a:t>Gestione delle escalation</a:t>
                       </a:r>
-                      <a:endParaRPr sz="1100" b="0" i="0" spc="0" dirty="0">
-                        <a:latin typeface="Adobe Clean Light" panose="020B0303020404020204" pitchFamily="34" charset="0"/>
-                        <a:cs typeface="AdobeClean-Light"/>
-                      </a:endParaRPr>
                     </a:p>
                   </a:txBody>
                   <a:tcPr marL="0" marR="0" marT="57150" marB="0">
@@ -4174,7 +3931,7 @@
                     <a:bodyPr/>
                     <a:lstStyle/>
                     <a:p>
-                      <a:pPr algn="ctr">
+                      <a:pPr algn="l" rtl="0">
                         <a:lnSpc>
                           <a:spcPct val="100000"/>
                         </a:lnSpc>
@@ -4224,7 +3981,7 @@
                         <a:defRPr/>
                       </a:pPr>
                       <a:r>
-                        <a:rPr lang="en-US" sz="1200" dirty="0">
+                        <a:rPr lang="it-IT" sz="1200">
                           <a:solidFill>
                             <a:srgbClr val="020302"/>
                           </a:solidFill>
@@ -4233,10 +3990,6 @@
                         </a:rPr>
                         <a:t></a:t>
                       </a:r>
-                      <a:endParaRPr lang="en-US" sz="1200" dirty="0">
-                        <a:latin typeface="Wingdings"/>
-                        <a:cs typeface="Wingdings"/>
-                      </a:endParaRPr>
                     </a:p>
                   </a:txBody>
                   <a:tcPr marL="0" marR="0" marT="59054" marB="0">
@@ -4297,16 +4050,12 @@
                         </a:spcBef>
                       </a:pPr>
                       <a:r>
-                        <a:rPr lang="en-US" sz="1100" b="0" i="0" spc="0" dirty="0">
+                        <a:rPr lang="it-IT" sz="1100" b="0" i="0">
                           <a:latin typeface="Adobe Clean Light" panose="020B0303020404020204" pitchFamily="34" charset="0"/>
                           <a:cs typeface="AdobeClean-Light"/>
                         </a:rPr>
-                        <a:t>Proactive Case Monitoring</a:t>
+                        <a:t>Monitoraggio proattivo dei casi</a:t>
                       </a:r>
-                      <a:endParaRPr sz="1100" b="0" i="0" spc="0" dirty="0">
-                        <a:latin typeface="Adobe Clean Light" panose="020B0303020404020204" pitchFamily="34" charset="0"/>
-                        <a:cs typeface="AdobeClean-Light"/>
-                      </a:endParaRPr>
                     </a:p>
                   </a:txBody>
                   <a:tcPr marL="0" marR="0" marT="57150" marB="0">
@@ -4329,7 +4078,7 @@
                     <a:bodyPr/>
                     <a:lstStyle/>
                     <a:p>
-                      <a:pPr algn="ctr">
+                      <a:pPr algn="l" rtl="0">
                         <a:lnSpc>
                           <a:spcPct val="100000"/>
                         </a:lnSpc>
@@ -4361,7 +4110,7 @@
                     <a:bodyPr/>
                     <a:lstStyle/>
                     <a:p>
-                      <a:pPr algn="ctr">
+                      <a:pPr algn="l" rtl="0">
                         <a:lnSpc>
                           <a:spcPct val="100000"/>
                         </a:lnSpc>
@@ -4395,7 +4144,7 @@
                     <a:bodyPr/>
                     <a:lstStyle/>
                     <a:p>
-                      <a:pPr marL="48895">
+                      <a:pPr marL="48895" algn="l" rtl="0">
                         <a:lnSpc>
                           <a:spcPct val="100000"/>
                         </a:lnSpc>
@@ -4445,15 +4194,14 @@
                         <a:buNone/>
                       </a:pPr>
                       <a:r>
-                        <a:rPr lang="en-US" sz="1100" b="0" i="0" u="none" strike="noStrike" spc="0" noProof="0" dirty="0">
+                        <a:rPr lang="it-IT" sz="1100" b="0" i="0" u="none" strike="noStrike" noProof="0">
                           <a:solidFill>
                             <a:srgbClr val="020302"/>
                           </a:solidFill>
                           <a:latin typeface="Adobe Clean Light"/>
                         </a:rPr>
-                        <a:t>In-Region Support Option</a:t>
+                        <a:t>Opzione di assistenza nell’area geografica</a:t>
                       </a:r>
-                      <a:endParaRPr dirty="0"/>
                     </a:p>
                   </a:txBody>
                   <a:tcPr marL="0" marR="0" marT="58419" marB="0">
@@ -4476,7 +4224,7 @@
                     <a:bodyPr/>
                     <a:lstStyle/>
                     <a:p>
-                      <a:pPr>
+                      <a:pPr algn="l" rtl="0">
                         <a:lnSpc>
                           <a:spcPct val="100000"/>
                         </a:lnSpc>
@@ -4505,7 +4253,7 @@
                     <a:bodyPr/>
                     <a:lstStyle/>
                     <a:p>
-                      <a:pPr marL="0" marR="0" lvl="0" indent="0" algn="ctr" defTabSz="914400" eaLnBrk="1" fontAlgn="auto" latinLnBrk="0" hangingPunct="1">
+                      <a:pPr marL="0" marR="0" lvl="0" indent="0" algn="l" defTabSz="914400" rtl="0" eaLnBrk="1" fontAlgn="auto" latinLnBrk="0" hangingPunct="1">
                         <a:lnSpc>
                           <a:spcPct val="100000"/>
                         </a:lnSpc>
@@ -4548,7 +4296,7 @@
                     <a:bodyPr/>
                     <a:lstStyle/>
                     <a:p>
-                      <a:pPr marL="48895">
+                      <a:pPr marL="48895" algn="l" rtl="0">
                         <a:lnSpc>
                           <a:spcPct val="100000"/>
                         </a:lnSpc>
@@ -4578,19 +4326,15 @@
                         </a:spcBef>
                       </a:pPr>
                       <a:r>
-                        <a:rPr lang="en-US" sz="1100" b="0" i="0" spc="0" dirty="0">
+                        <a:rPr lang="it-IT" sz="1100" b="0" i="0">
                           <a:solidFill>
                             <a:srgbClr val="020302"/>
                           </a:solidFill>
                           <a:latin typeface="Adobe Clean Light" panose="020B0303020404020204" pitchFamily="34" charset="0"/>
                           <a:cs typeface="AdobeClean-Light"/>
                         </a:rPr>
-                        <a:t>Service Reviews</a:t>
+                        <a:t>Valutazioni dei servizi</a:t>
                       </a:r>
-                      <a:endParaRPr sz="1100" b="0" i="0" spc="0" dirty="0">
-                        <a:latin typeface="Adobe Clean Light" panose="020B0303020404020204" pitchFamily="34" charset="0"/>
-                        <a:cs typeface="AdobeClean-Light"/>
-                      </a:endParaRPr>
                     </a:p>
                   </a:txBody>
                   <a:tcPr marL="0" marR="0" marT="59055" marB="0">
@@ -4619,7 +4363,7 @@
                     <a:bodyPr/>
                     <a:lstStyle/>
                     <a:p>
-                      <a:pPr>
+                      <a:pPr algn="l" rtl="0">
                         <a:lnSpc>
                           <a:spcPct val="100000"/>
                         </a:lnSpc>
@@ -4648,7 +4392,7 @@
                     <a:bodyPr/>
                     <a:lstStyle/>
                     <a:p>
-                      <a:pPr>
+                      <a:pPr algn="l" rtl="0">
                         <a:lnSpc>
                           <a:spcPct val="100000"/>
                         </a:lnSpc>
@@ -4679,7 +4423,7 @@
                     <a:bodyPr/>
                     <a:lstStyle/>
                     <a:p>
-                      <a:pPr marL="49530">
+                      <a:pPr marL="49530" algn="l" rtl="0">
                         <a:lnSpc>
                           <a:spcPct val="100000"/>
                         </a:lnSpc>
@@ -4709,16 +4453,12 @@
                         </a:spcBef>
                       </a:pPr>
                       <a:r>
-                        <a:rPr lang="en-US" sz="1100" b="0" i="0" spc="0" dirty="0">
+                        <a:rPr lang="it-IT" sz="1100" b="0" i="0">
                           <a:latin typeface="Adobe Clean Light" panose="020B0303020404020204" pitchFamily="34" charset="0"/>
                           <a:cs typeface="AdobeClean-Light"/>
                         </a:rPr>
-                        <a:t>Case Reviews</a:t>
+                        <a:t>Valutazioni dei casi</a:t>
                       </a:r>
-                      <a:endParaRPr sz="1100" b="0" i="0" spc="0" dirty="0">
-                        <a:latin typeface="Adobe Clean Light" panose="020B0303020404020204" pitchFamily="34" charset="0"/>
-                        <a:cs typeface="AdobeClean-Light"/>
-                      </a:endParaRPr>
                     </a:p>
                   </a:txBody>
                   <a:tcPr marL="0" marR="0" marT="63500" marB="0">
@@ -4747,7 +4487,7 @@
                     <a:bodyPr/>
                     <a:lstStyle/>
                     <a:p>
-                      <a:pPr>
+                      <a:pPr algn="l" rtl="0">
                         <a:lnSpc>
                           <a:spcPct val="100000"/>
                         </a:lnSpc>
@@ -4776,7 +4516,7 @@
                     <a:bodyPr/>
                     <a:lstStyle/>
                     <a:p>
-                      <a:pPr>
+                      <a:pPr algn="l" rtl="0">
                         <a:lnSpc>
                           <a:spcPct val="100000"/>
                         </a:lnSpc>
@@ -4863,11 +4603,11 @@
                         <a:defRPr/>
                       </a:pPr>
                       <a:r>
-                        <a:rPr lang="en-US" sz="1100" b="0" i="0" spc="0" dirty="0">
+                        <a:rPr lang="it-IT" sz="1100" b="0" i="0">
                           <a:latin typeface="Adobe Clean Light" panose="020B0303020404020204" pitchFamily="34" charset="0"/>
                           <a:cs typeface="AdobeClean-Light"/>
                         </a:rPr>
-                        <a:t>Solution Review</a:t>
+                        <a:t>Valutazione delle soluzioni</a:t>
                       </a:r>
                     </a:p>
                   </a:txBody>
@@ -4897,7 +4637,7 @@
                     <a:bodyPr/>
                     <a:lstStyle/>
                     <a:p>
-                      <a:pPr>
+                      <a:pPr algn="l" rtl="0">
                         <a:lnSpc>
                           <a:spcPct val="100000"/>
                         </a:lnSpc>
@@ -4926,7 +4666,7 @@
                     <a:bodyPr/>
                     <a:lstStyle/>
                     <a:p>
-                      <a:pPr>
+                      <a:pPr algn="l" rtl="0">
                         <a:lnSpc>
                           <a:spcPct val="100000"/>
                         </a:lnSpc>
@@ -5004,11 +4744,11 @@
                         <a:defRPr/>
                       </a:pPr>
                       <a:r>
-                        <a:rPr lang="en-US" sz="1100" b="0" i="0" spc="0" dirty="0">
+                        <a:rPr lang="it-IT" sz="1100" b="0" i="0">
                           <a:latin typeface="Adobe Clean Light" panose="020B0303020404020204" pitchFamily="34" charset="0"/>
                           <a:cs typeface="AdobeClean-Light"/>
                         </a:rPr>
-                        <a:t>Roadmap Review </a:t>
+                        <a:t>Valutazione delle roadmap </a:t>
                       </a:r>
                     </a:p>
                   </a:txBody>
@@ -5032,7 +4772,7 @@
                     <a:bodyPr/>
                     <a:lstStyle/>
                     <a:p>
-                      <a:pPr>
+                      <a:pPr algn="l" rtl="0">
                         <a:lnSpc>
                           <a:spcPct val="100000"/>
                         </a:lnSpc>
@@ -5061,7 +4801,7 @@
                     <a:bodyPr/>
                     <a:lstStyle/>
                     <a:p>
-                      <a:pPr>
+                      <a:pPr algn="l" rtl="0">
                         <a:lnSpc>
                           <a:spcPct val="100000"/>
                         </a:lnSpc>
@@ -5139,19 +4879,15 @@
                         <a:defRPr/>
                       </a:pPr>
                       <a:r>
-                        <a:rPr lang="en-US" sz="1100" b="0" i="0" spc="0" dirty="0">
+                        <a:rPr lang="it-IT" sz="1100" b="0" i="0">
                           <a:solidFill>
                             <a:srgbClr val="020302"/>
                           </a:solidFill>
                           <a:latin typeface="Adobe Clean Light" panose="020B0303020404020204" pitchFamily="34" charset="0"/>
                           <a:cs typeface="AdobeClean-Light"/>
                         </a:rPr>
-                        <a:t>Additional Named Support Contacts </a:t>
+                        <a:t>Contatti di supporto designati aggiuntivi </a:t>
                       </a:r>
-                      <a:endParaRPr lang="en-US" sz="1100" b="0" i="0" spc="0" dirty="0">
-                        <a:latin typeface="Adobe Clean Light" panose="020B0303020404020204" pitchFamily="34" charset="0"/>
-                        <a:cs typeface="AdobeClean-Light"/>
-                      </a:endParaRPr>
                     </a:p>
                   </a:txBody>
                   <a:tcPr marL="0" marR="0" marT="63500" marB="0">
@@ -5174,7 +4910,7 @@
                     <a:bodyPr/>
                     <a:lstStyle/>
                     <a:p>
-                      <a:pPr>
+                      <a:pPr algn="l" rtl="0">
                         <a:lnSpc>
                           <a:spcPct val="100000"/>
                         </a:lnSpc>
@@ -5203,7 +4939,7 @@
                     <a:bodyPr/>
                     <a:lstStyle/>
                     <a:p>
-                      <a:pPr>
+                      <a:pPr algn="l" rtl="0">
                         <a:lnSpc>
                           <a:spcPct val="100000"/>
                         </a:lnSpc>
@@ -5281,16 +5017,12 @@
                         </a:spcBef>
                       </a:pPr>
                       <a:r>
-                        <a:rPr lang="en-US" sz="1100" b="0" i="0" spc="0" dirty="0">
+                        <a:rPr lang="it-IT" sz="1100" b="0" i="0" dirty="0">
                           <a:latin typeface="Adobe Clean Light" panose="020B0303020404020204" pitchFamily="34" charset="0"/>
                           <a:cs typeface="AdobeClean-Light"/>
                         </a:rPr>
-                        <a:t>Upgrade/Migration Planning</a:t>
+                        <a:t>Pianificazione dell’aggiornamento/migrazione</a:t>
                       </a:r>
-                      <a:endParaRPr sz="1100" b="0" i="0" spc="0" dirty="0">
-                        <a:latin typeface="Adobe Clean Light" panose="020B0303020404020204" pitchFamily="34" charset="0"/>
-                        <a:cs typeface="AdobeClean-Light"/>
-                      </a:endParaRPr>
                     </a:p>
                   </a:txBody>
                   <a:tcPr marL="0" marR="0" marT="63500" marB="0">
@@ -5322,7 +5054,7 @@
                     <a:bodyPr/>
                     <a:lstStyle/>
                     <a:p>
-                      <a:pPr>
+                      <a:pPr algn="l" rtl="0">
                         <a:lnSpc>
                           <a:spcPct val="100000"/>
                         </a:lnSpc>
@@ -5360,7 +5092,7 @@
                     <a:bodyPr/>
                     <a:lstStyle/>
                     <a:p>
-                      <a:pPr>
+                      <a:pPr algn="l" rtl="0">
                         <a:lnSpc>
                           <a:spcPct val="100000"/>
                         </a:lnSpc>
@@ -5419,16 +5151,12 @@
                         </a:spcBef>
                       </a:pPr>
                       <a:r>
-                        <a:rPr lang="en-US" sz="1100" b="0" i="0" spc="0" dirty="0">
+                        <a:rPr lang="it-IT" sz="1100" b="0" i="0">
                           <a:latin typeface="Adobe Clean Light" panose="020B0303020404020204" pitchFamily="34" charset="0"/>
                           <a:cs typeface="AdobeClean-Light"/>
                         </a:rPr>
-                        <a:t>Release Preparation and Planning</a:t>
+                        <a:t>Preparazione e pianificazione del rilascio</a:t>
                       </a:r>
-                      <a:endParaRPr sz="1100" b="0" i="0" spc="0" dirty="0">
-                        <a:latin typeface="Adobe Clean Light" panose="020B0303020404020204" pitchFamily="34" charset="0"/>
-                        <a:cs typeface="AdobeClean-Light"/>
-                      </a:endParaRPr>
                     </a:p>
                   </a:txBody>
                   <a:tcPr marL="0" marR="0" marT="63500" marB="0">
@@ -5475,7 +5203,7 @@
                     <a:bodyPr/>
                     <a:lstStyle/>
                     <a:p>
-                      <a:pPr>
+                      <a:pPr algn="l" rtl="0">
                         <a:lnSpc>
                           <a:spcPct val="100000"/>
                         </a:lnSpc>
@@ -5522,7 +5250,7 @@
                     <a:bodyPr/>
                     <a:lstStyle/>
                     <a:p>
-                      <a:pPr>
+                      <a:pPr algn="l" rtl="0">
                         <a:lnSpc>
                           <a:spcPct val="100000"/>
                         </a:lnSpc>
@@ -5571,7 +5299,7 @@
                     <a:bodyPr/>
                     <a:lstStyle/>
                     <a:p>
-                      <a:pPr marL="49530">
+                      <a:pPr marL="49530" algn="l" rtl="0">
                         <a:lnSpc>
                           <a:spcPct val="100000"/>
                         </a:lnSpc>
@@ -5638,16 +5366,12 @@
                         </a:spcBef>
                       </a:pPr>
                       <a:r>
-                        <a:rPr lang="en-US" sz="1100" b="0" i="0" spc="0" dirty="0">
+                        <a:rPr lang="it-IT" sz="1100" b="0" i="0">
                           <a:latin typeface="Adobe Clean Light" panose="020B0303020404020204" pitchFamily="34" charset="0"/>
                           <a:cs typeface="AdobeClean-Light"/>
                         </a:rPr>
-                        <a:t>Executive Sponsor</a:t>
+                        <a:t>Sponsor esecutivo</a:t>
                       </a:r>
-                      <a:endParaRPr sz="1100" b="0" i="0" spc="0" dirty="0">
-                        <a:latin typeface="Adobe Clean Light" panose="020B0303020404020204" pitchFamily="34" charset="0"/>
-                        <a:cs typeface="AdobeClean-Light"/>
-                      </a:endParaRPr>
                     </a:p>
                   </a:txBody>
                   <a:tcPr marL="0" marR="0" marT="67310" marB="0">
@@ -5691,7 +5415,7 @@
                     <a:bodyPr/>
                     <a:lstStyle/>
                     <a:p>
-                      <a:pPr>
+                      <a:pPr algn="l" rtl="0">
                         <a:lnSpc>
                           <a:spcPct val="100000"/>
                         </a:lnSpc>
@@ -5738,7 +5462,7 @@
                     <a:bodyPr/>
                     <a:lstStyle/>
                     <a:p>
-                      <a:pPr>
+                      <a:pPr algn="l" rtl="0">
                         <a:lnSpc>
                           <a:spcPct val="100000"/>
                         </a:lnSpc>
@@ -5814,13 +5538,13 @@
           <a:lstStyle/>
           <a:p>
             <a:r>
-              <a:rPr lang="en-US" sz="700" i="1" dirty="0">
+              <a:rPr lang="it-IT" sz="700" i="1">
                 <a:solidFill>
                   <a:schemeClr val="bg1"/>
                 </a:solidFill>
                 <a:latin typeface="Adobe Clean" panose="020B0503020404020204" pitchFamily="34" charset="0"/>
               </a:rPr>
-              <a:t>Adobe Creative Cloud / Adobe Document Cloud (including Adobe Sign)</a:t>
+              <a:t>Adobe Creative Cloud/Adobe Document Cloud (incluso Adobe Sign)</a:t>
             </a:r>
           </a:p>
         </p:txBody>
@@ -5840,14 +5564,14 @@
           <p:nvPr>
             <p:extLst>
               <p:ext uri="{D42A27DB-BD31-4B8C-83A1-F6EECF244321}">
-                <p14:modId xmlns:p14="http://schemas.microsoft.com/office/powerpoint/2010/main" val="2288175540"/>
+                <p14:modId xmlns:p14="http://schemas.microsoft.com/office/powerpoint/2010/main" val="3248464324"/>
               </p:ext>
             </p:extLst>
           </p:nvPr>
         </p:nvGraphicFramePr>
         <p:xfrm>
-          <a:off x="121146" y="7483227"/>
-          <a:ext cx="7498851" cy="2361428"/>
+          <a:off x="121146" y="7430953"/>
+          <a:ext cx="7498851" cy="2398847"/>
         </p:xfrm>
         <a:graphic>
           <a:graphicData uri="http://schemas.openxmlformats.org/drawingml/2006/table">
@@ -5877,14 +5601,14 @@
                     </a:ext>
                   </a:extLst>
                 </a:gridCol>
-                <a:gridCol w="914399">
+                <a:gridCol w="1066801">
                   <a:extLst>
                     <a:ext uri="{9D8B030D-6E8A-4147-A177-3AD203B41FA5}">
                       <a16:colId xmlns:a16="http://schemas.microsoft.com/office/drawing/2014/main" val="20003"/>
                     </a:ext>
                   </a:extLst>
                 </a:gridCol>
-                <a:gridCol w="914399">
+                <a:gridCol w="761997">
                   <a:extLst>
                     <a:ext uri="{9D8B030D-6E8A-4147-A177-3AD203B41FA5}">
                       <a16:colId xmlns:a16="http://schemas.microsoft.com/office/drawing/2014/main" val="20004"/>
@@ -5907,19 +5631,15 @@
                         </a:spcBef>
                       </a:pPr>
                       <a:r>
-                        <a:rPr sz="1000" spc="0">
+                        <a:rPr lang="it-IT" sz="1000" dirty="0">
                           <a:solidFill>
                             <a:srgbClr val="020302"/>
                           </a:solidFill>
                           <a:latin typeface="Adobe Clean"/>
                           <a:cs typeface="Adobe Clean"/>
                         </a:rPr>
-                        <a:t>Priority</a:t>
+                        <a:t>Priorità</a:t>
                       </a:r>
-                      <a:endParaRPr sz="1000" spc="0">
-                        <a:latin typeface="Adobe Clean"/>
-                        <a:cs typeface="Adobe Clean"/>
-                      </a:endParaRPr>
                     </a:p>
                   </a:txBody>
                   <a:tcPr marL="0" marR="0" marT="7620" marB="0" anchor="ctr">
@@ -5966,49 +5686,15 @@
                         </a:spcBef>
                       </a:pPr>
                       <a:r>
-                        <a:rPr lang="en-US" sz="900" spc="0">
+                        <a:rPr lang="it-IT" sz="900">
                           <a:solidFill>
                             <a:srgbClr val="020302"/>
                           </a:solidFill>
                           <a:latin typeface="Adobe Clean"/>
                           <a:cs typeface="Adobe Clean"/>
                         </a:rPr>
-                        <a:t>Standard</a:t>
+                        <a:t>Supporto Standard</a:t>
                       </a:r>
-                      <a:r>
-                        <a:rPr sz="900" spc="0">
-                          <a:solidFill>
-                            <a:srgbClr val="020302"/>
-                          </a:solidFill>
-                          <a:latin typeface="Adobe Clean"/>
-                          <a:cs typeface="Adobe Clean"/>
-                        </a:rPr>
-                        <a:t> </a:t>
-                      </a:r>
-                      <a:r>
-                        <a:rPr lang="en-US" sz="900" spc="0">
-                          <a:solidFill>
-                            <a:srgbClr val="020302"/>
-                          </a:solidFill>
-                          <a:latin typeface="Adobe Clean"/>
-                          <a:cs typeface="Adobe Clean"/>
-                        </a:rPr>
-                        <a:t> </a:t>
-                      </a:r>
-                      <a:r>
-                        <a:rPr sz="900" spc="0">
-                          <a:solidFill>
-                            <a:srgbClr val="020302"/>
-                          </a:solidFill>
-                          <a:latin typeface="Adobe Clean"/>
-                          <a:cs typeface="Adobe Clean"/>
-                        </a:rPr>
-                        <a:t>Support</a:t>
-                      </a:r>
-                      <a:endParaRPr sz="900" spc="0">
-                        <a:latin typeface="Adobe Clean"/>
-                        <a:cs typeface="Adobe Clean"/>
-                      </a:endParaRPr>
                     </a:p>
                   </a:txBody>
                   <a:tcPr marL="0" marR="0" marT="0" marB="0" anchor="ctr">
@@ -6058,39 +5744,15 @@
                         </a:spcBef>
                       </a:pPr>
                       <a:r>
-                        <a:rPr sz="900" spc="0">
+                        <a:rPr lang="it-IT" sz="900">
                           <a:solidFill>
                             <a:srgbClr val="FFFFFF"/>
                           </a:solidFill>
                           <a:latin typeface="Adobe Clean"/>
                           <a:cs typeface="Adobe Clean"/>
                         </a:rPr>
-                        <a:t>Business</a:t>
+                        <a:t>Supporto Business</a:t>
                       </a:r>
-                      <a:r>
-                        <a:rPr lang="en-US" sz="900" spc="0">
-                          <a:solidFill>
-                            <a:srgbClr val="FFFFFF"/>
-                          </a:solidFill>
-                          <a:latin typeface="Adobe Clean"/>
-                          <a:cs typeface="Adobe Clean"/>
-                        </a:rPr>
-                        <a:t> </a:t>
-                      </a:r>
-                      <a:r>
-                        <a:rPr sz="900" spc="0">
-                          <a:solidFill>
-                            <a:srgbClr val="FFFFFF"/>
-                          </a:solidFill>
-                          <a:latin typeface="Adobe Clean"/>
-                          <a:cs typeface="Adobe Clean"/>
-                        </a:rPr>
-                        <a:t>Support</a:t>
-                      </a:r>
-                      <a:endParaRPr sz="900" spc="0">
-                        <a:latin typeface="Adobe Clean"/>
-                        <a:cs typeface="Adobe Clean"/>
-                      </a:endParaRPr>
                     </a:p>
                   </a:txBody>
                   <a:tcPr marL="0" marR="0" marT="0" marB="0" anchor="ctr">
@@ -6137,39 +5799,15 @@
                         </a:spcBef>
                       </a:pPr>
                       <a:r>
-                        <a:rPr sz="900" spc="0">
+                        <a:rPr lang="it-IT" sz="900">
                           <a:solidFill>
                             <a:srgbClr val="FFFFFF"/>
                           </a:solidFill>
                           <a:latin typeface="Adobe Clean"/>
                           <a:cs typeface="Adobe Clean"/>
                         </a:rPr>
-                        <a:t>Enterprise </a:t>
+                        <a:t>Supporto Enterprise</a:t>
                       </a:r>
-                      <a:r>
-                        <a:rPr lang="en-US" sz="900" spc="0">
-                          <a:solidFill>
-                            <a:srgbClr val="FFFFFF"/>
-                          </a:solidFill>
-                          <a:latin typeface="Adobe Clean"/>
-                          <a:cs typeface="Adobe Clean"/>
-                        </a:rPr>
-                        <a:t> </a:t>
-                      </a:r>
-                      <a:r>
-                        <a:rPr sz="900" spc="0">
-                          <a:solidFill>
-                            <a:srgbClr val="FFFFFF"/>
-                          </a:solidFill>
-                          <a:latin typeface="Adobe Clean"/>
-                          <a:cs typeface="Adobe Clean"/>
-                        </a:rPr>
-                        <a:t>Support</a:t>
-                      </a:r>
-                      <a:endParaRPr sz="900" spc="0">
-                        <a:latin typeface="Adobe Clean"/>
-                        <a:cs typeface="Adobe Clean"/>
-                      </a:endParaRPr>
                     </a:p>
                   </a:txBody>
                   <a:tcPr marL="0" marR="0" marT="0" marB="0" anchor="ctr">
@@ -6216,39 +5854,15 @@
                         </a:spcBef>
                       </a:pPr>
                       <a:r>
-                        <a:rPr sz="900" spc="0">
+                        <a:rPr lang="it-IT" sz="900" dirty="0">
                           <a:solidFill>
                             <a:srgbClr val="FFFFFF"/>
                           </a:solidFill>
                           <a:latin typeface="Adobe Clean"/>
                           <a:cs typeface="Adobe Clean"/>
                         </a:rPr>
-                        <a:t>Elite</a:t>
+                        <a:t>Supporto Elite</a:t>
                       </a:r>
-                      <a:r>
-                        <a:rPr lang="en-US" sz="900" spc="0">
-                          <a:solidFill>
-                            <a:srgbClr val="FFFFFF"/>
-                          </a:solidFill>
-                          <a:latin typeface="Adobe Clean"/>
-                          <a:cs typeface="Adobe Clean"/>
-                        </a:rPr>
-                        <a:t> </a:t>
-                      </a:r>
-                      <a:r>
-                        <a:rPr sz="900" spc="0">
-                          <a:solidFill>
-                            <a:srgbClr val="FFFFFF"/>
-                          </a:solidFill>
-                          <a:latin typeface="Adobe Clean"/>
-                          <a:cs typeface="Adobe Clean"/>
-                        </a:rPr>
-                        <a:t>Support</a:t>
-                      </a:r>
-                      <a:endParaRPr sz="900" spc="0">
-                        <a:latin typeface="Adobe Clean"/>
-                        <a:cs typeface="Adobe Clean"/>
-                      </a:endParaRPr>
                     </a:p>
                   </a:txBody>
                   <a:tcPr marL="0" marR="0" marT="0" marB="0" anchor="ctr">
@@ -6302,19 +5916,15 @@
                         </a:spcBef>
                       </a:pPr>
                       <a:r>
-                        <a:rPr sz="900" b="1" spc="0" dirty="0">
+                        <a:rPr lang="it-IT" sz="900" b="1" dirty="0">
                           <a:solidFill>
                             <a:srgbClr val="020302"/>
                           </a:solidFill>
                           <a:latin typeface="Adobe Clean"/>
                           <a:cs typeface="Adobe Clean"/>
                         </a:rPr>
-                        <a:t>PRIORITY 1</a:t>
+                        <a:t>PRIORITÀ 1</a:t>
                       </a:r>
-                      <a:endParaRPr sz="900" spc="0" dirty="0">
-                        <a:latin typeface="Adobe Clean"/>
-                        <a:cs typeface="Adobe Clean"/>
-                      </a:endParaRPr>
                     </a:p>
                     <a:p>
                       <a:pPr marL="50800" marR="387985">
@@ -6326,19 +5936,14 @@
                         </a:spcBef>
                       </a:pPr>
                       <a:r>
-                        <a:rPr lang="en-US" sz="900" b="0" i="0" spc="0" dirty="0">
+                        <a:rPr lang="it-IT" sz="850" b="0" i="0" dirty="0">
                           <a:solidFill>
                             <a:srgbClr val="000000"/>
                           </a:solidFill>
-                          <a:effectLst/>
                           <a:latin typeface="Adobe Clean Light" panose="020B0303020404020204" pitchFamily="34" charset="0"/>
                         </a:rPr>
-                        <a:t>Customer's production business functions are down or have significant data loss or service degradation and immediate attention is required to restore functionality and usability. </a:t>
+                        <a:t>Le funzioni operative nell’ambiente di produzione del cliente non sono disponibili oppure si verificano problemi significativi di perdita di dati o deterioramento del servizio ed è richiesto un intervento immediato per ripristinare funzionalità e usabilità. </a:t>
                       </a:r>
-                      <a:endParaRPr sz="900" spc="0" dirty="0">
-                        <a:latin typeface="AdobeClean-Light"/>
-                        <a:cs typeface="AdobeClean-Light"/>
-                      </a:endParaRPr>
                     </a:p>
                   </a:txBody>
                   <a:tcPr marL="0" marR="0" marT="0" marB="0" anchor="ctr">
@@ -6385,14 +5990,14 @@
                         </a:spcBef>
                       </a:pPr>
                       <a:r>
-                        <a:rPr lang="en-US" sz="900" spc="0">
+                        <a:rPr lang="it-IT" sz="900">
                           <a:solidFill>
                             <a:srgbClr val="020302"/>
                           </a:solidFill>
                           <a:latin typeface="AdobeClean-Light"/>
                           <a:cs typeface="AdobeClean-Light"/>
                         </a:rPr>
-                        <a:t>24x7 /</a:t>
+                        <a:t>24x7/</a:t>
                       </a:r>
                     </a:p>
                     <a:p>
@@ -6405,19 +6010,15 @@
                         </a:spcBef>
                       </a:pPr>
                       <a:r>
-                        <a:rPr lang="en-US" sz="900" spc="0">
+                        <a:rPr lang="it-IT" sz="900">
                           <a:solidFill>
                             <a:srgbClr val="020302"/>
                           </a:solidFill>
                           <a:latin typeface="AdobeClean-Light"/>
                           <a:cs typeface="AdobeClean-Light"/>
                         </a:rPr>
-                        <a:t> 30 minutes</a:t>
+                        <a:t> 30 minuti</a:t>
                       </a:r>
-                      <a:endParaRPr lang="en-US" sz="900" spc="0">
-                        <a:latin typeface="AdobeClean-Light"/>
-                        <a:cs typeface="AdobeClean-Light"/>
-                      </a:endParaRPr>
                     </a:p>
                   </a:txBody>
                   <a:tcPr marL="0" marR="0" marT="0" marB="0" anchor="ctr">
@@ -6462,10 +6063,10 @@
                         <a:tabLst/>
                       </a:pPr>
                       <a:r>
-                        <a:rPr lang="en-US" sz="1000" i="0" spc="0" dirty="0">
+                        <a:rPr lang="it-IT" sz="1000" i="0">
                           <a:latin typeface="AdobeClean-Light"/>
                         </a:rPr>
-                        <a:t>Customers who purchase a Support Plan for applicable Adobe Products and Services receive priority case routing that fast-tracks cases to Adobe’s Support Engineers. </a:t>
+                        <a:t>I clienti che acquistano un piano di supporto per i prodotti e i servizi Adobe applicabili ricevono l’instradamento prioritario dei casi, che consente di trasmetterli rapidamente ai tecnici del supporto Adobe. </a:t>
                       </a:r>
                     </a:p>
                   </a:txBody>
@@ -6513,7 +6114,7 @@
                         </a:spcBef>
                       </a:pPr>
                       <a:r>
-                        <a:rPr sz="900" spc="0">
+                        <a:rPr lang="it-IT" sz="900">
                           <a:solidFill>
                             <a:srgbClr val="020302"/>
                           </a:solidFill>
@@ -6523,10 +6124,52 @@
                           <a:latin typeface="AdobeClean-Light"/>
                           <a:cs typeface="AdobeClean-Light"/>
                         </a:rPr>
-                        <a:t>24x7 /  </a:t>
+                        <a:t>24x7/           30 minuti</a:t>
                       </a:r>
+                    </a:p>
+                  </a:txBody>
+                  <a:tcPr marL="0" marR="0" marT="0" marB="0" anchor="ctr">
+                    <a:lnL w="3175">
+                      <a:solidFill>
+                        <a:srgbClr val="B7B8B8"/>
+                      </a:solidFill>
+                      <a:prstDash val="solid"/>
+                    </a:lnL>
+                    <a:lnR w="3175">
+                      <a:solidFill>
+                        <a:srgbClr val="B7B8B8"/>
+                      </a:solidFill>
+                      <a:prstDash val="solid"/>
+                    </a:lnR>
+                    <a:lnT w="76200">
+                      <a:solidFill>
+                        <a:srgbClr val="2E8FFF"/>
+                      </a:solidFill>
+                      <a:prstDash val="solid"/>
+                    </a:lnT>
+                    <a:lnB w="3175">
+                      <a:solidFill>
+                        <a:srgbClr val="B7B8B8"/>
+                      </a:solidFill>
+                      <a:prstDash val="solid"/>
+                    </a:lnB>
+                  </a:tcPr>
+                </a:tc>
+                <a:tc rowSpan="4" hMerge="1">
+                  <a:txBody>
+                    <a:bodyPr/>
+                    <a:lstStyle/>
+                    <a:p>
+                      <a:pPr marL="0" marR="271780" indent="103505" algn="ctr">
+                        <a:lnSpc>
+                          <a:spcPct val="100000"/>
+                        </a:lnSpc>
+                        <a:spcBef>
+                          <a:spcPts val="670"/>
+                        </a:spcBef>
+                      </a:pPr>
                       <a:r>
-                        <a:rPr lang="en-US" sz="900" spc="0">
+                        <a:rPr lang="it-IT" sz="900">
                           <a:solidFill>
                             <a:srgbClr val="020302"/>
                           </a:solidFill>
@@ -6536,168 +6179,8 @@
                           <a:latin typeface="AdobeClean-Light"/>
                           <a:cs typeface="AdobeClean-Light"/>
                         </a:rPr>
-                        <a:t>         </a:t>
+                        <a:t>24x7/         15 minuti</a:t>
                       </a:r>
-                      <a:r>
-                        <a:rPr sz="900" spc="0">
-                          <a:solidFill>
-                            <a:srgbClr val="020302"/>
-                          </a:solidFill>
-                          <a:highlight>
-                            <a:srgbClr val="FFFF00"/>
-                          </a:highlight>
-                          <a:latin typeface="AdobeClean-Light"/>
-                          <a:cs typeface="AdobeClean-Light"/>
-                        </a:rPr>
-                        <a:t>30</a:t>
-                      </a:r>
-                      <a:r>
-                        <a:rPr lang="en-US" sz="900" spc="0">
-                          <a:solidFill>
-                            <a:srgbClr val="020302"/>
-                          </a:solidFill>
-                          <a:highlight>
-                            <a:srgbClr val="FFFF00"/>
-                          </a:highlight>
-                          <a:latin typeface="AdobeClean-Light"/>
-                          <a:cs typeface="AdobeClean-Light"/>
-                        </a:rPr>
-                        <a:t> </a:t>
-                      </a:r>
-                      <a:r>
-                        <a:rPr sz="900" spc="0">
-                          <a:solidFill>
-                            <a:srgbClr val="020302"/>
-                          </a:solidFill>
-                          <a:highlight>
-                            <a:srgbClr val="FFFF00"/>
-                          </a:highlight>
-                          <a:latin typeface="AdobeClean-Light"/>
-                          <a:cs typeface="AdobeClean-Light"/>
-                        </a:rPr>
-                        <a:t>minutes</a:t>
-                      </a:r>
-                      <a:endParaRPr sz="900" spc="0">
-                        <a:highlight>
-                          <a:srgbClr val="FFFF00"/>
-                        </a:highlight>
-                        <a:latin typeface="AdobeClean-Light"/>
-                        <a:cs typeface="AdobeClean-Light"/>
-                      </a:endParaRPr>
-                    </a:p>
-                  </a:txBody>
-                  <a:tcPr marL="0" marR="0" marT="0" marB="0" anchor="ctr">
-                    <a:lnL w="3175">
-                      <a:solidFill>
-                        <a:srgbClr val="B7B8B8"/>
-                      </a:solidFill>
-                      <a:prstDash val="solid"/>
-                    </a:lnL>
-                    <a:lnR w="3175">
-                      <a:solidFill>
-                        <a:srgbClr val="B7B8B8"/>
-                      </a:solidFill>
-                      <a:prstDash val="solid"/>
-                    </a:lnR>
-                    <a:lnT w="76200">
-                      <a:solidFill>
-                        <a:srgbClr val="2E8FFF"/>
-                      </a:solidFill>
-                      <a:prstDash val="solid"/>
-                    </a:lnT>
-                    <a:lnB w="3175">
-                      <a:solidFill>
-                        <a:srgbClr val="B7B8B8"/>
-                      </a:solidFill>
-                      <a:prstDash val="solid"/>
-                    </a:lnB>
-                  </a:tcPr>
-                </a:tc>
-                <a:tc rowSpan="4" hMerge="1">
-                  <a:txBody>
-                    <a:bodyPr/>
-                    <a:lstStyle/>
-                    <a:p>
-                      <a:pPr marL="0" marR="271780" indent="103505" algn="ctr">
-                        <a:lnSpc>
-                          <a:spcPct val="100000"/>
-                        </a:lnSpc>
-                        <a:spcBef>
-                          <a:spcPts val="670"/>
-                        </a:spcBef>
-                      </a:pPr>
-                      <a:r>
-                        <a:rPr sz="900" spc="0">
-                          <a:solidFill>
-                            <a:srgbClr val="020302"/>
-                          </a:solidFill>
-                          <a:highlight>
-                            <a:srgbClr val="FFFF00"/>
-                          </a:highlight>
-                          <a:latin typeface="AdobeClean-Light"/>
-                          <a:cs typeface="AdobeClean-Light"/>
-                        </a:rPr>
-                        <a:t>24x7 / </a:t>
-                      </a:r>
-                      <a:r>
-                        <a:rPr lang="en-US" sz="900" spc="0">
-                          <a:solidFill>
-                            <a:srgbClr val="020302"/>
-                          </a:solidFill>
-                          <a:highlight>
-                            <a:srgbClr val="FFFF00"/>
-                          </a:highlight>
-                          <a:latin typeface="AdobeClean-Light"/>
-                          <a:cs typeface="AdobeClean-Light"/>
-                        </a:rPr>
-                        <a:t>       </a:t>
-                      </a:r>
-                      <a:r>
-                        <a:rPr sz="900" spc="0">
-                          <a:solidFill>
-                            <a:srgbClr val="020302"/>
-                          </a:solidFill>
-                          <a:highlight>
-                            <a:srgbClr val="FFFF00"/>
-                          </a:highlight>
-                          <a:latin typeface="AdobeClean-Light"/>
-                          <a:cs typeface="AdobeClean-Light"/>
-                        </a:rPr>
-                        <a:t> 15</a:t>
-                      </a:r>
-                      <a:r>
-                        <a:rPr lang="en-US" sz="900" spc="0">
-                          <a:solidFill>
-                            <a:srgbClr val="020302"/>
-                          </a:solidFill>
-                          <a:highlight>
-                            <a:srgbClr val="FFFF00"/>
-                          </a:highlight>
-                          <a:latin typeface="AdobeClean-Light"/>
-                          <a:cs typeface="AdobeClean-Light"/>
-                        </a:rPr>
-                        <a:t> </a:t>
-                      </a:r>
-                      <a:r>
-                        <a:rPr sz="900" spc="0">
-                          <a:solidFill>
-                            <a:srgbClr val="020302"/>
-                          </a:solidFill>
-                          <a:highlight>
-                            <a:srgbClr val="FFFF00"/>
-                          </a:highlight>
-                          <a:latin typeface="AdobeClean-Light"/>
-                          <a:cs typeface="AdobeClean-Light"/>
-                        </a:rPr>
-                        <a:t>minutes</a:t>
-                      </a:r>
-                      <a:endParaRPr sz="900" spc="0">
-                        <a:highlight>
-                          <a:srgbClr val="FFFF00"/>
-                        </a:highlight>
-                        <a:latin typeface="AdobeClean-Light"/>
-                        <a:cs typeface="AdobeClean-Light"/>
-                      </a:endParaRPr>
                     </a:p>
                   </a:txBody>
                   <a:tcPr marL="0" marR="0" marT="0" marB="0" anchor="ctr">
@@ -6748,19 +6231,15 @@
                         </a:spcBef>
                       </a:pPr>
                       <a:r>
-                        <a:rPr sz="900" b="1" spc="0">
+                        <a:rPr lang="it-IT" sz="900" b="1" dirty="0">
                           <a:solidFill>
                             <a:srgbClr val="020302"/>
                           </a:solidFill>
                           <a:latin typeface="Adobe Clean"/>
                           <a:cs typeface="Adobe Clean"/>
                         </a:rPr>
-                        <a:t>PRIORITY 2</a:t>
+                        <a:t>PRIORITÀ 2</a:t>
                       </a:r>
-                      <a:endParaRPr sz="900" spc="0">
-                        <a:latin typeface="Adobe Clean"/>
-                        <a:cs typeface="Adobe Clean"/>
-                      </a:endParaRPr>
                     </a:p>
                     <a:p>
                       <a:pPr marL="50165" marR="203200" indent="0" defTabSz="914400" eaLnBrk="1" fontAlgn="auto" latinLnBrk="0" hangingPunct="1">
@@ -6781,19 +6260,14 @@
                         <a:defRPr/>
                       </a:pPr>
                       <a:r>
-                        <a:rPr lang="en-US" sz="900" b="0" i="0" spc="0">
+                        <a:rPr lang="it-IT" sz="850" b="0" i="0" dirty="0">
                           <a:solidFill>
                             <a:srgbClr val="000000"/>
                           </a:solidFill>
-                          <a:effectLst/>
                           <a:latin typeface="Adobe Clean Light" panose="020B0303020404020204" pitchFamily="34" charset="0"/>
                         </a:rPr>
-                        <a:t>Customer's business functions have major service degradation or potential data loss, or a major feature is impacted. </a:t>
+                        <a:t>Le funzioni operative del cliente hanno subìto notevoli deterioramenti del servizio o potenziale perdita di dati, oppure un problema interessa una funzione importante. </a:t>
                       </a:r>
-                      <a:endParaRPr sz="900" b="0" i="0" spc="0">
-                        <a:latin typeface="Adobe Clean Light" panose="020B0303020404020204" pitchFamily="34" charset="0"/>
-                        <a:cs typeface="AdobeClean-Light"/>
-                      </a:endParaRPr>
                     </a:p>
                   </a:txBody>
                   <a:tcPr marL="0" marR="0" marT="0" marB="0" anchor="ctr">
@@ -6840,14 +6314,14 @@
                         </a:spcBef>
                       </a:pPr>
                       <a:r>
-                        <a:rPr lang="en-US" sz="900" spc="0">
+                        <a:rPr lang="it-IT" sz="900">
                           <a:solidFill>
                             <a:srgbClr val="020302"/>
                           </a:solidFill>
                           <a:latin typeface="AdobeClean-Light"/>
                           <a:cs typeface="AdobeClean-Light"/>
                         </a:rPr>
-                        <a:t>      24x7 /</a:t>
+                        <a:t>      24x7/</a:t>
                       </a:r>
                     </a:p>
                     <a:p>
@@ -6860,19 +6334,15 @@
                         </a:spcBef>
                       </a:pPr>
                       <a:r>
-                        <a:rPr lang="en-US" sz="900" spc="0">
+                        <a:rPr lang="it-IT" sz="900">
                           <a:solidFill>
                             <a:srgbClr val="020302"/>
                           </a:solidFill>
                           <a:latin typeface="AdobeClean-Light"/>
                           <a:cs typeface="AdobeClean-Light"/>
                         </a:rPr>
-                        <a:t>     1 hour</a:t>
+                        <a:t>     1 ora</a:t>
                       </a:r>
-                      <a:endParaRPr lang="en-US" sz="900" spc="0">
-                        <a:latin typeface="AdobeClean-Light"/>
-                        <a:cs typeface="AdobeClean-Light"/>
-                      </a:endParaRPr>
                     </a:p>
                   </a:txBody>
                   <a:tcPr marL="0" marR="0" marT="0" marB="0" anchor="ctr">
@@ -6907,7 +6377,7 @@
                     <a:bodyPr/>
                     <a:lstStyle/>
                     <a:p>
-                      <a:pPr marL="0" marR="184785" indent="-194310" algn="ctr">
+                      <a:pPr marL="0" marR="184785" indent="-194310" algn="l" rtl="0">
                         <a:lnSpc>
                           <a:spcPct val="100000"/>
                         </a:lnSpc>
@@ -6959,7 +6429,7 @@
                     <a:bodyPr/>
                     <a:lstStyle/>
                     <a:p>
-                      <a:pPr marL="0" marR="325755" indent="-5715" algn="ctr">
+                      <a:pPr marL="0" marR="325755" indent="-5715" algn="l" rtl="0">
                         <a:lnSpc>
                           <a:spcPct val="100000"/>
                         </a:lnSpc>
@@ -7008,7 +6478,7 @@
                     <a:bodyPr/>
                     <a:lstStyle/>
                     <a:p>
-                      <a:pPr marL="0" marR="259079" indent="111760" algn="ctr">
+                      <a:pPr marL="0" marR="259079" indent="111760" algn="l" rtl="0">
                         <a:lnSpc>
                           <a:spcPct val="100000"/>
                         </a:lnSpc>
@@ -7073,29 +6543,15 @@
                         </a:spcBef>
                       </a:pPr>
                       <a:r>
-                        <a:rPr sz="900" b="1" spc="0">
+                        <a:rPr lang="it-IT" sz="900" b="1" dirty="0">
                           <a:solidFill>
                             <a:srgbClr val="020302"/>
                           </a:solidFill>
                           <a:latin typeface="Adobe Clean"/>
                           <a:cs typeface="Adobe Clean"/>
                         </a:rPr>
-                        <a:t>PRIORITY</a:t>
+                        <a:t>PRIORITÀ 3</a:t>
                       </a:r>
-                      <a:r>
-                        <a:rPr lang="en-US" sz="900" b="1" spc="0">
-                          <a:solidFill>
-                            <a:srgbClr val="020302"/>
-                          </a:solidFill>
-                          <a:latin typeface="Adobe Clean"/>
-                          <a:cs typeface="Adobe Clean"/>
-                        </a:rPr>
-                        <a:t> 3</a:t>
-                      </a:r>
-                      <a:endParaRPr lang="en-US" sz="900" spc="0">
-                        <a:latin typeface="Adobe Clean"/>
-                        <a:cs typeface="Adobe Clean"/>
-                      </a:endParaRPr>
                     </a:p>
                     <a:p>
                       <a:pPr marL="49530" marR="212090" indent="-2540" defTabSz="914400" eaLnBrk="1" fontAlgn="auto" latinLnBrk="0" hangingPunct="1">
@@ -7116,26 +6572,21 @@
                         <a:defRPr/>
                       </a:pPr>
                       <a:r>
-                        <a:rPr kumimoji="0" lang="en-US" sz="900" b="0" i="0" u="none" strike="noStrike" kern="1200" cap="none" spc="0" normalizeH="0" baseline="0" noProof="0">
+                        <a:rPr kumimoji="0" lang="it-IT" sz="850" b="0" i="0" u="none" strike="noStrike" cap="none" normalizeH="0" baseline="0" noProof="0" dirty="0">
                           <a:ln>
                             <a:noFill/>
                           </a:ln>
                           <a:solidFill>
                             <a:srgbClr val="000000"/>
                           </a:solidFill>
-                          <a:effectLst/>
                           <a:uLnTx/>
                           <a:uFillTx/>
                           <a:latin typeface="Adobe Clean Light" panose="020B0303020404020204" pitchFamily="34" charset="0"/>
                           <a:ea typeface="+mn-ea"/>
                           <a:cs typeface="+mn-cs"/>
                         </a:rPr>
-                        <a:t>Customer's business functions have minor service degradation but there exists a solution/workaround allowing business functions to continue normally. </a:t>
+                        <a:t>Le funzioni operative del cliente sono interessate da deterioramento lieve del servizio, tuttavia è possibile procedere mediante una soluzione temporanea. </a:t>
                       </a:r>
-                      <a:endParaRPr lang="en-US" sz="900" b="0" i="0" spc="0">
-                        <a:latin typeface="Adobe Clean Light" panose="020B0303020404020204" pitchFamily="34" charset="0"/>
-                        <a:cs typeface="AdobeClean-Light"/>
-                      </a:endParaRPr>
                     </a:p>
                   </a:txBody>
                   <a:tcPr marL="0" marR="0" marT="0" marB="0" anchor="ctr">
@@ -7185,14 +6636,14 @@
                         </a:tabLst>
                       </a:pPr>
                       <a:r>
-                        <a:rPr lang="en-US" sz="900" spc="0">
+                        <a:rPr lang="it-IT" sz="900" dirty="0">
                           <a:solidFill>
                             <a:srgbClr val="020302"/>
                           </a:solidFill>
                           <a:latin typeface="AdobeClean-Light"/>
                           <a:cs typeface="AdobeClean-Light"/>
                         </a:rPr>
-                        <a:t>Business day /   </a:t>
+                        <a:t>Giorni lavorativi/   </a:t>
                       </a:r>
                     </a:p>
                     <a:p>
@@ -7205,19 +6656,15 @@
                         </a:spcBef>
                       </a:pPr>
                       <a:r>
-                        <a:rPr lang="en-US" sz="900" spc="0">
+                        <a:rPr lang="it-IT" sz="900" dirty="0">
                           <a:solidFill>
                             <a:srgbClr val="020302"/>
                           </a:solidFill>
                           <a:latin typeface="AdobeClean-Light"/>
                           <a:cs typeface="AdobeClean-Light"/>
                         </a:rPr>
-                        <a:t>4 hours</a:t>
+                        <a:t>4 ore</a:t>
                       </a:r>
-                      <a:endParaRPr lang="en-US" sz="900" spc="0">
-                        <a:latin typeface="AdobeClean-Light"/>
-                        <a:cs typeface="AdobeClean-Light"/>
-                      </a:endParaRPr>
                     </a:p>
                   </a:txBody>
                   <a:tcPr marL="0" marR="0" marT="0" marB="0" anchor="ctr">
@@ -7252,7 +6699,7 @@
                     <a:bodyPr/>
                     <a:lstStyle/>
                     <a:p>
-                      <a:pPr marL="0" marR="185420" indent="-193675" algn="ctr">
+                      <a:pPr marL="0" marR="185420" indent="-193675" algn="l" rtl="0">
                         <a:lnSpc>
                           <a:spcPct val="100000"/>
                         </a:lnSpc>
@@ -7304,7 +6751,7 @@
                     <a:bodyPr/>
                     <a:lstStyle/>
                     <a:p>
-                      <a:pPr marL="0" marR="184785" indent="-194310" algn="ctr">
+                      <a:pPr marL="0" marR="184785" indent="-194310" algn="l" rtl="0">
                         <a:lnSpc>
                           <a:spcPct val="100000"/>
                         </a:lnSpc>
@@ -7353,7 +6800,7 @@
                     <a:bodyPr/>
                     <a:lstStyle/>
                     <a:p>
-                      <a:pPr marL="0" marR="326390" indent="-5715" algn="ctr">
+                      <a:pPr marL="0" marR="326390" indent="-5715" algn="l" rtl="0">
                         <a:lnSpc>
                           <a:spcPct val="100000"/>
                         </a:lnSpc>
@@ -7418,19 +6865,15 @@
                         </a:spcBef>
                       </a:pPr>
                       <a:r>
-                        <a:rPr sz="900" b="1" spc="0">
+                        <a:rPr lang="it-IT" sz="900" b="1" dirty="0">
                           <a:solidFill>
                             <a:srgbClr val="020302"/>
                           </a:solidFill>
                           <a:latin typeface="Adobe Clean"/>
                           <a:cs typeface="Adobe Clean"/>
                         </a:rPr>
-                        <a:t>PRIORITY 4</a:t>
+                        <a:t>PRIORITÀ 4</a:t>
                       </a:r>
-                      <a:endParaRPr sz="900" spc="0">
-                        <a:latin typeface="Adobe Clean"/>
-                        <a:cs typeface="Adobe Clean"/>
-                      </a:endParaRPr>
                     </a:p>
                     <a:p>
                       <a:pPr marL="48895" marR="0" indent="0" defTabSz="914400" eaLnBrk="1" fontAlgn="auto" latinLnBrk="0" hangingPunct="1">
@@ -7451,19 +6894,14 @@
                         <a:defRPr/>
                       </a:pPr>
                       <a:r>
-                        <a:rPr lang="en-US" sz="900" b="0" i="0" spc="0">
+                        <a:rPr lang="it-IT" sz="850" b="0" i="0" dirty="0">
                           <a:solidFill>
                             <a:srgbClr val="000000"/>
                           </a:solidFill>
-                          <a:effectLst/>
                           <a:latin typeface="Adobe Clean Light" panose="020B0303020404020204" pitchFamily="34" charset="0"/>
                         </a:rPr>
-                        <a:t>General question regarding current product functionality or an enhancement request.</a:t>
+                        <a:t>Domande generali sulle attuali funzionalità del prodotto o richiesta di miglioramento.</a:t>
                       </a:r>
-                      <a:endParaRPr sz="900" b="0" i="0" spc="0">
-                        <a:latin typeface="Adobe Clean Light" panose="020B0303020404020204" pitchFamily="34" charset="0"/>
-                        <a:cs typeface="AdobeClean-Light"/>
-                      </a:endParaRPr>
                     </a:p>
                   </a:txBody>
                   <a:tcPr marL="0" marR="0" marT="0" marB="0" anchor="ctr">
@@ -7513,14 +6951,14 @@
                         </a:tabLst>
                       </a:pPr>
                       <a:r>
-                        <a:rPr lang="en-US" sz="900" spc="0" dirty="0">
+                        <a:rPr lang="it-IT" sz="900" dirty="0">
                           <a:solidFill>
                             <a:srgbClr val="020302"/>
                           </a:solidFill>
                           <a:latin typeface="AdobeClean-Light"/>
                           <a:cs typeface="AdobeClean-Light"/>
                         </a:rPr>
-                        <a:t>  Business day /   </a:t>
+                        <a:t>  Giorni lavorativi/   </a:t>
                       </a:r>
                     </a:p>
                     <a:p>
@@ -7533,19 +6971,15 @@
                         </a:spcBef>
                       </a:pPr>
                       <a:r>
-                        <a:rPr lang="en-US" sz="900" spc="0" dirty="0">
+                        <a:rPr lang="it-IT" sz="900" dirty="0">
                           <a:solidFill>
                             <a:srgbClr val="020302"/>
                           </a:solidFill>
                           <a:latin typeface="AdobeClean-Light"/>
                           <a:cs typeface="AdobeClean-Light"/>
                         </a:rPr>
-                        <a:t>1 day </a:t>
+                        <a:t>1 giorno </a:t>
                       </a:r>
-                      <a:endParaRPr lang="en-US" sz="900" spc="0" dirty="0">
-                        <a:latin typeface="AdobeClean-Light"/>
-                        <a:cs typeface="AdobeClean-Light"/>
-                      </a:endParaRPr>
                     </a:p>
                   </a:txBody>
                   <a:tcPr marL="0" marR="0" marT="0" marB="0" anchor="ctr">
@@ -7580,7 +7014,7 @@
                     <a:bodyPr/>
                     <a:lstStyle/>
                     <a:p>
-                      <a:pPr marL="0" marR="223520" indent="-202565" algn="ctr">
+                      <a:pPr marL="0" marR="223520" indent="-202565" algn="l" rtl="0">
                         <a:lnSpc>
                           <a:spcPct val="100000"/>
                         </a:lnSpc>
@@ -7632,7 +7066,7 @@
                     <a:bodyPr/>
                     <a:lstStyle/>
                     <a:p>
-                      <a:pPr marL="0" marR="223520" indent="-202565" algn="ctr">
+                      <a:pPr marL="0" marR="223520" indent="-202565" algn="l" rtl="0">
                         <a:lnSpc>
                           <a:spcPct val="100000"/>
                         </a:lnSpc>
@@ -7681,7 +7115,7 @@
                     <a:bodyPr/>
                     <a:lstStyle/>
                     <a:p>
-                      <a:pPr marL="0" marR="223520" indent="-202565" algn="ctr">
+                      <a:pPr marL="0" marR="223520" indent="-202565" algn="l" rtl="0">
                         <a:lnSpc>
                           <a:spcPct val="100000"/>
                         </a:lnSpc>
@@ -7752,7 +7186,7 @@
         <p:spPr>
           <a:xfrm>
             <a:off x="97788" y="9888626"/>
-            <a:ext cx="2245360" cy="133370"/>
+            <a:ext cx="3749040" cy="133370"/>
           </a:xfrm>
           <a:prstGeom prst="rect">
             <a:avLst/>
@@ -7864,36 +7298,8 @@
               </a:spcBef>
             </a:pPr>
             <a:r>
-              <a:rPr lang="en-US" spc="-10" dirty="0"/>
-              <a:t>©202</a:t>
-            </a:r>
-            <a:r>
-              <a:rPr lang="en-US" spc="-5" dirty="0"/>
-              <a:t>2 Adobe. All</a:t>
-            </a:r>
-            <a:r>
-              <a:rPr lang="en-US" spc="-10" dirty="0"/>
-              <a:t> Rights</a:t>
-            </a:r>
-            <a:r>
-              <a:rPr lang="en-US" spc="-5" dirty="0"/>
-              <a:t> </a:t>
-            </a:r>
-            <a:r>
-              <a:rPr lang="en-US" spc="-10" dirty="0"/>
-              <a:t>Reserved.</a:t>
-            </a:r>
-            <a:r>
-              <a:rPr lang="en-US" spc="-5" dirty="0"/>
-              <a:t> Adobe</a:t>
-            </a:r>
-            <a:r>
-              <a:rPr lang="en-US" spc="60" dirty="0"/>
-              <a:t> </a:t>
-            </a:r>
-            <a:r>
-              <a:rPr lang="en-US" spc="-10" dirty="0"/>
-              <a:t>Confidential.</a:t>
+              <a:rPr lang="it-IT" dirty="0"/>
+              <a:t>©2022 Adobe. All Rights Reserved. Adobe Confidential.</a:t>
             </a:r>
           </a:p>
         </p:txBody>
@@ -8091,15 +7497,11 @@
               </a:spcBef>
             </a:pPr>
             <a:r>
-              <a:rPr lang="en-US" sz="1000" dirty="0">
+              <a:rPr lang="it-IT" sz="1000">
                 <a:latin typeface="Adobe Clean Light" panose="020B0303020404020204" pitchFamily="34" charset="0"/>
               </a:rPr>
-              <a:t>An assigned Account Support Lead to monitor case progress and function as your escalation point and internal advocate within Adobe Support.</a:t>
+              <a:t>Un Account Support Lead assegnato per monitorare i progressi del caso e fungere da punto di escalation e advocate interno nel supporto Adobe.</a:t>
             </a:r>
-            <a:endParaRPr lang="en-US" sz="1000" dirty="0">
-              <a:latin typeface="Adobe Clean Light" panose="020B0303020404020204" pitchFamily="34" charset="0"/>
-              <a:cs typeface="AdobeClean-Light"/>
-            </a:endParaRPr>
           </a:p>
         </p:txBody>
       </p:sp>
@@ -8170,7 +7572,7 @@
               </a:spcAft>
             </a:pPr>
             <a:r>
-              <a:rPr lang="en-US" sz="1200" b="1" spc="-10" dirty="0">
+              <a:rPr lang="it-IT" sz="1200" b="1">
                 <a:solidFill>
                   <a:srgbClr val="020302"/>
                 </a:solidFill>
@@ -8195,8 +7597,8 @@
         </p:nvSpPr>
         <p:spPr>
           <a:xfrm>
-            <a:off x="430064" y="5732304"/>
-            <a:ext cx="1983611" cy="45719"/>
+            <a:off x="430063" y="5732304"/>
+            <a:ext cx="2926080" cy="45719"/>
           </a:xfrm>
           <a:custGeom>
             <a:avLst/>
@@ -8243,8 +7645,8 @@
         </p:nvSpPr>
         <p:spPr>
           <a:xfrm>
-            <a:off x="318713" y="5432541"/>
-            <a:ext cx="2180405" cy="307777"/>
+            <a:off x="318712" y="5432541"/>
+            <a:ext cx="3108960" cy="307777"/>
           </a:xfrm>
           <a:prstGeom prst="rect">
             <a:avLst/>
@@ -8265,19 +7667,15 @@
               </a:spcBef>
             </a:pPr>
             <a:r>
-              <a:rPr lang="en-US" sz="1400" b="1" spc="-10" dirty="0">
+              <a:rPr lang="it-IT" sz="1400" b="1">
                 <a:solidFill>
                   <a:srgbClr val="020302"/>
                 </a:solidFill>
                 <a:latin typeface="Adobe Clean"/>
                 <a:cs typeface="Adobe Clean"/>
               </a:rPr>
-              <a:t>Standard Support Features</a:t>
+              <a:t>Caratteristiche del supporto Standard</a:t>
             </a:r>
-            <a:endParaRPr lang="en-US" sz="1400" dirty="0">
-              <a:latin typeface="Adobe Clean"/>
-              <a:cs typeface="Adobe Clean"/>
-            </a:endParaRPr>
           </a:p>
         </p:txBody>
       </p:sp>
@@ -8296,7 +7694,7 @@
         <p:spPr>
           <a:xfrm>
             <a:off x="401995" y="736965"/>
-            <a:ext cx="2011680" cy="0"/>
+            <a:ext cx="2926080" cy="0"/>
           </a:xfrm>
           <a:custGeom>
             <a:avLst/>
@@ -8344,7 +7742,7 @@
         <p:spPr>
           <a:xfrm>
             <a:off x="318713" y="429188"/>
-            <a:ext cx="2251572" cy="307777"/>
+            <a:ext cx="3108960" cy="307777"/>
           </a:xfrm>
           <a:prstGeom prst="rect">
             <a:avLst/>
@@ -8365,19 +7763,15 @@
               </a:spcBef>
             </a:pPr>
             <a:r>
-              <a:rPr lang="en-US" sz="1400" b="1" spc="-10" dirty="0">
+              <a:rPr lang="it-IT" sz="1400" b="1" dirty="0">
                 <a:solidFill>
                   <a:srgbClr val="020302"/>
                 </a:solidFill>
                 <a:latin typeface="Adobe Clean"/>
                 <a:cs typeface="Adobe Clean"/>
               </a:rPr>
-              <a:t>Business Support Features</a:t>
+              <a:t>Caratteristiche del supporto Business</a:t>
             </a:r>
-            <a:endParaRPr lang="en-US" sz="1400" dirty="0">
-              <a:latin typeface="Adobe Clean"/>
-              <a:cs typeface="Adobe Clean"/>
-            </a:endParaRPr>
           </a:p>
         </p:txBody>
       </p:sp>
@@ -8395,7 +7789,7 @@
         </p:nvSpPr>
         <p:spPr>
           <a:xfrm>
-            <a:off x="2793313" y="1593956"/>
+            <a:off x="2793313" y="1600200"/>
             <a:ext cx="2148840" cy="497572"/>
           </a:xfrm>
           <a:prstGeom prst="rect">
@@ -8414,11 +7808,11 @@
               </a:spcBef>
             </a:pPr>
             <a:r>
-              <a:rPr lang="en-US" sz="1000" dirty="0">
+              <a:rPr lang="it-IT" sz="1000" dirty="0">
                 <a:latin typeface="Adobe Clean Light" panose="020B0303020404020204" pitchFamily="34" charset="0"/>
                 <a:cs typeface="AdobeClean-Light"/>
               </a:rPr>
-              <a:t>Receive prioritized routing to ensure faster connection to more senior support resources on submitted cases. </a:t>
+              <a:t>Possibilità di ricevere un instradamento prioritario per garantire una connessione più rapida alle risorse di supporto più datate sui casi presentati. </a:t>
             </a:r>
           </a:p>
         </p:txBody>
@@ -8439,8 +7833,8 @@
         </p:nvSpPr>
         <p:spPr>
           <a:xfrm>
-            <a:off x="3218164" y="1320426"/>
-            <a:ext cx="1976242" cy="184666"/>
+            <a:off x="3218164" y="1219200"/>
+            <a:ext cx="1976242" cy="365760"/>
           </a:xfrm>
           <a:prstGeom prst="rect">
             <a:avLst/>
@@ -8461,13 +7855,13 @@
               </a:spcAft>
             </a:pPr>
             <a:r>
-              <a:rPr lang="en-US" sz="1200" b="1" spc="-10" dirty="0">
+              <a:rPr lang="it-IT" sz="1200" b="1" dirty="0">
                 <a:solidFill>
                   <a:srgbClr val="020302"/>
                 </a:solidFill>
                 <a:latin typeface="Adobe Clean" panose="020B0503020404020204" pitchFamily="34" charset="0"/>
               </a:rPr>
-              <a:t>Priority Case Routing</a:t>
+              <a:t>Instradamento dei casi prioritari</a:t>
             </a:r>
           </a:p>
         </p:txBody>
@@ -8486,7 +7880,7 @@
         </p:nvSpPr>
         <p:spPr>
           <a:xfrm>
-            <a:off x="5346216" y="1596236"/>
+            <a:off x="5346216" y="1600200"/>
             <a:ext cx="2148840" cy="651460"/>
           </a:xfrm>
           <a:prstGeom prst="rect">
@@ -8508,15 +7902,11 @@
               </a:spcBef>
             </a:pPr>
             <a:r>
-              <a:rPr lang="en-US" sz="1000" dirty="0">
+              <a:rPr lang="it-IT" sz="1000" dirty="0">
                 <a:latin typeface="Adobe Clean Light" panose="020B0303020404020204" pitchFamily="34" charset="0"/>
               </a:rPr>
-              <a:t>A designated point of contact within Adobe who can provide escalation assistance, regular updates and ensure priority is given to your most critical open support requests.</a:t>
+              <a:t>Un contatto Adobe dedicato che può fornire assistenza e aggiornamenti regolari in merito ai casi che richiedono escalation, e assicurarsi che venga data priorità alle richieste di supporto aperte più critiche.</a:t>
             </a:r>
-            <a:endParaRPr lang="en-US" sz="1000" dirty="0">
-              <a:latin typeface="Adobe Clean Light" panose="020B0303020404020204" pitchFamily="34" charset="0"/>
-              <a:cs typeface="AdobeClean-Light"/>
-            </a:endParaRPr>
           </a:p>
         </p:txBody>
       </p:sp>
@@ -8536,8 +7926,8 @@
         </p:nvSpPr>
         <p:spPr>
           <a:xfrm>
-            <a:off x="5801129" y="1318056"/>
-            <a:ext cx="1608472" cy="184666"/>
+            <a:off x="5801129" y="1219200"/>
+            <a:ext cx="1608472" cy="365760"/>
           </a:xfrm>
           <a:prstGeom prst="rect">
             <a:avLst/>
@@ -8558,13 +7948,13 @@
               </a:spcAft>
             </a:pPr>
             <a:r>
-              <a:rPr lang="en-US" sz="1200" b="1" spc="-10" dirty="0">
+              <a:rPr lang="it-IT" sz="1200" b="1" dirty="0">
                 <a:solidFill>
                   <a:srgbClr val="020302"/>
                 </a:solidFill>
                 <a:latin typeface="Adobe Clean" panose="020B0503020404020204" pitchFamily="34" charset="0"/>
               </a:rPr>
-              <a:t>Escalation Management</a:t>
+              <a:t>Gestione delle escalation</a:t>
             </a:r>
           </a:p>
         </p:txBody>
@@ -8583,8 +7973,8 @@
         </p:nvSpPr>
         <p:spPr>
           <a:xfrm>
-            <a:off x="3183539" y="3615388"/>
-            <a:ext cx="2250745" cy="276999"/>
+            <a:off x="3183539" y="3352800"/>
+            <a:ext cx="2162677" cy="457200"/>
           </a:xfrm>
           <a:prstGeom prst="rect">
             <a:avLst/>
@@ -8598,10 +7988,10 @@
           <a:lstStyle/>
           <a:p>
             <a:r>
-              <a:rPr lang="en-US" sz="1200" b="1" dirty="0">
+              <a:rPr lang="it-IT" sz="1200" b="1" dirty="0">
                 <a:latin typeface="Adobe Clean" panose="020B0503020404020204" pitchFamily="34" charset="0"/>
               </a:rPr>
-              <a:t>Accelerated Issue Prioritization</a:t>
+              <a:t>Prioritizzazione accelerata dei problemi</a:t>
             </a:r>
           </a:p>
         </p:txBody>
@@ -8620,7 +8010,7 @@
         </p:nvSpPr>
         <p:spPr>
           <a:xfrm>
-            <a:off x="2850511" y="3943707"/>
+            <a:off x="2850511" y="3810000"/>
             <a:ext cx="2148840" cy="497572"/>
           </a:xfrm>
           <a:prstGeom prst="rect">
@@ -8640,11 +8030,11 @@
               <a:defRPr/>
             </a:pPr>
             <a:r>
-              <a:rPr lang="en-US" sz="1000" dirty="0">
+              <a:rPr lang="it-IT" sz="1000" dirty="0">
                 <a:latin typeface="Adobe Clean Light" panose="020B0303020404020204" pitchFamily="34" charset="0"/>
                 <a:cs typeface="Adobe Clean Light"/>
               </a:rPr>
-              <a:t>Receive higher prioritization on support case work through facilitated engagement with Engineering.</a:t>
+              <a:t>Possibilità di ricevere una maggiore priorità sul lavoro dei casi di supporto attraverso un coinvolgimento facilitato con il personale tecnico.</a:t>
             </a:r>
           </a:p>
         </p:txBody>
@@ -8718,7 +8108,7 @@
         </p:nvSpPr>
         <p:spPr>
           <a:xfrm rot="5400000" flipH="1">
-            <a:off x="3863232" y="5080580"/>
+            <a:off x="3863232" y="5189220"/>
             <a:ext cx="45719" cy="5577840"/>
           </a:xfrm>
           <a:custGeom>
@@ -8775,8 +8165,8 @@
         </p:nvSpPr>
         <p:spPr>
           <a:xfrm>
-            <a:off x="869249" y="6535770"/>
-            <a:ext cx="1345945" cy="184666"/>
+            <a:off x="869248" y="6535770"/>
+            <a:ext cx="1645920" cy="184666"/>
           </a:xfrm>
           <a:prstGeom prst="rect">
             <a:avLst/>
@@ -8797,12 +8187,12 @@
               </a:spcAft>
             </a:pPr>
             <a:r>
-              <a:rPr lang="en-US" sz="1200" b="1" dirty="0">
+              <a:rPr lang="it-IT" sz="1200" b="1" dirty="0">
                 <a:latin typeface="Adobe Clean" panose="020B0503020404020204" pitchFamily="34" charset="0"/>
                 <a:ea typeface="Open Sans" pitchFamily="34" charset="0"/>
                 <a:cs typeface="Open Sans" pitchFamily="34" charset="0"/>
               </a:rPr>
-              <a:t>Community Forums</a:t>
+              <a:t>Forum della community</a:t>
             </a:r>
           </a:p>
         </p:txBody>
@@ -8835,13 +8225,13 @@
           <a:lstStyle/>
           <a:p>
             <a:r>
-              <a:rPr lang="en-US" sz="1000" dirty="0">
+              <a:rPr lang="it-IT" sz="1000">
                 <a:solidFill>
                   <a:srgbClr val="000000"/>
                 </a:solidFill>
                 <a:latin typeface="Adobe Clean Light" panose="020B0303020404020204" pitchFamily="34" charset="0"/>
               </a:rPr>
-              <a:t>Continuous online access to a growing database of technical solutions, product documentation, FAQs and more. Connect with other customers on Adobe Community to share best practices and lessons learned..</a:t>
+              <a:t>Accesso online continuo a un database in continua crescita di soluzioni tecniche, documentazione del prodotto, risposte alle domande più frequenti e altro ancora. Possibilità di relazionarsi con altri clienti della Community Adobe per condividere best practice ed esperienze.</a:t>
             </a:r>
           </a:p>
         </p:txBody>
@@ -8862,15 +8252,15 @@
         </p:nvSpPr>
         <p:spPr>
           <a:xfrm>
-            <a:off x="3375964" y="6534116"/>
-            <a:ext cx="1013098" cy="184666"/>
+            <a:off x="3375963" y="6400800"/>
+            <a:ext cx="1703337" cy="369332"/>
           </a:xfrm>
           <a:prstGeom prst="rect">
             <a:avLst/>
           </a:prstGeom>
         </p:spPr>
         <p:txBody>
-          <a:bodyPr wrap="none" lIns="0" tIns="0" rIns="0" bIns="0">
+          <a:bodyPr wrap="square" lIns="0" tIns="0" rIns="0" bIns="0">
             <a:spAutoFit/>
           </a:bodyPr>
           <a:lstStyle/>
@@ -8884,12 +8274,27 @@
               </a:spcAft>
             </a:pPr>
             <a:r>
-              <a:rPr lang="en-US" sz="1200" b="1" dirty="0">
+              <a:rPr lang="it-IT" sz="1200" b="1" dirty="0">
                 <a:latin typeface="Adobe Clean" panose="020B0503020404020204" pitchFamily="34" charset="0"/>
                 <a:ea typeface="Open Sans" pitchFamily="34" charset="0"/>
                 <a:cs typeface="Open Sans" pitchFamily="34" charset="0"/>
               </a:rPr>
-              <a:t>Self-Help Portal</a:t>
+              <a:t>Portale di </a:t>
+            </a:r>
+            <a:br>
+              <a:rPr lang="it-IT" sz="1200" b="1" dirty="0">
+                <a:latin typeface="Adobe Clean" panose="020B0503020404020204" pitchFamily="34" charset="0"/>
+                <a:ea typeface="Open Sans" pitchFamily="34" charset="0"/>
+                <a:cs typeface="Open Sans" pitchFamily="34" charset="0"/>
+              </a:rPr>
+            </a:br>
+            <a:r>
+              <a:rPr lang="it-IT" sz="1200" b="1" dirty="0">
+                <a:latin typeface="Adobe Clean" panose="020B0503020404020204" pitchFamily="34" charset="0"/>
+                <a:ea typeface="Open Sans" pitchFamily="34" charset="0"/>
+                <a:cs typeface="Open Sans" pitchFamily="34" charset="0"/>
+              </a:rPr>
+              <a:t>assistenza autonoma</a:t>
             </a:r>
           </a:p>
         </p:txBody>
@@ -8922,13 +8327,13 @@
           <a:lstStyle/>
           <a:p>
             <a:r>
-              <a:rPr lang="en-US" sz="1000" dirty="0">
+              <a:rPr lang="it-IT" sz="1000">
                 <a:solidFill>
                   <a:srgbClr val="000000"/>
                 </a:solidFill>
                 <a:latin typeface="Adobe Clean Light" panose="020B0303020404020204" pitchFamily="34" charset="0"/>
               </a:rPr>
-              <a:t>On-demand access to the online Self-help Support Portal review case status, and browse other resources, like our  news and alerts, knowledge base, featured tips, and more.</a:t>
+              <a:t>Accesso on-demand al portale di assistenza autonoma per esaminare lo stato dei casi e sfogliare altre risorse, come la knowledge base, notizie e avvisi, suggerimenti e altro ancora.</a:t>
             </a:r>
           </a:p>
         </p:txBody>
@@ -8972,104 +8377,14 @@
               </a:tabLst>
             </a:pPr>
             <a:r>
-              <a:rPr lang="en-US" sz="1000" spc="-20" dirty="0">
+              <a:rPr lang="it-IT" sz="1000">
                 <a:solidFill>
                   <a:srgbClr val="020302"/>
                 </a:solidFill>
                 <a:latin typeface="AdobeClean-Light"/>
                 <a:cs typeface="AdobeClean-Light"/>
               </a:rPr>
-              <a:t>Authorized Users (Admins) can start a chat session with Adobe Support </a:t>
-            </a:r>
-            <a:r>
-              <a:rPr lang="en-US" sz="1000" spc="-5" dirty="0">
-                <a:solidFill>
-                  <a:srgbClr val="020302"/>
-                </a:solidFill>
-                <a:latin typeface="AdobeClean-Light"/>
-                <a:cs typeface="AdobeClean-Light"/>
-              </a:rPr>
-              <a:t>to </a:t>
-            </a:r>
-            <a:r>
-              <a:rPr lang="en-US" sz="1000" spc="-10" dirty="0">
-                <a:solidFill>
-                  <a:srgbClr val="020302"/>
-                </a:solidFill>
-                <a:latin typeface="AdobeClean-Light"/>
-                <a:cs typeface="AdobeClean-Light"/>
-              </a:rPr>
-              <a:t>get </a:t>
-            </a:r>
-            <a:r>
-              <a:rPr lang="en-US" sz="1000" spc="-20" dirty="0">
-                <a:solidFill>
-                  <a:srgbClr val="020302"/>
-                </a:solidFill>
-                <a:latin typeface="AdobeClean-Light"/>
-                <a:cs typeface="AdobeClean-Light"/>
-              </a:rPr>
-              <a:t>answers</a:t>
-            </a:r>
-            <a:r>
-              <a:rPr lang="en-US" sz="1000" spc="-45" dirty="0">
-                <a:solidFill>
-                  <a:srgbClr val="020302"/>
-                </a:solidFill>
-                <a:latin typeface="AdobeClean-Light"/>
-                <a:cs typeface="AdobeClean-Light"/>
-              </a:rPr>
-              <a:t> and </a:t>
-            </a:r>
-            <a:r>
-              <a:rPr lang="en-US" sz="1000" spc="-15" dirty="0">
-                <a:solidFill>
-                  <a:srgbClr val="020302"/>
-                </a:solidFill>
-                <a:latin typeface="AdobeClean-Light"/>
-                <a:cs typeface="AdobeClean-Light"/>
-              </a:rPr>
-              <a:t>help </a:t>
-            </a:r>
-            <a:r>
-              <a:rPr lang="en-US" sz="1000" spc="-10" dirty="0">
-                <a:solidFill>
-                  <a:srgbClr val="020302"/>
-                </a:solidFill>
-                <a:latin typeface="AdobeClean-Light"/>
-                <a:cs typeface="AdobeClean-Light"/>
-              </a:rPr>
-              <a:t>with</a:t>
-            </a:r>
-            <a:r>
-              <a:rPr lang="en-US" sz="1000" spc="85" dirty="0">
-                <a:solidFill>
-                  <a:srgbClr val="020302"/>
-                </a:solidFill>
-                <a:latin typeface="AdobeClean-Light"/>
-                <a:cs typeface="AdobeClean-Light"/>
-              </a:rPr>
-              <a:t> </a:t>
-            </a:r>
-            <a:r>
-              <a:rPr lang="en-US" sz="1000" spc="-10" dirty="0">
-                <a:solidFill>
-                  <a:srgbClr val="020302"/>
-                </a:solidFill>
-                <a:latin typeface="AdobeClean-Light"/>
-                <a:cs typeface="AdobeClean-Light"/>
-              </a:rPr>
-              <a:t>case </a:t>
-            </a:r>
-            <a:r>
-              <a:rPr lang="en-US" sz="1000" spc="-20" dirty="0">
-                <a:solidFill>
-                  <a:srgbClr val="020302"/>
-                </a:solidFill>
-                <a:latin typeface="AdobeClean-Light"/>
-                <a:cs typeface="AdobeClean-Light"/>
-              </a:rPr>
-              <a:t>submission.</a:t>
+              <a:t>Gli utenti autorizzati (Admin) possono avviare una sessione di chat con l’assistenza Adobe per ottenere risposte e aiuto con l’invio del caso.</a:t>
             </a:r>
           </a:p>
           <a:p>
@@ -9085,19 +8400,15 @@
               </a:tabLst>
             </a:pPr>
             <a:r>
-              <a:rPr lang="en-US" sz="1000" i="1" spc="-10" dirty="0">
+              <a:rPr lang="it-IT" sz="1000" i="1">
                 <a:solidFill>
                   <a:srgbClr val="7A7A7A"/>
                 </a:solidFill>
                 <a:latin typeface="AdobeClean-LightIt"/>
                 <a:cs typeface="AdobeClean-LightIt"/>
               </a:rPr>
-              <a:t>Subject to local hours</a:t>
+              <a:t>Soggetto agli orari locali</a:t>
             </a:r>
-            <a:endParaRPr lang="en-US" sz="1000" dirty="0">
-              <a:latin typeface="AdobeClean-Light"/>
-              <a:cs typeface="AdobeClean-Light"/>
-            </a:endParaRPr>
           </a:p>
         </p:txBody>
       </p:sp>
@@ -9117,7 +8428,7 @@
         </p:nvSpPr>
         <p:spPr>
           <a:xfrm>
-            <a:off x="5940223" y="6534116"/>
+            <a:off x="5940223" y="6444734"/>
             <a:ext cx="841577" cy="184666"/>
           </a:xfrm>
           <a:prstGeom prst="rect">
@@ -9139,12 +8450,12 @@
               </a:spcAft>
             </a:pPr>
             <a:r>
-              <a:rPr lang="en-US" sz="1200" b="1" dirty="0">
+              <a:rPr lang="it-IT" sz="1200" b="1" dirty="0">
                 <a:latin typeface="Adobe Clean" panose="020B0503020404020204" pitchFamily="34" charset="0"/>
                 <a:ea typeface="Open Sans" pitchFamily="34" charset="0"/>
                 <a:cs typeface="Open Sans" pitchFamily="34" charset="0"/>
               </a:rPr>
-              <a:t>Chat Support</a:t>
+              <a:t>Supporto chat</a:t>
             </a:r>
           </a:p>
         </p:txBody>
@@ -9187,12 +8498,12 @@
               </a:spcAft>
             </a:pPr>
             <a:r>
-              <a:rPr lang="en-US" sz="1200" b="1" dirty="0">
+              <a:rPr lang="it-IT" sz="1200" b="1">
                 <a:latin typeface="Adobe Clean" panose="020B0503020404020204" pitchFamily="34" charset="0"/>
                 <a:ea typeface="Open Sans" pitchFamily="34" charset="0"/>
                 <a:cs typeface="Open Sans" pitchFamily="34" charset="0"/>
               </a:rPr>
-              <a:t>Phone Support</a:t>
+              <a:t>Supporto telefonico</a:t>
             </a:r>
           </a:p>
         </p:txBody>
@@ -9225,116 +8536,42 @@
           <a:lstStyle/>
           <a:p>
             <a:r>
-              <a:rPr lang="en-US" sz="1000" dirty="0">
+              <a:rPr lang="it-IT" sz="1000">
                 <a:solidFill>
                   <a:srgbClr val="020302"/>
                 </a:solidFill>
                 <a:latin typeface="AdobeClean-Light"/>
               </a:rPr>
-              <a:t>Authorized Users (Admins) </a:t>
+              <a:t>Gli utenti autorizzati (Admin) </a:t>
             </a:r>
             <a:r>
-              <a:rPr lang="en-US" sz="1000" dirty="0">
+              <a:rPr lang="it-IT" sz="1000">
                 <a:latin typeface="Adobe Clean Light"/>
               </a:rPr>
-              <a:t>can call Adobe Support via phone </a:t>
+              <a:t>possono contattare il supporto Adobe tramite telefono </a:t>
             </a:r>
             <a:r>
-              <a:rPr lang="en-US" sz="1000" spc="-5" dirty="0">
+              <a:rPr lang="it-IT" sz="1000">
                 <a:solidFill>
                   <a:srgbClr val="020302"/>
                 </a:solidFill>
                 <a:latin typeface="AdobeClean-Light"/>
                 <a:cs typeface="AdobeClean-Light"/>
               </a:rPr>
-              <a:t>to </a:t>
-            </a:r>
-            <a:r>
-              <a:rPr lang="en-US" sz="1000" spc="-10" dirty="0">
-                <a:solidFill>
-                  <a:srgbClr val="020302"/>
-                </a:solidFill>
-                <a:latin typeface="AdobeClean-Light"/>
-                <a:cs typeface="AdobeClean-Light"/>
-              </a:rPr>
-              <a:t>get </a:t>
-            </a:r>
-            <a:r>
-              <a:rPr lang="en-US" sz="1000" spc="-20" dirty="0">
-                <a:solidFill>
-                  <a:srgbClr val="020302"/>
-                </a:solidFill>
-                <a:latin typeface="AdobeClean-Light"/>
-                <a:cs typeface="AdobeClean-Light"/>
-              </a:rPr>
-              <a:t>answers</a:t>
-            </a:r>
-            <a:r>
-              <a:rPr lang="en-US" sz="1000" spc="-45" dirty="0">
-                <a:solidFill>
-                  <a:srgbClr val="020302"/>
-                </a:solidFill>
-                <a:latin typeface="AdobeClean-Light"/>
-                <a:cs typeface="AdobeClean-Light"/>
-              </a:rPr>
-              <a:t> and</a:t>
-            </a:r>
-            <a:r>
-              <a:rPr lang="en-US" sz="1000" dirty="0">
-                <a:solidFill>
-                  <a:srgbClr val="020302"/>
-                </a:solidFill>
-                <a:latin typeface="AdobeClean-Light"/>
-                <a:cs typeface="AdobeClean-Light"/>
-              </a:rPr>
-              <a:t> </a:t>
-            </a:r>
-            <a:r>
-              <a:rPr lang="en-US" sz="1000" spc="-15" dirty="0">
-                <a:solidFill>
-                  <a:srgbClr val="020302"/>
-                </a:solidFill>
-                <a:latin typeface="AdobeClean-Light"/>
-                <a:cs typeface="AdobeClean-Light"/>
-              </a:rPr>
-              <a:t>help </a:t>
-            </a:r>
-            <a:r>
-              <a:rPr lang="en-US" sz="1000" spc="-10" dirty="0">
-                <a:solidFill>
-                  <a:srgbClr val="020302"/>
-                </a:solidFill>
-                <a:latin typeface="AdobeClean-Light"/>
-                <a:cs typeface="AdobeClean-Light"/>
-              </a:rPr>
-              <a:t>with case </a:t>
-            </a:r>
-            <a:r>
-              <a:rPr lang="en-US" sz="1000" spc="-20" dirty="0">
-                <a:solidFill>
-                  <a:srgbClr val="020302"/>
-                </a:solidFill>
-                <a:latin typeface="AdobeClean-Light"/>
-                <a:cs typeface="AdobeClean-Light"/>
-              </a:rPr>
-              <a:t>submission.</a:t>
+              <a:t>per ottenere risposte e aiuto con l’invio del caso.</a:t>
             </a:r>
           </a:p>
           <a:p>
             <a:r>
-              <a:rPr lang="en-US" sz="1000" i="1" spc="-10" dirty="0">
+              <a:rPr lang="it-IT" sz="1000" i="1">
                 <a:solidFill>
                   <a:srgbClr val="7A7A7A"/>
                 </a:solidFill>
                 <a:latin typeface="Adobe Clean Light" panose="020B0303020404020204" pitchFamily="34" charset="0"/>
                 <a:cs typeface="AdobeClean-LightIt"/>
               </a:rPr>
-              <a:t>Subject to local hours</a:t>
+              <a:t>Soggetto agli orari locali</a:t>
             </a:r>
-            <a:endParaRPr lang="en-US" sz="1000" i="1" dirty="0">
-              <a:latin typeface="Adobe Clean Light" panose="020B0303020404020204" pitchFamily="34" charset="0"/>
-              <a:cs typeface="AdobeClean-Light"/>
-            </a:endParaRPr>
           </a:p>
         </p:txBody>
       </p:sp>
@@ -9354,8 +8591,8 @@
         </p:nvSpPr>
         <p:spPr>
           <a:xfrm>
-            <a:off x="4704154" y="8269897"/>
-            <a:ext cx="1402628" cy="184666"/>
+            <a:off x="4704154" y="8153400"/>
+            <a:ext cx="1089016" cy="369332"/>
           </a:xfrm>
           <a:prstGeom prst="rect">
             <a:avLst/>
@@ -9376,12 +8613,27 @@
               </a:spcAft>
             </a:pPr>
             <a:r>
-              <a:rPr lang="en-US" sz="1200" b="1" dirty="0">
+              <a:rPr lang="it-IT" sz="1200" b="1" dirty="0">
                 <a:latin typeface="Adobe Clean" panose="020B0503020404020204" pitchFamily="34" charset="0"/>
                 <a:ea typeface="Open Sans" pitchFamily="34" charset="0"/>
                 <a:cs typeface="Open Sans" pitchFamily="34" charset="0"/>
               </a:rPr>
-              <a:t>Web Case Submission</a:t>
+              <a:t>Presentazione </a:t>
+            </a:r>
+            <a:br>
+              <a:rPr lang="it-IT" sz="1200" b="1" dirty="0">
+                <a:latin typeface="Adobe Clean" panose="020B0503020404020204" pitchFamily="34" charset="0"/>
+                <a:ea typeface="Open Sans" pitchFamily="34" charset="0"/>
+                <a:cs typeface="Open Sans" pitchFamily="34" charset="0"/>
+              </a:rPr>
+            </a:br>
+            <a:r>
+              <a:rPr lang="it-IT" sz="1200" b="1" dirty="0">
+                <a:latin typeface="Adobe Clean" panose="020B0503020404020204" pitchFamily="34" charset="0"/>
+                <a:ea typeface="Open Sans" pitchFamily="34" charset="0"/>
+                <a:cs typeface="Open Sans" pitchFamily="34" charset="0"/>
+              </a:rPr>
+              <a:t>del caso sul web</a:t>
             </a:r>
           </a:p>
         </p:txBody>
@@ -9400,8 +8652,8 @@
         </p:nvSpPr>
         <p:spPr>
           <a:xfrm>
-            <a:off x="4206461" y="8522198"/>
-            <a:ext cx="2148840" cy="707886"/>
+            <a:off x="4206460" y="8522198"/>
+            <a:ext cx="2270539" cy="861774"/>
           </a:xfrm>
           <a:prstGeom prst="rect">
             <a:avLst/>
@@ -9414,26 +8666,20 @@
           <a:lstStyle/>
           <a:p>
             <a:r>
-              <a:rPr lang="en-US" sz="1000" dirty="0">
+              <a:rPr lang="it-IT" sz="1000" dirty="0">
                 <a:solidFill>
                   <a:srgbClr val="020302"/>
                 </a:solidFill>
                 <a:latin typeface="AdobeClean-Light"/>
               </a:rPr>
-              <a:t>Authorized Users (Admins) </a:t>
+              <a:t>Gli utenti autorizzati (Admin) </a:t>
             </a:r>
             <a:r>
-              <a:rPr lang="en-US" sz="1000" dirty="0">
+              <a:rPr lang="it-IT" sz="1000" dirty="0">
                 <a:latin typeface="Adobe Clean Light"/>
               </a:rPr>
-              <a:t>can submit unlimited web cases at any time for support issues for review by our technical support team.</a:t>
+              <a:t>possono presentare un numero illimitato di casi web in qualsiasi momento per problemi di supporto da sottoporre all’esame del nostro team di supporto tecnico.</a:t>
             </a:r>
-            <a:endParaRPr lang="en-US" sz="1000" dirty="0">
-              <a:solidFill>
-                <a:srgbClr val="000000"/>
-              </a:solidFill>
-              <a:latin typeface="Adobe Clean Light"/>
-            </a:endParaRPr>
           </a:p>
         </p:txBody>
       </p:sp>
@@ -9768,7 +9014,7 @@
         </p:blipFill>
         <p:spPr>
           <a:xfrm>
-            <a:off x="2850511" y="3577947"/>
+            <a:off x="2850511" y="3429000"/>
             <a:ext cx="365760" cy="365760"/>
           </a:xfrm>
           <a:prstGeom prst="rect">
@@ -9829,7 +9075,7 @@
         <p:spPr>
           <a:xfrm>
             <a:off x="97788" y="9888626"/>
-            <a:ext cx="2245360" cy="133370"/>
+            <a:ext cx="3108960" cy="133370"/>
           </a:xfrm>
           <a:prstGeom prst="rect">
             <a:avLst/>
@@ -9941,36 +9187,8 @@
               </a:spcBef>
             </a:pPr>
             <a:r>
-              <a:rPr lang="en-US" spc="-10" dirty="0"/>
-              <a:t>©202</a:t>
-            </a:r>
-            <a:r>
-              <a:rPr lang="en-US" spc="-5" dirty="0"/>
-              <a:t>2 Adobe. All</a:t>
-            </a:r>
-            <a:r>
-              <a:rPr lang="en-US" spc="-10" dirty="0"/>
-              <a:t> Rights</a:t>
-            </a:r>
-            <a:r>
-              <a:rPr lang="en-US" spc="-5" dirty="0"/>
-              <a:t> </a:t>
-            </a:r>
-            <a:r>
-              <a:rPr lang="en-US" spc="-10" dirty="0"/>
-              <a:t>Reserved.</a:t>
-            </a:r>
-            <a:r>
-              <a:rPr lang="en-US" spc="-5" dirty="0"/>
-              <a:t> Adobe</a:t>
-            </a:r>
-            <a:r>
-              <a:rPr lang="en-US" spc="60" dirty="0"/>
-              <a:t> </a:t>
-            </a:r>
-            <a:r>
-              <a:rPr lang="en-US" spc="-10" dirty="0"/>
-              <a:t>Confidential.</a:t>
+              <a:rPr lang="it-IT" dirty="0"/>
+              <a:t>©2022 Adobe. All Rights Reserved. Adobe Confidential.</a:t>
             </a:r>
           </a:p>
         </p:txBody>
@@ -10027,49 +9245,15 @@
               </a:lnSpc>
             </a:pPr>
             <a:r>
-              <a:rPr sz="500" spc="-5" dirty="0">
+              <a:rPr lang="it-IT" sz="500">
                 <a:solidFill>
                   <a:srgbClr val="6C6C6C"/>
                 </a:solidFill>
                 <a:latin typeface="Adobe Clean"/>
                 <a:cs typeface="Adobe Clean"/>
               </a:rPr>
-              <a:t>©2020 Adobe. All Rights Reserved. </a:t>
+              <a:t>©2020 Adobe. All Rights Reserved. Adobe Confidential.</a:t>
             </a:r>
-            <a:r>
-              <a:rPr sz="500" dirty="0">
-                <a:solidFill>
-                  <a:srgbClr val="6C6C6C"/>
-                </a:solidFill>
-                <a:latin typeface="Adobe Clean"/>
-                <a:cs typeface="Adobe Clean"/>
-              </a:rPr>
-              <a:t>Adobe</a:t>
-            </a:r>
-            <a:r>
-              <a:rPr sz="500" spc="5" dirty="0">
-                <a:solidFill>
-                  <a:srgbClr val="6C6C6C"/>
-                </a:solidFill>
-                <a:latin typeface="Adobe Clean"/>
-                <a:cs typeface="Adobe Clean"/>
-              </a:rPr>
-              <a:t> </a:t>
-            </a:r>
-            <a:r>
-              <a:rPr sz="500" spc="-5" dirty="0">
-                <a:solidFill>
-                  <a:srgbClr val="6C6C6C"/>
-                </a:solidFill>
-                <a:latin typeface="Adobe Clean"/>
-                <a:cs typeface="Adobe Clean"/>
-              </a:rPr>
-              <a:t>Confidential.</a:t>
-            </a:r>
-            <a:endParaRPr sz="500">
-              <a:latin typeface="Adobe Clean"/>
-              <a:cs typeface="Adobe Clean"/>
-            </a:endParaRPr>
           </a:p>
           <a:p>
             <a:pPr>
@@ -10095,39 +9279,15 @@
               </a:spcBef>
             </a:pPr>
             <a:r>
-              <a:rPr sz="800" spc="-5" dirty="0">
+              <a:rPr lang="it-IT" sz="800">
                 <a:solidFill>
                   <a:srgbClr val="6D6D6D"/>
                 </a:solidFill>
                 <a:latin typeface="Adobe Clean"/>
                 <a:cs typeface="Adobe Clean"/>
               </a:rPr>
-              <a:t>©2020 Adobe. All Rights Reserved. Adobe</a:t>
+              <a:t>©2020 Adobe. All Rights Reserved. Adobe Confidential.</a:t>
             </a:r>
-            <a:r>
-              <a:rPr sz="800" spc="75" dirty="0">
-                <a:solidFill>
-                  <a:srgbClr val="6D6D6D"/>
-                </a:solidFill>
-                <a:latin typeface="Adobe Clean"/>
-                <a:cs typeface="Adobe Clean"/>
-              </a:rPr>
-              <a:t> </a:t>
-            </a:r>
-            <a:r>
-              <a:rPr sz="800" spc="-5" dirty="0">
-                <a:solidFill>
-                  <a:srgbClr val="6D6D6D"/>
-                </a:solidFill>
-                <a:latin typeface="Adobe Clean"/>
-                <a:cs typeface="Adobe Clean"/>
-              </a:rPr>
-              <a:t>Confidential.</a:t>
-            </a:r>
-            <a:endParaRPr sz="800">
-              <a:latin typeface="Adobe Clean"/>
-              <a:cs typeface="Adobe Clean"/>
-            </a:endParaRPr>
           </a:p>
         </p:txBody>
       </p:sp>
@@ -10211,19 +9371,15 @@
               </a:spcBef>
             </a:pPr>
             <a:r>
-              <a:rPr lang="en-US" sz="1400" b="1" spc="-15" dirty="0">
+              <a:rPr lang="it-IT" sz="1400" b="1">
                 <a:solidFill>
                   <a:srgbClr val="020302"/>
                 </a:solidFill>
                 <a:latin typeface="Adobe Clean"/>
                 <a:cs typeface="Adobe Clean"/>
               </a:rPr>
-              <a:t>Resources</a:t>
+              <a:t>Risorse</a:t>
             </a:r>
-            <a:endParaRPr sz="1400" dirty="0">
-              <a:latin typeface="Adobe Clean"/>
-              <a:cs typeface="Adobe Clean"/>
-            </a:endParaRPr>
           </a:p>
         </p:txBody>
       </p:sp>
@@ -10257,7 +9413,7 @@
               </a:spcBef>
             </a:pPr>
             <a:r>
-              <a:rPr sz="800" spc="-15" dirty="0">
+              <a:rPr lang="it-IT" sz="800" dirty="0">
                 <a:solidFill>
                   <a:srgbClr val="777879"/>
                 </a:solidFill>
@@ -10266,10 +9422,6 @@
               </a:rPr>
               <a:t>Adobe</a:t>
             </a:r>
-            <a:endParaRPr sz="800">
-              <a:latin typeface="Adobe Clean"/>
-              <a:cs typeface="Adobe Clean"/>
-            </a:endParaRPr>
           </a:p>
           <a:p>
             <a:pPr marL="12700">
@@ -10278,39 +9430,15 @@
               </a:lnSpc>
             </a:pPr>
             <a:r>
-              <a:rPr sz="800" spc="-15" dirty="0">
+              <a:rPr lang="it-IT" sz="800" dirty="0">
                 <a:solidFill>
                   <a:srgbClr val="777879"/>
                 </a:solidFill>
                 <a:latin typeface="Adobe Clean"/>
                 <a:cs typeface="Adobe Clean"/>
               </a:rPr>
-              <a:t>345 Park</a:t>
+              <a:t>345 Park Avenue</a:t>
             </a:r>
-            <a:r>
-              <a:rPr sz="800" spc="-100" dirty="0">
-                <a:solidFill>
-                  <a:srgbClr val="777879"/>
-                </a:solidFill>
-                <a:latin typeface="Adobe Clean"/>
-                <a:cs typeface="Adobe Clean"/>
-              </a:rPr>
-              <a:t> </a:t>
-            </a:r>
-            <a:r>
-              <a:rPr sz="800" spc="-15" dirty="0">
-                <a:solidFill>
-                  <a:srgbClr val="777879"/>
-                </a:solidFill>
-                <a:latin typeface="Adobe Clean"/>
-                <a:cs typeface="Adobe Clean"/>
-              </a:rPr>
-              <a:t>Avenue</a:t>
-            </a:r>
-            <a:endParaRPr sz="800">
-              <a:latin typeface="Adobe Clean"/>
-              <a:cs typeface="Adobe Clean"/>
-            </a:endParaRPr>
           </a:p>
           <a:p>
             <a:pPr marL="12700">
@@ -10319,49 +9447,15 @@
               </a:lnSpc>
             </a:pPr>
             <a:r>
-              <a:rPr sz="800" spc="-10" dirty="0">
+              <a:rPr lang="it-IT" sz="800" dirty="0">
                 <a:solidFill>
                   <a:srgbClr val="777879"/>
                 </a:solidFill>
                 <a:latin typeface="Adobe Clean"/>
                 <a:cs typeface="Adobe Clean"/>
               </a:rPr>
-              <a:t>San </a:t>
+              <a:t>San Jose, CA 95110-2704</a:t>
             </a:r>
-            <a:r>
-              <a:rPr sz="800" spc="-15" dirty="0">
-                <a:solidFill>
-                  <a:srgbClr val="777879"/>
-                </a:solidFill>
-                <a:latin typeface="Adobe Clean"/>
-                <a:cs typeface="Adobe Clean"/>
-              </a:rPr>
-              <a:t>Jose,</a:t>
-            </a:r>
-            <a:r>
-              <a:rPr sz="800" spc="-140" dirty="0">
-                <a:solidFill>
-                  <a:srgbClr val="777879"/>
-                </a:solidFill>
-                <a:latin typeface="Adobe Clean"/>
-                <a:cs typeface="Adobe Clean"/>
-              </a:rPr>
-              <a:t> </a:t>
-            </a:r>
-            <a:r>
-              <a:rPr sz="800" spc="-20" dirty="0">
-                <a:solidFill>
-                  <a:srgbClr val="777879"/>
-                </a:solidFill>
-                <a:latin typeface="Adobe Clean"/>
-                <a:cs typeface="Adobe Clean"/>
-              </a:rPr>
-              <a:t>CA95110-2704</a:t>
-            </a:r>
-            <a:endParaRPr sz="800">
-              <a:latin typeface="Adobe Clean"/>
-              <a:cs typeface="Adobe Clean"/>
-            </a:endParaRPr>
           </a:p>
           <a:p>
             <a:pPr marL="12700">
@@ -10373,7 +9467,7 @@
               </a:spcBef>
             </a:pPr>
             <a:r>
-              <a:rPr sz="800" spc="-10" dirty="0">
+              <a:rPr lang="it-IT" sz="800" dirty="0">
                 <a:solidFill>
                   <a:srgbClr val="777879"/>
                 </a:solidFill>
@@ -10382,10 +9476,6 @@
               </a:rPr>
               <a:t>USA</a:t>
             </a:r>
-            <a:endParaRPr sz="800">
-              <a:latin typeface="Adobe Clean"/>
-              <a:cs typeface="Adobe Clean"/>
-            </a:endParaRPr>
           </a:p>
           <a:p>
             <a:pPr marL="12700">
@@ -10397,7 +9487,7 @@
               </a:spcBef>
             </a:pPr>
             <a:r>
-              <a:rPr sz="800" u="sng" spc="-25" dirty="0">
+              <a:rPr lang="it-IT" sz="800" u="sng" dirty="0">
                 <a:solidFill>
                   <a:srgbClr val="5F5F5F"/>
                 </a:solidFill>
@@ -10408,14 +9498,10 @@
                 </a:uFill>
                 <a:latin typeface="Adobe Clean"/>
                 <a:cs typeface="Adobe Clean"/>
-                <a:hlinkClick r:id="rId4"/>
+                <a:hlinkClick r:id="rId3"/>
               </a:rPr>
               <a:t>www.adobe.com</a:t>
             </a:r>
-            <a:endParaRPr sz="800">
-              <a:latin typeface="Adobe Clean"/>
-              <a:cs typeface="Adobe Clean"/>
-            </a:endParaRPr>
           </a:p>
         </p:txBody>
       </p:sp>
@@ -10434,7 +9520,7 @@
             <a:avLst/>
           </a:prstGeom>
           <a:blipFill>
-            <a:blip r:embed="rId5" cstate="print"/>
+            <a:blip r:embed="rId4" cstate="print"/>
             <a:stretch>
               <a:fillRect/>
             </a:stretch>
@@ -10546,7 +9632,7 @@
             <a:avLst/>
           </a:prstGeom>
           <a:blipFill>
-            <a:blip r:embed="rId6" cstate="print"/>
+            <a:blip r:embed="rId5" cstate="print"/>
             <a:stretch>
               <a:fillRect/>
             </a:stretch>
@@ -10590,439 +9676,15 @@
               </a:spcBef>
             </a:pPr>
             <a:r>
-              <a:rPr sz="1100" i="1" spc="-10" dirty="0">
+              <a:rPr lang="it-IT" sz="1100" i="1" dirty="0">
                 <a:solidFill>
                   <a:srgbClr val="777879"/>
                 </a:solidFill>
                 <a:latin typeface="AdobeClean-LightIt"/>
                 <a:cs typeface="AdobeClean-LightIt"/>
               </a:rPr>
-              <a:t>To</a:t>
+              <a:t>Per saperne di più sulle opzioni di Supporto Adobe e capire quale sia il livello più adatto alle tue esigenze, contatta il tuo Named Account Manager (NAM) o Customer Success Manager (CSM).</a:t>
             </a:r>
-            <a:r>
-              <a:rPr sz="1100" i="1" spc="-50" dirty="0">
-                <a:solidFill>
-                  <a:srgbClr val="777879"/>
-                </a:solidFill>
-                <a:latin typeface="AdobeClean-LightIt"/>
-                <a:cs typeface="AdobeClean-LightIt"/>
-              </a:rPr>
-              <a:t> </a:t>
-            </a:r>
-            <a:r>
-              <a:rPr sz="1100" i="1" spc="-15" dirty="0">
-                <a:solidFill>
-                  <a:srgbClr val="777879"/>
-                </a:solidFill>
-                <a:latin typeface="AdobeClean-LightIt"/>
-                <a:cs typeface="AdobeClean-LightIt"/>
-              </a:rPr>
-              <a:t>learn</a:t>
-            </a:r>
-            <a:r>
-              <a:rPr sz="1100" i="1" spc="-40" dirty="0">
-                <a:solidFill>
-                  <a:srgbClr val="777879"/>
-                </a:solidFill>
-                <a:latin typeface="AdobeClean-LightIt"/>
-                <a:cs typeface="AdobeClean-LightIt"/>
-              </a:rPr>
-              <a:t> </a:t>
-            </a:r>
-            <a:r>
-              <a:rPr sz="1100" i="1" spc="-15" dirty="0">
-                <a:solidFill>
-                  <a:srgbClr val="777879"/>
-                </a:solidFill>
-                <a:latin typeface="AdobeClean-LightIt"/>
-                <a:cs typeface="AdobeClean-LightIt"/>
-              </a:rPr>
-              <a:t>more</a:t>
-            </a:r>
-            <a:r>
-              <a:rPr sz="1100" i="1" spc="-45" dirty="0">
-                <a:solidFill>
-                  <a:srgbClr val="777879"/>
-                </a:solidFill>
-                <a:latin typeface="AdobeClean-LightIt"/>
-                <a:cs typeface="AdobeClean-LightIt"/>
-              </a:rPr>
-              <a:t> </a:t>
-            </a:r>
-            <a:r>
-              <a:rPr sz="1100" i="1" spc="-15" dirty="0">
-                <a:solidFill>
-                  <a:srgbClr val="777879"/>
-                </a:solidFill>
-                <a:latin typeface="AdobeClean-LightIt"/>
-                <a:cs typeface="AdobeClean-LightIt"/>
-              </a:rPr>
-              <a:t>about</a:t>
-            </a:r>
-            <a:r>
-              <a:rPr sz="1100" i="1" spc="-45" dirty="0">
-                <a:solidFill>
-                  <a:srgbClr val="777879"/>
-                </a:solidFill>
-                <a:latin typeface="AdobeClean-LightIt"/>
-                <a:cs typeface="AdobeClean-LightIt"/>
-              </a:rPr>
-              <a:t> </a:t>
-            </a:r>
-            <a:r>
-              <a:rPr sz="1100" i="1" spc="-15" dirty="0">
-                <a:solidFill>
-                  <a:srgbClr val="777879"/>
-                </a:solidFill>
-                <a:latin typeface="AdobeClean-LightIt"/>
-                <a:cs typeface="AdobeClean-LightIt"/>
-              </a:rPr>
-              <a:t>Adobe</a:t>
-            </a:r>
-            <a:r>
-              <a:rPr sz="1100" i="1" spc="-50" dirty="0">
-                <a:solidFill>
-                  <a:srgbClr val="777879"/>
-                </a:solidFill>
-                <a:latin typeface="AdobeClean-LightIt"/>
-                <a:cs typeface="AdobeClean-LightIt"/>
-              </a:rPr>
-              <a:t> </a:t>
-            </a:r>
-            <a:r>
-              <a:rPr sz="1100" i="1" spc="-15" dirty="0">
-                <a:solidFill>
-                  <a:srgbClr val="777879"/>
-                </a:solidFill>
-                <a:latin typeface="AdobeClean-LightIt"/>
-                <a:cs typeface="AdobeClean-LightIt"/>
-              </a:rPr>
-              <a:t>Support</a:t>
-            </a:r>
-            <a:r>
-              <a:rPr lang="en-US" sz="1100" i="1" spc="-15" dirty="0">
-                <a:solidFill>
-                  <a:srgbClr val="777879"/>
-                </a:solidFill>
-                <a:latin typeface="AdobeClean-LightIt"/>
-                <a:cs typeface="AdobeClean-LightIt"/>
-              </a:rPr>
-              <a:t> Offerings</a:t>
-            </a:r>
-            <a:r>
-              <a:rPr sz="1100" i="1" spc="-75" dirty="0">
-                <a:solidFill>
-                  <a:srgbClr val="777879"/>
-                </a:solidFill>
-                <a:latin typeface="AdobeClean-LightIt"/>
-                <a:cs typeface="AdobeClean-LightIt"/>
-              </a:rPr>
-              <a:t> </a:t>
-            </a:r>
-            <a:r>
-              <a:rPr sz="1100" i="1" spc="-15" dirty="0">
-                <a:solidFill>
-                  <a:srgbClr val="777879"/>
-                </a:solidFill>
-                <a:latin typeface="AdobeClean-LightIt"/>
-                <a:cs typeface="AdobeClean-LightIt"/>
-              </a:rPr>
-              <a:t>and</a:t>
-            </a:r>
-            <a:r>
-              <a:rPr sz="1100" i="1" spc="-50" dirty="0">
-                <a:solidFill>
-                  <a:srgbClr val="777879"/>
-                </a:solidFill>
-                <a:latin typeface="AdobeClean-LightIt"/>
-                <a:cs typeface="AdobeClean-LightIt"/>
-              </a:rPr>
-              <a:t> </a:t>
-            </a:r>
-            <a:r>
-              <a:rPr sz="1100" i="1" spc="-15" dirty="0">
-                <a:solidFill>
-                  <a:srgbClr val="777879"/>
-                </a:solidFill>
-                <a:latin typeface="AdobeClean-LightIt"/>
-                <a:cs typeface="AdobeClean-LightIt"/>
-              </a:rPr>
-              <a:t>the</a:t>
-            </a:r>
-            <a:r>
-              <a:rPr sz="1100" i="1" spc="-55" dirty="0">
-                <a:solidFill>
-                  <a:srgbClr val="777879"/>
-                </a:solidFill>
-                <a:latin typeface="AdobeClean-LightIt"/>
-                <a:cs typeface="AdobeClean-LightIt"/>
-              </a:rPr>
-              <a:t> </a:t>
-            </a:r>
-            <a:r>
-              <a:rPr sz="1100" i="1" spc="-15" dirty="0">
-                <a:solidFill>
-                  <a:srgbClr val="777879"/>
-                </a:solidFill>
-                <a:latin typeface="AdobeClean-LightIt"/>
-                <a:cs typeface="AdobeClean-LightIt"/>
-              </a:rPr>
-              <a:t>right</a:t>
-            </a:r>
-            <a:r>
-              <a:rPr sz="1100" i="1" spc="-95" dirty="0">
-                <a:solidFill>
-                  <a:srgbClr val="777879"/>
-                </a:solidFill>
-                <a:latin typeface="AdobeClean-LightIt"/>
-                <a:cs typeface="AdobeClean-LightIt"/>
-              </a:rPr>
-              <a:t> </a:t>
-            </a:r>
-            <a:r>
-              <a:rPr sz="1100" i="1" spc="-15" dirty="0">
-                <a:solidFill>
-                  <a:srgbClr val="777879"/>
-                </a:solidFill>
-                <a:latin typeface="AdobeClean-LightIt"/>
-                <a:cs typeface="AdobeClean-LightIt"/>
-              </a:rPr>
-              <a:t>level</a:t>
-            </a:r>
-            <a:r>
-              <a:rPr sz="1100" i="1" spc="-55" dirty="0">
-                <a:solidFill>
-                  <a:srgbClr val="777879"/>
-                </a:solidFill>
-                <a:latin typeface="AdobeClean-LightIt"/>
-                <a:cs typeface="AdobeClean-LightIt"/>
-              </a:rPr>
-              <a:t> </a:t>
-            </a:r>
-            <a:r>
-              <a:rPr sz="1100" i="1" spc="-15" dirty="0">
-                <a:solidFill>
-                  <a:srgbClr val="777879"/>
-                </a:solidFill>
-                <a:latin typeface="AdobeClean-LightIt"/>
-                <a:cs typeface="AdobeClean-LightIt"/>
-              </a:rPr>
-              <a:t>for</a:t>
-            </a:r>
-            <a:r>
-              <a:rPr sz="1100" i="1" spc="-85" dirty="0">
-                <a:solidFill>
-                  <a:srgbClr val="777879"/>
-                </a:solidFill>
-                <a:latin typeface="AdobeClean-LightIt"/>
-                <a:cs typeface="AdobeClean-LightIt"/>
-              </a:rPr>
-              <a:t> </a:t>
-            </a:r>
-            <a:r>
-              <a:rPr sz="1100" i="1" spc="-15" dirty="0">
-                <a:solidFill>
-                  <a:srgbClr val="777879"/>
-                </a:solidFill>
-                <a:latin typeface="AdobeClean-LightIt"/>
-                <a:cs typeface="AdobeClean-LightIt"/>
-              </a:rPr>
-              <a:t>you,</a:t>
-            </a:r>
-            <a:r>
-              <a:rPr sz="1100" i="1" spc="-65" dirty="0">
-                <a:solidFill>
-                  <a:srgbClr val="777879"/>
-                </a:solidFill>
-                <a:latin typeface="AdobeClean-LightIt"/>
-                <a:cs typeface="AdobeClean-LightIt"/>
-              </a:rPr>
-              <a:t> </a:t>
-            </a:r>
-            <a:r>
-              <a:rPr sz="1100" i="1" spc="-15" dirty="0">
-                <a:solidFill>
-                  <a:srgbClr val="777879"/>
-                </a:solidFill>
-                <a:latin typeface="AdobeClean-LightIt"/>
-                <a:cs typeface="AdobeClean-LightIt"/>
-              </a:rPr>
-              <a:t>contact</a:t>
-            </a:r>
-            <a:r>
-              <a:rPr sz="1100" i="1" spc="-85" dirty="0">
-                <a:solidFill>
-                  <a:srgbClr val="777879"/>
-                </a:solidFill>
-                <a:latin typeface="AdobeClean-LightIt"/>
-                <a:cs typeface="AdobeClean-LightIt"/>
-              </a:rPr>
-              <a:t> </a:t>
-            </a:r>
-            <a:r>
-              <a:rPr sz="1100" i="1" spc="-15" dirty="0">
-                <a:solidFill>
-                  <a:srgbClr val="777879"/>
-                </a:solidFill>
-                <a:latin typeface="AdobeClean-LightIt"/>
-                <a:cs typeface="AdobeClean-LightIt"/>
-              </a:rPr>
-              <a:t>your</a:t>
-            </a:r>
-            <a:r>
-              <a:rPr sz="1100" i="1" spc="-70" dirty="0">
-                <a:solidFill>
-                  <a:srgbClr val="777879"/>
-                </a:solidFill>
-                <a:latin typeface="AdobeClean-LightIt"/>
-                <a:cs typeface="AdobeClean-LightIt"/>
-              </a:rPr>
-              <a:t> </a:t>
-            </a:r>
-            <a:r>
-              <a:rPr sz="1100" i="1" spc="-15" dirty="0">
-                <a:solidFill>
-                  <a:srgbClr val="777879"/>
-                </a:solidFill>
-                <a:latin typeface="AdobeClean-LightIt"/>
-                <a:cs typeface="AdobeClean-LightIt"/>
-              </a:rPr>
-              <a:t>Named</a:t>
-            </a:r>
-            <a:r>
-              <a:rPr sz="1100" i="1" spc="-55" dirty="0">
-                <a:solidFill>
-                  <a:srgbClr val="777879"/>
-                </a:solidFill>
-                <a:latin typeface="AdobeClean-LightIt"/>
-                <a:cs typeface="AdobeClean-LightIt"/>
-              </a:rPr>
-              <a:t> </a:t>
-            </a:r>
-            <a:r>
-              <a:rPr sz="1100" i="1" spc="-25" dirty="0">
-                <a:solidFill>
-                  <a:srgbClr val="777879"/>
-                </a:solidFill>
-                <a:latin typeface="AdobeClean-LightIt"/>
-                <a:cs typeface="AdobeClean-LightIt"/>
-              </a:rPr>
-              <a:t>Account</a:t>
-            </a:r>
-            <a:r>
-              <a:rPr sz="1100" i="1" spc="-120" dirty="0">
-                <a:solidFill>
-                  <a:srgbClr val="777879"/>
-                </a:solidFill>
-                <a:latin typeface="AdobeClean-LightIt"/>
-                <a:cs typeface="AdobeClean-LightIt"/>
-              </a:rPr>
-              <a:t> </a:t>
-            </a:r>
-            <a:r>
-              <a:rPr sz="1100" i="1" spc="-20" dirty="0">
-                <a:solidFill>
-                  <a:srgbClr val="777879"/>
-                </a:solidFill>
-                <a:latin typeface="AdobeClean-LightIt"/>
-                <a:cs typeface="AdobeClean-LightIt"/>
-              </a:rPr>
-              <a:t>Manager </a:t>
-            </a:r>
-            <a:r>
-              <a:rPr sz="1100" i="1" spc="-15" dirty="0">
-                <a:solidFill>
-                  <a:srgbClr val="777879"/>
-                </a:solidFill>
-                <a:latin typeface="AdobeClean-LightIt"/>
-                <a:cs typeface="AdobeClean-LightIt"/>
-              </a:rPr>
-              <a:t>(NAM) </a:t>
-            </a:r>
-            <a:r>
-              <a:rPr sz="1100" i="1" spc="-10" dirty="0">
-                <a:solidFill>
-                  <a:srgbClr val="777879"/>
-                </a:solidFill>
-                <a:latin typeface="AdobeClean-LightIt"/>
-                <a:cs typeface="AdobeClean-LightIt"/>
-              </a:rPr>
-              <a:t>or </a:t>
-            </a:r>
-            <a:r>
-              <a:rPr sz="1100" i="1" spc="-15" dirty="0">
-                <a:solidFill>
-                  <a:srgbClr val="777879"/>
-                </a:solidFill>
-                <a:latin typeface="AdobeClean-LightIt"/>
-                <a:cs typeface="AdobeClean-LightIt"/>
-              </a:rPr>
-              <a:t>Customer </a:t>
-            </a:r>
-            <a:r>
-              <a:rPr sz="1100" i="1" spc="-20" dirty="0">
-                <a:solidFill>
-                  <a:srgbClr val="777879"/>
-                </a:solidFill>
-                <a:latin typeface="AdobeClean-LightIt"/>
-                <a:cs typeface="AdobeClean-LightIt"/>
-              </a:rPr>
-              <a:t>Success</a:t>
-            </a:r>
-            <a:r>
-              <a:rPr sz="1100" i="1" spc="-180" dirty="0">
-                <a:solidFill>
-                  <a:srgbClr val="777879"/>
-                </a:solidFill>
-                <a:latin typeface="AdobeClean-LightIt"/>
-                <a:cs typeface="AdobeClean-LightIt"/>
-              </a:rPr>
-              <a:t> </a:t>
-            </a:r>
-            <a:r>
-              <a:rPr sz="1100" i="1" spc="-15" dirty="0">
-                <a:solidFill>
-                  <a:srgbClr val="777879"/>
-                </a:solidFill>
-                <a:latin typeface="AdobeClean-LightIt"/>
-                <a:cs typeface="AdobeClean-LightIt"/>
-              </a:rPr>
-              <a:t>Manager</a:t>
-            </a:r>
-            <a:r>
-              <a:rPr lang="en-US" sz="1100" i="1" spc="-15" dirty="0">
-                <a:solidFill>
-                  <a:srgbClr val="777879"/>
-                </a:solidFill>
-                <a:latin typeface="AdobeClean-LightIt"/>
-                <a:cs typeface="AdobeClean-LightIt"/>
-              </a:rPr>
-              <a:t> </a:t>
-            </a:r>
-            <a:r>
-              <a:rPr sz="1100" i="1" spc="-15" dirty="0">
-                <a:solidFill>
-                  <a:srgbClr val="777879"/>
-                </a:solidFill>
-                <a:latin typeface="AdobeClean-LightIt"/>
-                <a:cs typeface="AdobeClean-LightIt"/>
-              </a:rPr>
-              <a:t>(CSM)</a:t>
-            </a:r>
-            <a:r>
-              <a:rPr lang="en-US" sz="1100" i="1" spc="-15" dirty="0">
-                <a:solidFill>
-                  <a:srgbClr val="777879"/>
-                </a:solidFill>
-                <a:latin typeface="AdobeClean-LightIt"/>
-                <a:cs typeface="AdobeClean-LightIt"/>
-              </a:rPr>
-              <a:t>.</a:t>
-            </a:r>
-            <a:endParaRPr sz="1100" dirty="0">
-              <a:latin typeface="AdobeClean-LightIt"/>
-              <a:cs typeface="AdobeClean-LightIt"/>
-            </a:endParaRPr>
           </a:p>
           <a:p>
             <a:pPr marL="34290">
@@ -11034,59 +9696,15 @@
               </a:spcBef>
             </a:pPr>
             <a:r>
-              <a:rPr sz="800" spc="-5" dirty="0">
+              <a:rPr lang="it-IT" sz="800" dirty="0">
                 <a:solidFill>
                   <a:srgbClr val="6D6D6D"/>
                 </a:solidFill>
                 <a:latin typeface="Adobe Clean"/>
                 <a:cs typeface="Adobe Clean"/>
               </a:rPr>
-              <a:t>©202</a:t>
+              <a:t>©2022 Adobe. All Rights Reserved. Adobe Confidential.</a:t>
             </a:r>
-            <a:r>
-              <a:rPr lang="en-US" sz="800" spc="-5" dirty="0">
-                <a:solidFill>
-                  <a:srgbClr val="6D6D6D"/>
-                </a:solidFill>
-                <a:latin typeface="Adobe Clean"/>
-                <a:cs typeface="Adobe Clean"/>
-              </a:rPr>
-              <a:t>2</a:t>
-            </a:r>
-            <a:r>
-              <a:rPr sz="800" spc="-5" dirty="0">
-                <a:solidFill>
-                  <a:srgbClr val="6D6D6D"/>
-                </a:solidFill>
-                <a:latin typeface="Adobe Clean"/>
-                <a:cs typeface="Adobe Clean"/>
-              </a:rPr>
-              <a:t> Adobe. All Rights Reserved. Adobe</a:t>
-            </a:r>
-            <a:r>
-              <a:rPr sz="800" spc="75" dirty="0">
-                <a:solidFill>
-                  <a:srgbClr val="6D6D6D"/>
-                </a:solidFill>
-                <a:latin typeface="Adobe Clean"/>
-                <a:cs typeface="Adobe Clean"/>
-              </a:rPr>
-              <a:t> </a:t>
-            </a:r>
-            <a:r>
-              <a:rPr sz="800" spc="-5" dirty="0">
-                <a:solidFill>
-                  <a:srgbClr val="6D6D6D"/>
-                </a:solidFill>
-                <a:latin typeface="Adobe Clean"/>
-                <a:cs typeface="Adobe Clean"/>
-              </a:rPr>
-              <a:t>Confidential.</a:t>
-            </a:r>
-            <a:endParaRPr sz="800" dirty="0">
-              <a:latin typeface="Adobe Clean"/>
-              <a:cs typeface="Adobe Clean"/>
-            </a:endParaRPr>
           </a:p>
         </p:txBody>
       </p:sp>
@@ -11123,14 +9741,14 @@
               </a:spcBef>
             </a:pPr>
             <a:r>
-              <a:rPr lang="en-US" sz="1400" b="1" spc="-15" dirty="0">
+              <a:rPr lang="it-IT" sz="1400" b="1">
                 <a:solidFill>
                   <a:srgbClr val="020302"/>
                 </a:solidFill>
                 <a:latin typeface="Adobe Clean"/>
                 <a:cs typeface="Adobe Clean"/>
               </a:rPr>
-              <a:t>Regional Hours Of Operation And Language Support</a:t>
+              <a:t>Orario operativo per area geografica e lingue</a:t>
             </a:r>
           </a:p>
           <a:p>
@@ -11140,13 +9758,13 @@
               </a:spcBef>
             </a:pPr>
             <a:r>
-              <a:rPr lang="en-US" sz="1000" spc="-15" dirty="0">
+              <a:rPr lang="it-IT" sz="1000">
                 <a:solidFill>
                   <a:srgbClr val="1F1F1F"/>
                 </a:solidFill>
                 <a:latin typeface="AdobeClean-Light"/>
               </a:rPr>
-              <a:t>Adobe’s local business hours align to the customer’s billing region.</a:t>
+              <a:t>Gli orari operativi di Adobe dipendono dall’area geografica di fatturazione del cliente.</a:t>
             </a:r>
           </a:p>
         </p:txBody>
@@ -11219,16 +9837,16 @@
                     <a:p>
                       <a:pPr algn="ctr"/>
                       <a:r>
-                        <a:rPr lang="en-US" sz="1100" dirty="0">
+                        <a:rPr lang="it-IT" sz="1100">
                           <a:solidFill>
                             <a:schemeClr val="tx1"/>
                           </a:solidFill>
                           <a:latin typeface="Adobe Clean" panose="020B0503020404020204" pitchFamily="34" charset="0"/>
                         </a:rPr>
-                        <a:t>Americas </a:t>
+                        <a:t>Americhe </a:t>
                       </a:r>
                       <a:r>
-                        <a:rPr lang="en-US" sz="1100" baseline="30000" dirty="0">
+                        <a:rPr lang="it-IT" sz="1100" baseline="30000">
                           <a:solidFill>
                             <a:schemeClr val="tx1"/>
                           </a:solidFill>
@@ -11293,13 +9911,13 @@
                     <a:p>
                       <a:pPr algn="ctr"/>
                       <a:r>
-                        <a:rPr lang="en-US" sz="1100" dirty="0">
+                        <a:rPr lang="it-IT" sz="1100">
                           <a:solidFill>
                             <a:schemeClr val="tx1"/>
                           </a:solidFill>
                           <a:latin typeface="Adobe Clean" panose="020B0503020404020204" pitchFamily="34" charset="0"/>
                         </a:rPr>
-                        <a:t>Europe, Middle East &amp; Africa</a:t>
+                        <a:t>Europa, Medio Oriente e Africa</a:t>
                       </a:r>
                     </a:p>
                   </a:txBody>
@@ -11358,13 +9976,13 @@
                     <a:p>
                       <a:pPr algn="ctr"/>
                       <a:r>
-                        <a:rPr lang="en-US" sz="1100" dirty="0">
+                        <a:rPr lang="it-IT" sz="1100">
                           <a:solidFill>
                             <a:schemeClr val="tx1"/>
                           </a:solidFill>
                           <a:latin typeface="Adobe Clean" panose="020B0503020404020204" pitchFamily="34" charset="0"/>
                         </a:rPr>
-                        <a:t>Asia Pacific</a:t>
+                        <a:t>Asia-Pacifico</a:t>
                       </a:r>
                     </a:p>
                   </a:txBody>
@@ -11423,13 +10041,13 @@
                     <a:p>
                       <a:pPr algn="ctr"/>
                       <a:r>
-                        <a:rPr lang="en-US" sz="1100" dirty="0">
+                        <a:rPr lang="it-IT" sz="1100">
                           <a:solidFill>
                             <a:schemeClr val="tx1"/>
                           </a:solidFill>
                           <a:latin typeface="Adobe Clean" panose="020B0503020404020204" pitchFamily="34" charset="0"/>
                         </a:rPr>
-                        <a:t>Japan </a:t>
+                        <a:t>Giappone </a:t>
                       </a:r>
                     </a:p>
                   </a:txBody>
@@ -11495,7 +10113,7 @@
                     <a:p>
                       <a:pPr algn="ctr"/>
                       <a:r>
-                        <a:rPr lang="en-US" sz="1100" dirty="0">
+                        <a:rPr lang="it-IT" sz="1100">
                           <a:solidFill>
                             <a:schemeClr val="tx1"/>
                           </a:solidFill>
@@ -11560,13 +10178,13 @@
                     <a:p>
                       <a:pPr algn="ctr"/>
                       <a:r>
-                        <a:rPr lang="en-US" sz="1100" dirty="0">
+                        <a:rPr lang="it-IT" sz="1100">
                           <a:solidFill>
                             <a:schemeClr val="tx1"/>
                           </a:solidFill>
                           <a:latin typeface="Adobe Clean" panose="020B0503020404020204" pitchFamily="34" charset="0"/>
                         </a:rPr>
-                        <a:t>9 am – 5 pm</a:t>
+                        <a:t>09:00 – 17:00</a:t>
                       </a:r>
                     </a:p>
                   </a:txBody>
@@ -11625,13 +10243,13 @@
                     <a:p>
                       <a:pPr algn="ctr"/>
                       <a:r>
-                        <a:rPr lang="en-US" sz="1100" dirty="0">
+                        <a:rPr lang="it-IT" sz="1100">
                           <a:solidFill>
                             <a:schemeClr val="tx1"/>
                           </a:solidFill>
                           <a:latin typeface="Adobe Clean" panose="020B0503020404020204" pitchFamily="34" charset="0"/>
                         </a:rPr>
-                        <a:t>9 am – 5 pm</a:t>
+                        <a:t>09:00 – 17:00</a:t>
                       </a:r>
                     </a:p>
                   </a:txBody>
@@ -11690,13 +10308,13 @@
                     <a:p>
                       <a:pPr algn="ctr"/>
                       <a:r>
-                        <a:rPr lang="en-US" sz="1100" dirty="0">
+                        <a:rPr lang="it-IT" sz="1100">
                           <a:solidFill>
                             <a:schemeClr val="tx1"/>
                           </a:solidFill>
                           <a:latin typeface="Adobe Clean" panose="020B0503020404020204" pitchFamily="34" charset="0"/>
                         </a:rPr>
-                        <a:t>9 am – 5:30 pm</a:t>
+                        <a:t>09:00 – 17:30</a:t>
                       </a:r>
                     </a:p>
                   </a:txBody>
@@ -11760,7 +10378,7 @@
                     <a:bodyPr/>
                     <a:lstStyle/>
                     <a:p>
-                      <a:pPr marL="0" marR="0" lvl="0" indent="0" algn="ctr" defTabSz="914400" eaLnBrk="1" fontAlgn="auto" latinLnBrk="0" hangingPunct="1">
+                      <a:pPr marL="0" marR="0" lvl="0" indent="0" algn="l" defTabSz="914400" rtl="0" eaLnBrk="1" fontAlgn="auto" latinLnBrk="0" hangingPunct="1">
                         <a:lnSpc>
                           <a:spcPct val="100000"/>
                         </a:lnSpc>
@@ -11803,7 +10421,7 @@
                         <a:defRPr/>
                       </a:pPr>
                       <a:r>
-                        <a:rPr lang="en-US" sz="1100" baseline="30000" dirty="0">
+                        <a:rPr lang="it-IT" sz="1100" baseline="30000">
                           <a:solidFill>
                             <a:schemeClr val="tx1"/>
                           </a:solidFill>
@@ -11812,17 +10430,17 @@
                         <a:t>1</a:t>
                       </a:r>
                       <a:r>
-                        <a:rPr lang="en-US" sz="1100" dirty="0">
+                        <a:rPr lang="it-IT" sz="1100">
                           <a:solidFill>
                             <a:schemeClr val="tx1"/>
                           </a:solidFill>
                           <a:latin typeface="Adobe Clean" panose="020B0503020404020204" pitchFamily="34" charset="0"/>
                         </a:rPr>
-                        <a:t>Americas Language support available in English only.</a:t>
+                        <a:t>Americhe Supporto linguistico disponibile solo in inglese.</a:t>
                       </a:r>
                     </a:p>
                     <a:p>
-                      <a:pPr marL="0" marR="0" lvl="0" indent="0" algn="ctr" defTabSz="914400" eaLnBrk="1" fontAlgn="auto" latinLnBrk="0" hangingPunct="1">
+                      <a:pPr marL="0" marR="0" lvl="0" indent="0" algn="l" defTabSz="914400" rtl="0" eaLnBrk="1" fontAlgn="auto" latinLnBrk="0" hangingPunct="1">
                         <a:lnSpc>
                           <a:spcPct val="100000"/>
                         </a:lnSpc>
@@ -12165,7 +10783,7 @@
           <p:nvPr/>
         </p:nvPicPr>
         <p:blipFill>
-          <a:blip r:embed="rId7" cstate="print"/>
+          <a:blip r:embed="rId6" cstate="print"/>
           <a:stretch>
             <a:fillRect/>
           </a:stretch>
@@ -12194,8 +10812,8 @@
         </p:nvSpPr>
         <p:spPr>
           <a:xfrm>
-            <a:off x="2840871" y="8528519"/>
-            <a:ext cx="810895" cy="385445"/>
+            <a:off x="2800326" y="8528519"/>
+            <a:ext cx="891985" cy="385445"/>
           </a:xfrm>
           <a:prstGeom prst="rect">
             <a:avLst/>
@@ -12207,7 +10825,7 @@
           </a:bodyPr>
           <a:lstStyle/>
           <a:p>
-            <a:pPr marL="139065" marR="5080" indent="-139065">
+            <a:pPr marR="5080" algn="ctr">
               <a:lnSpc>
                 <a:spcPts val="1390"/>
               </a:lnSpc>
@@ -12216,129 +10834,15 @@
               </a:spcBef>
             </a:pPr>
             <a:r>
-              <a:rPr sz="1200" b="1" spc="-15" dirty="0">
+              <a:rPr lang="it-IT" sz="1200" b="1" dirty="0">
                 <a:solidFill>
                   <a:srgbClr val="FFFFFF"/>
                 </a:solidFill>
                 <a:latin typeface="Adobe Clean"/>
                 <a:cs typeface="Adobe Clean"/>
               </a:rPr>
-              <a:t>U</a:t>
+              <a:t>Eccellenza tecnica</a:t>
             </a:r>
-            <a:r>
-              <a:rPr sz="1200" b="1" spc="-20" dirty="0">
-                <a:solidFill>
-                  <a:srgbClr val="FFFFFF"/>
-                </a:solidFill>
-                <a:latin typeface="Adobe Clean"/>
-                <a:cs typeface="Adobe Clean"/>
-              </a:rPr>
-              <a:t>n</a:t>
-            </a:r>
-            <a:r>
-              <a:rPr sz="1200" b="1" spc="-25" dirty="0">
-                <a:solidFill>
-                  <a:srgbClr val="FFFFFF"/>
-                </a:solidFill>
-                <a:latin typeface="Adobe Clean"/>
-                <a:cs typeface="Adobe Clean"/>
-              </a:rPr>
-              <a:t>p</a:t>
-            </a:r>
-            <a:r>
-              <a:rPr sz="1200" b="1" spc="-15" dirty="0">
-                <a:solidFill>
-                  <a:srgbClr val="FFFFFF"/>
-                </a:solidFill>
-                <a:latin typeface="Adobe Clean"/>
-                <a:cs typeface="Adobe Clean"/>
-              </a:rPr>
-              <a:t>a</a:t>
-            </a:r>
-            <a:r>
-              <a:rPr sz="1200" b="1" spc="-25" dirty="0">
-                <a:solidFill>
-                  <a:srgbClr val="FFFFFF"/>
-                </a:solidFill>
-                <a:latin typeface="Adobe Clean"/>
-                <a:cs typeface="Adobe Clean"/>
-              </a:rPr>
-              <a:t>r</a:t>
-            </a:r>
-            <a:r>
-              <a:rPr sz="1200" b="1" spc="-15" dirty="0">
-                <a:solidFill>
-                  <a:srgbClr val="FFFFFF"/>
-                </a:solidFill>
-                <a:latin typeface="Adobe Clean"/>
-                <a:cs typeface="Adobe Clean"/>
-              </a:rPr>
-              <a:t>a</a:t>
-            </a:r>
-            <a:r>
-              <a:rPr sz="1200" b="1" spc="-30" dirty="0">
-                <a:solidFill>
-                  <a:srgbClr val="FFFFFF"/>
-                </a:solidFill>
-                <a:latin typeface="Adobe Clean"/>
-                <a:cs typeface="Adobe Clean"/>
-              </a:rPr>
-              <a:t>ll</a:t>
-            </a:r>
-            <a:r>
-              <a:rPr sz="1200" b="1" spc="-25" dirty="0">
-                <a:solidFill>
-                  <a:srgbClr val="FFFFFF"/>
-                </a:solidFill>
-                <a:latin typeface="Adobe Clean"/>
-                <a:cs typeface="Adobe Clean"/>
-              </a:rPr>
-              <a:t>e</a:t>
-            </a:r>
-            <a:r>
-              <a:rPr sz="1200" b="1" spc="-30" dirty="0">
-                <a:solidFill>
-                  <a:srgbClr val="FFFFFF"/>
-                </a:solidFill>
-                <a:latin typeface="Adobe Clean"/>
-                <a:cs typeface="Adobe Clean"/>
-              </a:rPr>
-              <a:t>l</a:t>
-            </a:r>
-            <a:r>
-              <a:rPr sz="1200" b="1" spc="-25" dirty="0">
-                <a:solidFill>
-                  <a:srgbClr val="FFFFFF"/>
-                </a:solidFill>
-                <a:latin typeface="Adobe Clean"/>
-                <a:cs typeface="Adobe Clean"/>
-              </a:rPr>
-              <a:t>e</a:t>
-            </a:r>
-            <a:r>
-              <a:rPr sz="1200" b="1" dirty="0">
-                <a:solidFill>
-                  <a:srgbClr val="FFFFFF"/>
-                </a:solidFill>
-                <a:latin typeface="Adobe Clean"/>
-                <a:cs typeface="Adobe Clean"/>
-              </a:rPr>
-              <a:t>d  </a:t>
-            </a:r>
-            <a:r>
-              <a:rPr sz="1200" b="1" spc="-25" dirty="0">
-                <a:solidFill>
-                  <a:srgbClr val="FFFFFF"/>
-                </a:solidFill>
-                <a:latin typeface="Adobe Clean"/>
-                <a:cs typeface="Adobe Clean"/>
-              </a:rPr>
-              <a:t>Expertise</a:t>
-            </a:r>
-            <a:endParaRPr sz="1200" dirty="0">
-              <a:latin typeface="Adobe Clean"/>
-              <a:cs typeface="Adobe Clean"/>
-            </a:endParaRPr>
           </a:p>
         </p:txBody>
       </p:sp>
@@ -12369,7 +10873,7 @@
           </a:bodyPr>
           <a:lstStyle/>
           <a:p>
-            <a:pPr marL="139065" marR="5080" indent="-139065">
+            <a:pPr marR="5080" algn="ctr">
               <a:lnSpc>
                 <a:spcPts val="1390"/>
               </a:lnSpc>
@@ -12378,19 +10882,15 @@
               </a:spcBef>
             </a:pPr>
             <a:r>
-              <a:rPr lang="en-US" sz="1200" b="1" spc="-15" dirty="0">
+              <a:rPr lang="it-IT" sz="1200" b="1" dirty="0">
                 <a:solidFill>
                   <a:srgbClr val="FFFFFF"/>
                 </a:solidFill>
                 <a:latin typeface="Adobe Clean"/>
                 <a:cs typeface="Adobe Clean"/>
               </a:rPr>
-              <a:t>Accelerated Support</a:t>
+              <a:t>Supporto rapido</a:t>
             </a:r>
-            <a:endParaRPr sz="1200" dirty="0">
-              <a:latin typeface="Adobe Clean"/>
-              <a:cs typeface="Adobe Clean"/>
-            </a:endParaRPr>
           </a:p>
         </p:txBody>
       </p:sp>
@@ -12408,8 +10908,8 @@
         </p:nvSpPr>
         <p:spPr>
           <a:xfrm>
-            <a:off x="6624119" y="8543943"/>
-            <a:ext cx="510540" cy="385445"/>
+            <a:off x="6468275" y="8543943"/>
+            <a:ext cx="822229" cy="385445"/>
           </a:xfrm>
           <a:prstGeom prst="rect">
             <a:avLst/>
@@ -12421,7 +10921,7 @@
           </a:bodyPr>
           <a:lstStyle/>
           <a:p>
-            <a:pPr marL="50800" marR="5080" indent="-51435">
+            <a:pPr marR="5080" algn="ctr">
               <a:lnSpc>
                 <a:spcPts val="1390"/>
               </a:lnSpc>
@@ -12430,109 +10930,15 @@
               </a:spcBef>
             </a:pPr>
             <a:r>
-              <a:rPr sz="1200" b="1" spc="-50" dirty="0">
+              <a:rPr lang="it-IT" sz="1200" b="1" dirty="0">
                 <a:solidFill>
                   <a:srgbClr val="FFFFFF"/>
                 </a:solidFill>
                 <a:latin typeface="Adobe Clean"/>
                 <a:cs typeface="Adobe Clean"/>
               </a:rPr>
-              <a:t>S</a:t>
+              <a:t>Consulenza strategica</a:t>
             </a:r>
-            <a:r>
-              <a:rPr sz="1200" b="1" spc="-20" dirty="0">
-                <a:solidFill>
-                  <a:srgbClr val="FFFFFF"/>
-                </a:solidFill>
-                <a:latin typeface="Adobe Clean"/>
-                <a:cs typeface="Adobe Clean"/>
-              </a:rPr>
-              <a:t>t</a:t>
-            </a:r>
-            <a:r>
-              <a:rPr sz="1200" b="1" spc="-75" dirty="0">
-                <a:solidFill>
-                  <a:srgbClr val="FFFFFF"/>
-                </a:solidFill>
-                <a:latin typeface="Adobe Clean"/>
-                <a:cs typeface="Adobe Clean"/>
-              </a:rPr>
-              <a:t>r</a:t>
-            </a:r>
-            <a:r>
-              <a:rPr sz="1200" b="1" spc="-90" dirty="0">
-                <a:solidFill>
-                  <a:srgbClr val="FFFFFF"/>
-                </a:solidFill>
-                <a:latin typeface="Adobe Clean"/>
-                <a:cs typeface="Adobe Clean"/>
-              </a:rPr>
-              <a:t>a</a:t>
-            </a:r>
-            <a:r>
-              <a:rPr sz="1200" b="1" spc="-55" dirty="0">
-                <a:solidFill>
-                  <a:srgbClr val="FFFFFF"/>
-                </a:solidFill>
-                <a:latin typeface="Adobe Clean"/>
-                <a:cs typeface="Adobe Clean"/>
-              </a:rPr>
-              <a:t>t</a:t>
-            </a:r>
-            <a:r>
-              <a:rPr sz="1200" b="1" spc="-100" dirty="0">
-                <a:solidFill>
-                  <a:srgbClr val="FFFFFF"/>
-                </a:solidFill>
-                <a:latin typeface="Adobe Clean"/>
-                <a:cs typeface="Adobe Clean"/>
-              </a:rPr>
-              <a:t>e</a:t>
-            </a:r>
-            <a:r>
-              <a:rPr sz="1200" b="1" spc="-80" dirty="0">
-                <a:solidFill>
-                  <a:srgbClr val="FFFFFF"/>
-                </a:solidFill>
-                <a:latin typeface="Adobe Clean"/>
-                <a:cs typeface="Adobe Clean"/>
-              </a:rPr>
-              <a:t>g</a:t>
-            </a:r>
-            <a:r>
-              <a:rPr sz="1200" b="1" spc="-35" dirty="0">
-                <a:solidFill>
-                  <a:srgbClr val="FFFFFF"/>
-                </a:solidFill>
-                <a:latin typeface="Adobe Clean"/>
-                <a:cs typeface="Adobe Clean"/>
-              </a:rPr>
-              <a:t>i</a:t>
-            </a:r>
-            <a:r>
-              <a:rPr sz="1200" b="1" dirty="0">
-                <a:solidFill>
-                  <a:srgbClr val="FFFFFF"/>
-                </a:solidFill>
-                <a:latin typeface="Adobe Clean"/>
-                <a:cs typeface="Adobe Clean"/>
-              </a:rPr>
-              <a:t>c  </a:t>
-            </a:r>
-            <a:r>
-              <a:rPr sz="1200" b="1" spc="-45" dirty="0">
-                <a:solidFill>
-                  <a:srgbClr val="FFFFFF"/>
-                </a:solidFill>
-                <a:latin typeface="Adobe Clean"/>
-                <a:cs typeface="Adobe Clean"/>
-              </a:rPr>
-              <a:t>Advice</a:t>
-            </a:r>
-            <a:endParaRPr sz="1200" dirty="0">
-              <a:latin typeface="Adobe Clean"/>
-              <a:cs typeface="Adobe Clean"/>
-            </a:endParaRPr>
           </a:p>
         </p:txBody>
       </p:sp>
@@ -12551,13 +10957,13 @@
           <p:nvPr/>
         </p:nvPicPr>
         <p:blipFill>
-          <a:blip r:embed="rId8">
+          <a:blip r:embed="rId7">
             <a:extLst>
               <a:ext uri="{28A0092B-C50C-407E-A947-70E740481C1C}">
                 <a14:useLocalDpi xmlns:a14="http://schemas.microsoft.com/office/drawing/2010/main" val="0"/>
               </a:ext>
               <a:ext uri="{96DAC541-7B7A-43D3-8B79-37D633B846F1}">
-                <asvg:svgBlip xmlns:asvg="http://schemas.microsoft.com/office/drawing/2016/SVG/main" r:embed="rId9"/>
+                <asvg:svgBlip xmlns:asvg="http://schemas.microsoft.com/office/drawing/2016/SVG/main" r:embed="rId8"/>
               </a:ext>
             </a:extLst>
           </a:blip>
@@ -12590,13 +10996,13 @@
           <p:nvPr/>
         </p:nvPicPr>
         <p:blipFill>
-          <a:blip r:embed="rId10">
+          <a:blip r:embed="rId9">
             <a:extLst>
               <a:ext uri="{28A0092B-C50C-407E-A947-70E740481C1C}">
                 <a14:useLocalDpi xmlns:a14="http://schemas.microsoft.com/office/drawing/2010/main" val="0"/>
               </a:ext>
               <a:ext uri="{96DAC541-7B7A-43D3-8B79-37D633B846F1}">
-                <asvg:svgBlip xmlns:asvg="http://schemas.microsoft.com/office/drawing/2016/SVG/main" r:embed="rId11"/>
+                <asvg:svgBlip xmlns:asvg="http://schemas.microsoft.com/office/drawing/2016/SVG/main" r:embed="rId10"/>
               </a:ext>
             </a:extLst>
           </a:blip>
@@ -12629,13 +11035,13 @@
           <p:nvPr/>
         </p:nvPicPr>
         <p:blipFill>
-          <a:blip r:embed="rId12">
+          <a:blip r:embed="rId11">
             <a:extLst>
               <a:ext uri="{28A0092B-C50C-407E-A947-70E740481C1C}">
                 <a14:useLocalDpi xmlns:a14="http://schemas.microsoft.com/office/drawing/2010/main" val="0"/>
               </a:ext>
               <a:ext uri="{96DAC541-7B7A-43D3-8B79-37D633B846F1}">
-                <asvg:svgBlip xmlns:asvg="http://schemas.microsoft.com/office/drawing/2016/SVG/main" r:embed="rId13"/>
+                <asvg:svgBlip xmlns:asvg="http://schemas.microsoft.com/office/drawing/2016/SVG/main" r:embed="rId12"/>
               </a:ext>
             </a:extLst>
           </a:blip>
@@ -12675,7 +11081,7 @@
         </p:nvGraphicFramePr>
         <p:xfrm>
           <a:off x="194237" y="1272353"/>
-          <a:ext cx="7368291" cy="2473960"/>
+          <a:ext cx="7368291" cy="2626360"/>
         </p:xfrm>
         <a:graphic>
           <a:graphicData uri="http://schemas.openxmlformats.org/drawingml/2006/table">
@@ -12709,18 +11115,17 @@
                         <a:buNone/>
                       </a:pPr>
                       <a:r>
-                        <a:rPr lang="en-US" sz="1200" b="0" strike="noStrike" dirty="0">
+                        <a:rPr lang="it-IT" sz="1200" b="0" strike="noStrike">
                           <a:solidFill>
                             <a:srgbClr val="5F5F5F"/>
                           </a:solidFill>
                           <a:latin typeface="Adobe Clean"/>
                           <a:ea typeface="+mn-ea"/>
                           <a:cs typeface="+mn-cs"/>
-                          <a:hlinkClick r:id="rId14"/>
+                          <a:hlinkClick r:id="rId13"/>
                         </a:rPr>
-                        <a:t>Enterprise Learn &amp; Support</a:t>
+                        <a:t>Informazioni e supporto Enterprise</a:t>
                       </a:r>
-                      <a:endParaRPr lang="en-US"/>
                     </a:p>
                   </a:txBody>
                   <a:tcPr marL="47625" marR="47625" marT="0" marB="0" anchor="ctr">
@@ -12792,7 +11197,7 @@
                         <a:buNone/>
                       </a:pPr>
                       <a:r>
-                        <a:rPr lang="en-US" sz="1000" b="0" strike="noStrike" kern="1200" dirty="0">
+                        <a:rPr lang="it-IT" sz="1000" b="0" strike="noStrike">
                           <a:solidFill>
                             <a:schemeClr val="tx1"/>
                           </a:solidFill>
@@ -12800,7 +11205,7 @@
                           <a:ea typeface="+mn-ea"/>
                           <a:cs typeface="+mn-cs"/>
                         </a:rPr>
-                        <a:t>Enterprise Learn &amp; Support is a place where Adobe customers can find self-help tutorials, product documentation, instructor-led training, community and support for select Adobe Creative Cloud and Document products.</a:t>
+                        <a:t>Informazioni e supporto Enterprise è un luogo dove i clienti Adobe possono trovare tutorial di assistenza autonoma, documentazione dei prodotti, formazione con istruttore, community e supporto per alcuni prodotti Adobe Creative Cloud e Document.</a:t>
                       </a:r>
                     </a:p>
                   </a:txBody>
@@ -12882,15 +11287,14 @@
                         <a:defRPr/>
                       </a:pPr>
                       <a:r>
-                        <a:rPr lang="en-US" sz="1200" strike="noStrike" dirty="0">
+                        <a:rPr lang="it-IT" sz="1200" strike="noStrike">
                           <a:solidFill>
                             <a:srgbClr val="5F5F5F"/>
                           </a:solidFill>
-                          <a:effectLst/>
                           <a:latin typeface="Adobe Clean" panose="020B0503020404020204" pitchFamily="34" charset="0"/>
                           <a:ea typeface="+mn-ea"/>
                           <a:cs typeface="+mn-cs"/>
-                          <a:hlinkClick r:id="rId15">
+                          <a:hlinkClick r:id="rId14">
                             <a:extLst>
                               <a:ext uri="{A12FA001-AC4F-418D-AE19-62706E023703}">
                                 <ahyp:hlinkClr xmlns:ahyp="http://schemas.microsoft.com/office/drawing/2018/hyperlinkcolor" val="tx"/>
@@ -12898,17 +11302,8 @@
                             </a:extLst>
                           </a:hlinkClick>
                         </a:rPr>
-                        <a:t>Adobe Support Community </a:t>
+                        <a:t>Community di supporto Adobe </a:t>
                       </a:r>
-                      <a:endParaRPr lang="en-US" sz="1200" strike="noStrike" dirty="0">
-                        <a:solidFill>
-                          <a:srgbClr val="5F5F5F"/>
-                        </a:solidFill>
-                        <a:effectLst/>
-                        <a:latin typeface="Adobe Clean" panose="020B0503020404020204" pitchFamily="34" charset="0"/>
-                        <a:ea typeface="+mn-ea"/>
-                        <a:cs typeface="+mn-cs"/>
-                      </a:endParaRPr>
                     </a:p>
                   </a:txBody>
                   <a:tcPr anchor="ctr">
@@ -12982,7 +11377,7 @@
                         <a:defRPr/>
                       </a:pPr>
                       <a:r>
-                        <a:rPr lang="en-US" sz="1000" strike="noStrike" kern="1200" dirty="0">
+                        <a:rPr lang="it-IT" sz="1000" strike="noStrike">
                           <a:solidFill>
                             <a:schemeClr val="tx1"/>
                           </a:solidFill>
@@ -12990,19 +11385,8 @@
                           <a:ea typeface="+mn-ea"/>
                           <a:cs typeface="+mn-cs"/>
                         </a:rPr>
-                        <a:t>The Adobe Support Community is the place to ask questions, find answers, learn from experts and share your knowledge.</a:t>
+                        <a:t>La Community di supporto Adobe è il luogo in cui porre domande, trovare risposte, imparare dagli esperti e condividere le proprie conoscenze.</a:t>
                       </a:r>
-                      <a:endParaRPr lang="en-US" sz="1000" strike="noStrike" kern="1200" dirty="0">
-                        <a:solidFill>
-                          <a:schemeClr val="tx1"/>
-                        </a:solidFill>
-                        <a:highlight>
-                          <a:srgbClr val="FFFF00"/>
-                        </a:highlight>
-                        <a:latin typeface="Adobe Clean Light" panose="020B0303020404020204" pitchFamily="34" charset="0"/>
-                        <a:ea typeface="+mn-ea"/>
-                        <a:cs typeface="+mn-cs"/>
-                      </a:endParaRPr>
                     </a:p>
                   </a:txBody>
                   <a:tcPr anchor="ctr">
@@ -13083,15 +11467,14 @@
                         <a:defRPr/>
                       </a:pPr>
                       <a:r>
-                        <a:rPr lang="en-US" sz="1200" dirty="0">
+                        <a:rPr lang="it-IT" sz="1200">
                           <a:solidFill>
                             <a:srgbClr val="5F5F5F"/>
                           </a:solidFill>
-                          <a:effectLst/>
                           <a:latin typeface="Adobe Clean" panose="020B0503020404020204" pitchFamily="34" charset="0"/>
                           <a:ea typeface="+mn-ea"/>
                           <a:cs typeface="+mn-cs"/>
-                          <a:hlinkClick r:id="rId16">
+                          <a:hlinkClick r:id="rId15">
                             <a:extLst>
                               <a:ext uri="{A12FA001-AC4F-418D-AE19-62706E023703}">
                                 <ahyp:hlinkClr xmlns:ahyp="http://schemas.microsoft.com/office/drawing/2018/hyperlinkcolor" val="tx"/>
@@ -13099,17 +11482,8 @@
                             </a:extLst>
                           </a:hlinkClick>
                         </a:rPr>
-                        <a:t>Production Issues &amp; System Outages</a:t>
+                        <a:t>Problemi di produzione e interruzioni del sistema</a:t>
                       </a:r>
-                      <a:endParaRPr lang="en-US" sz="1200" dirty="0">
-                        <a:solidFill>
-                          <a:srgbClr val="5F5F5F"/>
-                        </a:solidFill>
-                        <a:effectLst/>
-                        <a:latin typeface="Adobe Clean" panose="020B0503020404020204" pitchFamily="34" charset="0"/>
-                        <a:ea typeface="+mn-ea"/>
-                        <a:cs typeface="+mn-cs"/>
-                      </a:endParaRPr>
                     </a:p>
                   </a:txBody>
                   <a:tcPr anchor="ctr">
@@ -13183,7 +11557,7 @@
                         <a:defRPr/>
                       </a:pPr>
                       <a:r>
-                        <a:rPr lang="en-US" sz="1000" kern="1200" dirty="0">
+                        <a:rPr lang="it-IT" sz="1000">
                           <a:solidFill>
                             <a:schemeClr val="tx1"/>
                           </a:solidFill>
@@ -13191,7 +11565,7 @@
                           <a:ea typeface="+mn-ea"/>
                           <a:cs typeface="+mn-cs"/>
                         </a:rPr>
-                        <a:t>Status.adobe.com conveys the health information of all Adobe products and services that are deployed in multi-tenant environments. Customers can choose their subscription preferences to get email notifications whenever Adobe creates, updates or resolves a product event. This can include scheduled maintenance or service issues of varying levels of severity. </a:t>
+                        <a:t>Status.adobe.com trasmette informazioni sullo stato di tutti i prodotti e i servizi Adobe implementati in ambienti multi-tenant. Puoi scegliere se ricevere notifiche e-mail ogni volta che Adobe segnala, aggiorna o risolve un problema relativo a un prodotto. Vengono segnalate ad esempio le interruzioni per manutenzione programmata o problemi relativi ai servizi con diversi livelli di gravità. </a:t>
                       </a:r>
                     </a:p>
                   </a:txBody>
@@ -13273,15 +11647,14 @@
                         <a:defRPr/>
                       </a:pPr>
                       <a:r>
-                        <a:rPr lang="en-US" sz="1200" dirty="0">
+                        <a:rPr lang="it-IT" sz="1200">
                           <a:solidFill>
                             <a:srgbClr val="5F5F5F"/>
                           </a:solidFill>
-                          <a:effectLst/>
                           <a:latin typeface="Adobe Clean" panose="020B0503020404020204" pitchFamily="34" charset="0"/>
                           <a:ea typeface="+mn-ea"/>
                           <a:cs typeface="+mn-cs"/>
-                          <a:hlinkClick r:id="rId17">
+                          <a:hlinkClick r:id="rId16">
                             <a:extLst>
                               <a:ext uri="{A12FA001-AC4F-418D-AE19-62706E023703}">
                                 <ahyp:hlinkClr xmlns:ahyp="http://schemas.microsoft.com/office/drawing/2018/hyperlinkcolor" val="tx"/>
@@ -13289,17 +11662,8 @@
                             </a:extLst>
                           </a:hlinkClick>
                         </a:rPr>
-                        <a:t>Terms and Conditions</a:t>
+                        <a:t>Termini e condizioni</a:t>
                       </a:r>
-                      <a:endParaRPr lang="en-US" sz="1200" dirty="0">
-                        <a:solidFill>
-                          <a:srgbClr val="5F5F5F"/>
-                        </a:solidFill>
-                        <a:effectLst/>
-                        <a:latin typeface="Adobe Clean" panose="020B0503020404020204" pitchFamily="34" charset="0"/>
-                        <a:ea typeface="+mn-ea"/>
-                        <a:cs typeface="+mn-cs"/>
-                      </a:endParaRPr>
                     </a:p>
                   </a:txBody>
                   <a:tcPr anchor="ctr">
@@ -13356,7 +11720,7 @@
                     <a:lstStyle/>
                     <a:p>
                       <a:r>
-                        <a:rPr lang="en-US" sz="1000" kern="1200" dirty="0">
+                        <a:rPr lang="it-IT" sz="1000">
                           <a:solidFill>
                             <a:schemeClr val="tx1"/>
                           </a:solidFill>
@@ -13364,7 +11728,7 @@
                           <a:ea typeface="+mn-ea"/>
                           <a:cs typeface="+mn-cs"/>
                         </a:rPr>
-                        <a:t>Terms and conditions detailing Support Services offerings.</a:t>
+                        <a:t>Termini e condizioni che descrivono i servizi di supporto disponibili.</a:t>
                       </a:r>
                     </a:p>
                   </a:txBody>
@@ -13441,7 +11805,7 @@
         <p:spPr>
           <a:xfrm flipV="1">
             <a:off x="197403" y="859202"/>
-            <a:ext cx="777240" cy="45719"/>
+            <a:ext cx="594360" cy="45719"/>
           </a:xfrm>
           <a:custGeom>
             <a:avLst/>
@@ -13484,11 +11848,6 @@
   <p:clrMapOvr>
     <a:masterClrMapping/>
   </p:clrMapOvr>
-  <p:extLst>
-    <p:ext uri="{6950BFC3-D8DA-4A85-94F7-54DA5524770B}">
-      <p188:commentRel xmlns:p188="http://schemas.microsoft.com/office/powerpoint/2018/8/main" r:id="rId3"/>
-    </p:ext>
-  </p:extLst>
 </p:sld>
 </file>
 
@@ -14080,12 +12439,6 @@
 </file>
 
 <file path=customXml/item2.xml><?xml version="1.0" encoding="utf-8"?>
-<p:properties xmlns:p="http://schemas.microsoft.com/office/2006/metadata/properties" xmlns:xsi="http://www.w3.org/2001/XMLSchema-instance" xmlns:pc="http://schemas.microsoft.com/office/infopath/2007/PartnerControls">
-  <documentManagement/>
-</p:properties>
-</file>
-
-<file path=customXml/item3.xml><?xml version="1.0" encoding="utf-8"?>
 <ct:contentTypeSchema xmlns:ct="http://schemas.microsoft.com/office/2006/metadata/contentType" xmlns:ma="http://schemas.microsoft.com/office/2006/metadata/properties/metaAttributes" ct:_="" ma:_="" ma:contentTypeName="Document" ma:contentTypeID="0x0101009423269C2B3A1A408FE719AA0C68584E" ma:contentTypeVersion="12" ma:contentTypeDescription="Create a new document." ma:contentTypeScope="" ma:versionID="bb0e62b6784238cdabe687d3bb80e52e">
   <xsd:schema xmlns:xsd="http://www.w3.org/2001/XMLSchema" xmlns:xs="http://www.w3.org/2001/XMLSchema" xmlns:p="http://schemas.microsoft.com/office/2006/metadata/properties" xmlns:ns2="01e63850-2818-4a9f-a0cd-2d4201ad5cd5" xmlns:ns3="281057cd-4f7e-4aa3-94a7-05201549cd15" targetNamespace="http://schemas.microsoft.com/office/2006/metadata/properties" ma:root="true" ma:fieldsID="8056aed6c30138b1a2c5f47f967a193a" ns2:_="" ns3:_="">
     <xsd:import namespace="01e63850-2818-4a9f-a0cd-2d4201ad5cd5"/>
@@ -14302,6 +12655,12 @@
 </ct:contentTypeSchema>
 </file>
 
+<file path=customXml/item3.xml><?xml version="1.0" encoding="utf-8"?>
+<p:properties xmlns:p="http://schemas.microsoft.com/office/2006/metadata/properties" xmlns:xsi="http://www.w3.org/2001/XMLSchema-instance" xmlns:pc="http://schemas.microsoft.com/office/infopath/2007/PartnerControls">
+  <documentManagement/>
+</p:properties>
+</file>
+
 <file path=customXml/itemProps1.xml><?xml version="1.0" encoding="utf-8"?>
 <ds:datastoreItem xmlns:ds="http://schemas.openxmlformats.org/officeDocument/2006/customXml" ds:itemID="{95AE3B0B-E909-400C-B0B3-909FB50E07DE}">
   <ds:schemaRefs>
@@ -14311,23 +12670,6 @@
 </file>
 
 <file path=customXml/itemProps2.xml><?xml version="1.0" encoding="utf-8"?>
-<ds:datastoreItem xmlns:ds="http://schemas.openxmlformats.org/officeDocument/2006/customXml" ds:itemID="{10FC3CAF-E6F1-40E3-87D4-6B781C97D6B4}">
-  <ds:schemaRefs>
-    <ds:schemaRef ds:uri="01e63850-2818-4a9f-a0cd-2d4201ad5cd5"/>
-    <ds:schemaRef ds:uri="http://www.w3.org/XML/1998/namespace"/>
-    <ds:schemaRef ds:uri="http://purl.org/dc/terms/"/>
-    <ds:schemaRef ds:uri="http://purl.org/dc/elements/1.1/"/>
-    <ds:schemaRef ds:uri="http://schemas.openxmlformats.org/package/2006/metadata/core-properties"/>
-    <ds:schemaRef ds:uri="http://schemas.microsoft.com/office/2006/metadata/properties"/>
-    <ds:schemaRef ds:uri="http://schemas.microsoft.com/office/2006/documentManagement/types"/>
-    <ds:schemaRef ds:uri="http://purl.org/dc/dcmitype/"/>
-    <ds:schemaRef ds:uri="http://schemas.microsoft.com/office/infopath/2007/PartnerControls"/>
-    <ds:schemaRef ds:uri="281057cd-4f7e-4aa3-94a7-05201549cd15"/>
-  </ds:schemaRefs>
-</ds:datastoreItem>
-</file>
-
-<file path=customXml/itemProps3.xml><?xml version="1.0" encoding="utf-8"?>
 <ds:datastoreItem xmlns:ds="http://schemas.openxmlformats.org/officeDocument/2006/customXml" ds:itemID="{34D96EB5-5D0B-4E9E-8068-E6D7C70133E7}">
   <ds:schemaRefs>
     <ds:schemaRef ds:uri="http://schemas.microsoft.com/office/2006/metadata/contentType"/>
@@ -14344,4 +12686,21 @@
     <ds:schemaRef ds:uri="http://schemas.microsoft.com/internal/obd"/>
   </ds:schemaRefs>
 </ds:datastoreItem>
+</file>
+
+<file path=customXml/itemProps3.xml><?xml version="1.0" encoding="utf-8"?>
+<ds:datastoreItem xmlns:ds="http://schemas.openxmlformats.org/officeDocument/2006/customXml" ds:itemID="{10FC3CAF-E6F1-40E3-87D4-6B781C97D6B4}">
+  <ds:schemaRefs>
+    <ds:schemaRef ds:uri="01e63850-2818-4a9f-a0cd-2d4201ad5cd5"/>
+    <ds:schemaRef ds:uri="http://www.w3.org/XML/1998/namespace"/>
+    <ds:schemaRef ds:uri="http://purl.org/dc/terms/"/>
+    <ds:schemaRef ds:uri="http://purl.org/dc/elements/1.1/"/>
+    <ds:schemaRef ds:uri="http://schemas.openxmlformats.org/package/2006/metadata/core-properties"/>
+    <ds:schemaRef ds:uri="http://schemas.microsoft.com/office/2006/metadata/properties"/>
+    <ds:schemaRef ds:uri="http://schemas.microsoft.com/office/2006/documentManagement/types"/>
+    <ds:schemaRef ds:uri="http://purl.org/dc/dcmitype/"/>
+    <ds:schemaRef ds:uri="http://schemas.microsoft.com/office/infopath/2007/PartnerControls"/>
+    <ds:schemaRef ds:uri="281057cd-4f7e-4aa3-94a7-05201549cd15"/>
+  </ds:schemaRefs>
+</ds:datastoreItem>
 </file>